--- a/ppt/자원공유.pptx
+++ b/ppt/자원공유.pptx
@@ -266,7 +266,7 @@
           <a:p>
             <a:fld id="{94256C24-BA81-44B6-8660-FA372B1023A4}" type="datetimeFigureOut">
               <a:rPr lang="ko-KR" altLang="en-US" smtClean="0"/>
-              <a:t>2025-06-25</a:t>
+              <a:t>2025-06-26</a:t>
             </a:fld>
             <a:endParaRPr lang="ko-KR" altLang="en-US"/>
           </a:p>
@@ -464,7 +464,7 @@
           <a:p>
             <a:fld id="{94256C24-BA81-44B6-8660-FA372B1023A4}" type="datetimeFigureOut">
               <a:rPr lang="ko-KR" altLang="en-US" smtClean="0"/>
-              <a:t>2025-06-25</a:t>
+              <a:t>2025-06-26</a:t>
             </a:fld>
             <a:endParaRPr lang="ko-KR" altLang="en-US"/>
           </a:p>
@@ -672,7 +672,7 @@
           <a:p>
             <a:fld id="{94256C24-BA81-44B6-8660-FA372B1023A4}" type="datetimeFigureOut">
               <a:rPr lang="ko-KR" altLang="en-US" smtClean="0"/>
-              <a:t>2025-06-25</a:t>
+              <a:t>2025-06-26</a:t>
             </a:fld>
             <a:endParaRPr lang="ko-KR" altLang="en-US"/>
           </a:p>
@@ -870,7 +870,7 @@
           <a:p>
             <a:fld id="{94256C24-BA81-44B6-8660-FA372B1023A4}" type="datetimeFigureOut">
               <a:rPr lang="ko-KR" altLang="en-US" smtClean="0"/>
-              <a:t>2025-06-25</a:t>
+              <a:t>2025-06-26</a:t>
             </a:fld>
             <a:endParaRPr lang="ko-KR" altLang="en-US"/>
           </a:p>
@@ -1145,7 +1145,7 @@
           <a:p>
             <a:fld id="{94256C24-BA81-44B6-8660-FA372B1023A4}" type="datetimeFigureOut">
               <a:rPr lang="ko-KR" altLang="en-US" smtClean="0"/>
-              <a:t>2025-06-25</a:t>
+              <a:t>2025-06-26</a:t>
             </a:fld>
             <a:endParaRPr lang="ko-KR" altLang="en-US"/>
           </a:p>
@@ -1410,7 +1410,7 @@
           <a:p>
             <a:fld id="{94256C24-BA81-44B6-8660-FA372B1023A4}" type="datetimeFigureOut">
               <a:rPr lang="ko-KR" altLang="en-US" smtClean="0"/>
-              <a:t>2025-06-25</a:t>
+              <a:t>2025-06-26</a:t>
             </a:fld>
             <a:endParaRPr lang="ko-KR" altLang="en-US"/>
           </a:p>
@@ -1822,7 +1822,7 @@
           <a:p>
             <a:fld id="{94256C24-BA81-44B6-8660-FA372B1023A4}" type="datetimeFigureOut">
               <a:rPr lang="ko-KR" altLang="en-US" smtClean="0"/>
-              <a:t>2025-06-25</a:t>
+              <a:t>2025-06-26</a:t>
             </a:fld>
             <a:endParaRPr lang="ko-KR" altLang="en-US"/>
           </a:p>
@@ -1963,7 +1963,7 @@
           <a:p>
             <a:fld id="{94256C24-BA81-44B6-8660-FA372B1023A4}" type="datetimeFigureOut">
               <a:rPr lang="ko-KR" altLang="en-US" smtClean="0"/>
-              <a:t>2025-06-25</a:t>
+              <a:t>2025-06-26</a:t>
             </a:fld>
             <a:endParaRPr lang="ko-KR" altLang="en-US"/>
           </a:p>
@@ -2076,7 +2076,7 @@
           <a:p>
             <a:fld id="{94256C24-BA81-44B6-8660-FA372B1023A4}" type="datetimeFigureOut">
               <a:rPr lang="ko-KR" altLang="en-US" smtClean="0"/>
-              <a:t>2025-06-25</a:t>
+              <a:t>2025-06-26</a:t>
             </a:fld>
             <a:endParaRPr lang="ko-KR" altLang="en-US"/>
           </a:p>
@@ -2387,7 +2387,7 @@
           <a:p>
             <a:fld id="{94256C24-BA81-44B6-8660-FA372B1023A4}" type="datetimeFigureOut">
               <a:rPr lang="ko-KR" altLang="en-US" smtClean="0"/>
-              <a:t>2025-06-25</a:t>
+              <a:t>2025-06-26</a:t>
             </a:fld>
             <a:endParaRPr lang="ko-KR" altLang="en-US"/>
           </a:p>
@@ -2675,7 +2675,7 @@
           <a:p>
             <a:fld id="{94256C24-BA81-44B6-8660-FA372B1023A4}" type="datetimeFigureOut">
               <a:rPr lang="ko-KR" altLang="en-US" smtClean="0"/>
-              <a:t>2025-06-25</a:t>
+              <a:t>2025-06-26</a:t>
             </a:fld>
             <a:endParaRPr lang="ko-KR" altLang="en-US"/>
           </a:p>
@@ -2916,7 +2916,7 @@
           <a:p>
             <a:fld id="{94256C24-BA81-44B6-8660-FA372B1023A4}" type="datetimeFigureOut">
               <a:rPr lang="ko-KR" altLang="en-US" smtClean="0"/>
-              <a:t>2025-06-25</a:t>
+              <a:t>2025-06-26</a:t>
             </a:fld>
             <a:endParaRPr lang="ko-KR" altLang="en-US"/>
           </a:p>
@@ -4503,8 +4503,8 @@
         </p:nvSpPr>
         <p:spPr>
           <a:xfrm>
-            <a:off x="386080" y="1889760"/>
-            <a:ext cx="10014601" cy="4985980"/>
+            <a:off x="296350" y="1624840"/>
+            <a:ext cx="10014601" cy="4555093"/>
           </a:xfrm>
           <a:prstGeom prst="rect">
             <a:avLst/>
@@ -4527,45 +4527,112 @@
             </a:r>
             <a:r>
               <a:rPr lang="en-US" altLang="ko-KR" dirty="0"/>
-              <a:t>&lt;T&gt;</a:t>
-            </a:r>
-          </a:p>
-          <a:p>
-            <a:r>
-              <a:rPr lang="en-US" altLang="ko-KR" dirty="0"/>
+              <a:t>&lt;T&gt;  </a:t>
+            </a:r>
+          </a:p>
+          <a:p>
+            <a:r>
+              <a:rPr lang="ko-KR" altLang="ko-KR" sz="1400" dirty="0">
+                <a:latin typeface="Arial" panose="020B0604020202020204" pitchFamily="34" charset="0"/>
+              </a:rPr>
+              <a:t>멤버: </a:t>
+            </a:r>
+            <a:r>
+              <a:rPr lang="ko-KR" altLang="ko-KR" sz="1400" dirty="0" err="1">
+                <a:latin typeface="Arial Unicode MS"/>
+              </a:rPr>
+              <a:t>T</a:t>
+            </a:r>
+            <a:r>
+              <a:rPr lang="ko-KR" altLang="ko-KR" sz="1400" dirty="0">
+                <a:latin typeface="Arial Unicode MS"/>
+              </a:rPr>
+              <a:t>* </a:t>
+            </a:r>
+            <a:r>
+              <a:rPr lang="ko-KR" altLang="ko-KR" sz="1400" dirty="0" err="1">
+                <a:latin typeface="Arial Unicode MS"/>
+              </a:rPr>
+              <a:t>ptr</a:t>
+            </a:r>
+            <a:r>
+              <a:rPr lang="ko-KR" altLang="ko-KR" sz="1400" dirty="0">
+                <a:latin typeface="Arial Unicode MS"/>
+              </a:rPr>
+              <a:t>;</a:t>
+            </a:r>
+            <a:r>
+              <a:rPr lang="en-US" altLang="ko-KR" sz="1400" dirty="0">
+                <a:latin typeface="Arial Unicode MS"/>
+              </a:rPr>
+              <a:t>   </a:t>
+            </a:r>
+          </a:p>
+          <a:p>
+            <a:r>
+              <a:rPr lang="ko-KR" altLang="ko-KR" sz="1400" dirty="0">
+                <a:latin typeface="Arial" panose="020B0604020202020204" pitchFamily="34" charset="0"/>
+              </a:rPr>
+              <a:t>단독 소유권(</a:t>
+            </a:r>
+            <a:r>
+              <a:rPr lang="ko-KR" altLang="ko-KR" sz="1400" dirty="0" err="1">
+                <a:latin typeface="Arial" panose="020B0604020202020204" pitchFamily="34" charset="0"/>
+              </a:rPr>
+              <a:t>ownership</a:t>
+            </a:r>
+            <a:r>
+              <a:rPr lang="ko-KR" altLang="ko-KR" sz="1400" dirty="0">
+                <a:latin typeface="Arial" panose="020B0604020202020204" pitchFamily="34" charset="0"/>
+              </a:rPr>
+              <a:t>)만 관리하며, 소멸자에서 </a:t>
+            </a:r>
+            <a:r>
+              <a:rPr lang="ko-KR" altLang="ko-KR" sz="1400" dirty="0" err="1">
+                <a:latin typeface="Arial Unicode MS"/>
+              </a:rPr>
+              <a:t>delete</a:t>
+            </a:r>
+            <a:r>
+              <a:rPr lang="ko-KR" altLang="ko-KR" sz="1400" dirty="0">
+                <a:latin typeface="Arial Unicode MS"/>
+              </a:rPr>
               <a:t> </a:t>
             </a:r>
+            <a:r>
+              <a:rPr lang="ko-KR" altLang="ko-KR" sz="1400" dirty="0" err="1">
+                <a:latin typeface="Arial Unicode MS"/>
+              </a:rPr>
+              <a:t>ptr</a:t>
+            </a:r>
+            <a:r>
+              <a:rPr lang="ko-KR" altLang="ko-KR" sz="1400" dirty="0"/>
+              <a:t> 호출</a:t>
+            </a:r>
+            <a:endParaRPr lang="en-US" altLang="ko-KR" dirty="0"/>
           </a:p>
           <a:p>
             <a:r>
               <a:rPr lang="ko-KR" altLang="en-US" sz="1400" dirty="0"/>
-              <a:t>소멸자에서 </a:t>
+              <a:t>오직 하나의 </a:t>
+            </a:r>
+            <a:r>
+              <a:rPr lang="en-US" altLang="ko-KR" sz="1400" dirty="0" err="1"/>
+              <a:t>unique_ptr</a:t>
+            </a:r>
+            <a:r>
+              <a:rPr lang="ko-KR" altLang="en-US" sz="1400" dirty="0"/>
+              <a:t>만이 객체를 소유</a:t>
             </a:r>
             <a:r>
               <a:rPr lang="en-US" altLang="ko-KR" sz="1400" dirty="0"/>
-              <a:t>delete</a:t>
-            </a:r>
-            <a:r>
-              <a:rPr lang="ko-KR" altLang="en-US" sz="1400" dirty="0"/>
-              <a:t>를 자동 호출해준다</a:t>
-            </a:r>
-            <a:r>
-              <a:rPr lang="en-US" altLang="ko-KR" sz="1400" dirty="0"/>
-              <a:t>.  Raw</a:t>
-            </a:r>
-            <a:r>
-              <a:rPr lang="ko-KR" altLang="en-US" sz="1400" dirty="0"/>
-              <a:t>포인터 공유 불가  </a:t>
-            </a:r>
-            <a:r>
-              <a:rPr lang="en-US" altLang="ko-KR" sz="1400" dirty="0"/>
-              <a:t>std::move</a:t>
+              <a:t>. std::move</a:t>
             </a:r>
             <a:r>
               <a:rPr lang="ko-KR" altLang="en-US" sz="1400" dirty="0"/>
               <a:t>로 전달은 가능 </a:t>
             </a:r>
-            <a:endParaRPr lang="en-US" altLang="ko-KR" sz="1400" dirty="0"/>
+            <a:endParaRPr lang="en-US" altLang="ko-KR" dirty="0"/>
           </a:p>
           <a:p>
             <a:pPr marL="342900" indent="-342900">
@@ -4574,57 +4641,161 @@
             <a:endParaRPr lang="en-US" altLang="ko-KR" dirty="0"/>
           </a:p>
           <a:p>
-            <a:pPr marL="342900" indent="-342900">
-              <a:buAutoNum type="arabicPeriod"/>
+            <a:pPr lvl="0" eaLnBrk="0" fontAlgn="base" latinLnBrk="0" hangingPunct="0">
+              <a:spcBef>
+                <a:spcPct val="0"/>
+              </a:spcBef>
+              <a:spcAft>
+                <a:spcPct val="0"/>
+              </a:spcAft>
             </a:pPr>
-            <a:endParaRPr lang="en-US" altLang="ko-KR" dirty="0"/>
-          </a:p>
-          <a:p>
-            <a:pPr marL="342900" indent="-342900">
-              <a:buAutoNum type="arabicPeriod"/>
-            </a:pPr>
-            <a:endParaRPr lang="en-US" altLang="ko-KR" dirty="0"/>
-          </a:p>
-          <a:p>
             <a:r>
               <a:rPr lang="en-US" altLang="ko-KR" dirty="0" err="1"/>
               <a:t>shared_ptr</a:t>
             </a:r>
             <a:r>
               <a:rPr lang="en-US" altLang="ko-KR" dirty="0"/>
-              <a:t>&lt;T&gt;</a:t>
-            </a:r>
-          </a:p>
-          <a:p>
-            <a:endParaRPr lang="en-US" altLang="ko-KR" dirty="0"/>
-          </a:p>
-          <a:p>
-            <a:r>
-              <a:rPr lang="en-US" altLang="ko-KR" i="1" dirty="0">
+              <a:t>&lt;T&gt;  </a:t>
+            </a:r>
+          </a:p>
+          <a:p>
+            <a:pPr lvl="0" eaLnBrk="0" fontAlgn="base" latinLnBrk="0" hangingPunct="0">
+              <a:spcBef>
+                <a:spcPct val="0"/>
+              </a:spcBef>
+              <a:spcAft>
+                <a:spcPct val="0"/>
+              </a:spcAft>
+            </a:pPr>
+            <a:r>
+              <a:rPr lang="ko-KR" altLang="en-US" sz="1400" dirty="0"/>
+              <a:t>멤버 </a:t>
+            </a:r>
+            <a:r>
+              <a:rPr lang="ko-KR" altLang="ko-KR" sz="1400" dirty="0" err="1">
+                <a:latin typeface="Arial Unicode MS"/>
+              </a:rPr>
+              <a:t>T</a:t>
+            </a:r>
+            <a:r>
+              <a:rPr lang="ko-KR" altLang="ko-KR" sz="1400" dirty="0">
+                <a:latin typeface="Arial Unicode MS"/>
+              </a:rPr>
+              <a:t>* </a:t>
+            </a:r>
+            <a:r>
+              <a:rPr lang="ko-KR" altLang="ko-KR" sz="1400" dirty="0" err="1">
+                <a:latin typeface="Arial Unicode MS"/>
+              </a:rPr>
+              <a:t>ptr</a:t>
+            </a:r>
+            <a:r>
+              <a:rPr lang="ko-KR" altLang="ko-KR" sz="1400" dirty="0">
+                <a:latin typeface="Arial Unicode MS"/>
+              </a:rPr>
+              <a:t>;</a:t>
+            </a:r>
+            <a:r>
+              <a:rPr lang="ko-KR" altLang="ko-KR" sz="1400" dirty="0"/>
+              <a:t> ← 실제 인스턴스를 가리키는 포인터</a:t>
+            </a:r>
+            <a:endParaRPr lang="ko-KR" altLang="ko-KR" sz="1400" dirty="0">
+              <a:latin typeface="Arial" panose="020B0604020202020204" pitchFamily="34" charset="0"/>
+            </a:endParaRPr>
+          </a:p>
+          <a:p>
+            <a:pPr lvl="0" eaLnBrk="0" fontAlgn="base" latinLnBrk="0" hangingPunct="0">
+              <a:spcBef>
+                <a:spcPct val="0"/>
+              </a:spcBef>
+              <a:spcAft>
+                <a:spcPct val="0"/>
+              </a:spcAft>
+            </a:pPr>
+            <a:r>
+              <a:rPr lang="ko-KR" altLang="en-US" sz="1400" dirty="0">
+                <a:latin typeface="Arial Unicode MS"/>
+              </a:rPr>
+              <a:t>멤버 </a:t>
+            </a:r>
+            <a:r>
+              <a:rPr lang="ko-KR" altLang="ko-KR" sz="1400" dirty="0" err="1">
+                <a:latin typeface="Arial Unicode MS"/>
+              </a:rPr>
+              <a:t>ControlBlock</a:t>
+            </a:r>
+            <a:r>
+              <a:rPr lang="ko-KR" altLang="ko-KR" sz="1400" dirty="0">
+                <a:latin typeface="Arial Unicode MS"/>
+              </a:rPr>
+              <a:t>* </a:t>
+            </a:r>
+            <a:r>
+              <a:rPr lang="en-US" altLang="ko-KR" sz="1400" dirty="0" err="1">
+                <a:latin typeface="Arial Unicode MS"/>
+              </a:rPr>
+              <a:t>cb</a:t>
+            </a:r>
+            <a:r>
+              <a:rPr lang="ko-KR" altLang="ko-KR" sz="1400" dirty="0">
+                <a:latin typeface="Arial Unicode MS"/>
+              </a:rPr>
+              <a:t>;</a:t>
+            </a:r>
+            <a:r>
+              <a:rPr lang="ko-KR" altLang="ko-KR" sz="1400" dirty="0"/>
+              <a:t> ← 참조 카운트(</a:t>
+            </a:r>
+            <a:r>
+              <a:rPr lang="ko-KR" altLang="ko-KR" sz="1400" dirty="0" err="1"/>
+              <a:t>Strong</a:t>
+            </a:r>
+            <a:r>
+              <a:rPr lang="ko-KR" altLang="ko-KR" sz="1400" dirty="0"/>
+              <a:t>/</a:t>
+            </a:r>
+            <a:r>
+              <a:rPr lang="ko-KR" altLang="ko-KR" sz="1400" dirty="0" err="1"/>
+              <a:t>Weak</a:t>
+            </a:r>
+            <a:r>
+              <a:rPr lang="ko-KR" altLang="ko-KR" sz="1400" dirty="0"/>
+              <a:t>)와 삭제자를 담은 별도의 구조체</a:t>
+            </a:r>
+            <a:endParaRPr lang="en-US" altLang="ko-KR" sz="1400" dirty="0"/>
+          </a:p>
+          <a:p>
+            <a:endParaRPr lang="en-US" altLang="ko-KR" sz="1400" i="1" dirty="0">
+              <a:latin typeface="+mn-ea"/>
+            </a:endParaRPr>
+          </a:p>
+          <a:p>
+            <a:r>
+              <a:rPr lang="en-US" altLang="ko-KR" sz="1400" i="1" dirty="0">
                 <a:latin typeface="+mn-ea"/>
               </a:rPr>
               <a:t>std</a:t>
             </a:r>
             <a:r>
-              <a:rPr lang="en-US" altLang="ko-KR" dirty="0">
+              <a:rPr lang="en-US" altLang="ko-KR" sz="1400" dirty="0">
                 <a:latin typeface="+mn-ea"/>
               </a:rPr>
               <a:t>::</a:t>
             </a:r>
             <a:r>
-              <a:rPr lang="en-US" altLang="ko-KR" i="1" dirty="0" err="1">
+              <a:rPr lang="en-US" altLang="ko-KR" sz="1400" i="1" dirty="0" err="1">
                 <a:latin typeface="+mn-ea"/>
               </a:rPr>
               <a:t>make_shared</a:t>
             </a:r>
             <a:r>
-              <a:rPr lang="en-US" altLang="ko-KR" i="1" dirty="0">
+              <a:rPr lang="en-US" altLang="ko-KR" sz="1400" i="1" dirty="0">
                 <a:latin typeface="+mn-ea"/>
               </a:rPr>
               <a:t> </a:t>
             </a:r>
             <a:r>
-              <a:rPr lang="ko-KR" altLang="en-US" i="1" dirty="0">
+              <a:rPr lang="ko-KR" altLang="en-US" sz="1400" i="1" dirty="0">
                 <a:latin typeface="+mn-ea"/>
               </a:rPr>
               <a:t>로 </a:t>
@@ -4668,6 +4839,141 @@
           </a:p>
           <a:p>
             <a:r>
+              <a:rPr lang="ko-KR" altLang="ko-KR" sz="1400" dirty="0" err="1">
+                <a:latin typeface="Arial Unicode MS"/>
+              </a:rPr>
+              <a:t>shared_ptr</a:t>
+            </a:r>
+            <a:r>
+              <a:rPr lang="ko-KR" altLang="ko-KR" sz="1400" dirty="0">
+                <a:latin typeface="Arial Unicode MS"/>
+              </a:rPr>
+              <a:t>&lt;</a:t>
+            </a:r>
+            <a:r>
+              <a:rPr lang="ko-KR" altLang="ko-KR" sz="1400" dirty="0" err="1">
+                <a:latin typeface="Arial Unicode MS"/>
+              </a:rPr>
+              <a:t>T</a:t>
+            </a:r>
+            <a:r>
+              <a:rPr lang="ko-KR" altLang="ko-KR" sz="1400" dirty="0">
+                <a:latin typeface="Arial Unicode MS"/>
+              </a:rPr>
+              <a:t>&gt; </a:t>
+            </a:r>
+            <a:r>
+              <a:rPr lang="ko-KR" altLang="ko-KR" sz="1400" dirty="0" err="1">
+                <a:latin typeface="Arial Unicode MS"/>
+              </a:rPr>
+              <a:t>p</a:t>
+            </a:r>
+            <a:r>
+              <a:rPr lang="ko-KR" altLang="ko-KR" sz="1400" dirty="0">
+                <a:latin typeface="Arial Unicode MS"/>
+              </a:rPr>
+              <a:t>(</a:t>
+            </a:r>
+            <a:r>
+              <a:rPr lang="ko-KR" altLang="ko-KR" sz="1400" dirty="0" err="1">
+                <a:latin typeface="Arial Unicode MS"/>
+              </a:rPr>
+              <a:t>new</a:t>
+            </a:r>
+            <a:r>
+              <a:rPr lang="ko-KR" altLang="ko-KR" sz="1400" dirty="0">
+                <a:latin typeface="Arial Unicode MS"/>
+              </a:rPr>
+              <a:t> </a:t>
+            </a:r>
+            <a:r>
+              <a:rPr lang="ko-KR" altLang="ko-KR" sz="1400" dirty="0" err="1">
+                <a:latin typeface="Arial Unicode MS"/>
+              </a:rPr>
+              <a:t>T</a:t>
+            </a:r>
+            <a:r>
+              <a:rPr lang="ko-KR" altLang="ko-KR" sz="1400" dirty="0">
+                <a:latin typeface="Arial Unicode MS"/>
+              </a:rPr>
+              <a:t>)</a:t>
+            </a:r>
+            <a:r>
+              <a:rPr lang="ko-KR" altLang="ko-KR" sz="1400" dirty="0"/>
+              <a:t>, </a:t>
+            </a:r>
+            <a:r>
+              <a:rPr lang="ko-KR" altLang="ko-KR" sz="1400" dirty="0" err="1">
+                <a:latin typeface="Arial Unicode MS"/>
+              </a:rPr>
+              <a:t>shared_ptr</a:t>
+            </a:r>
+            <a:r>
+              <a:rPr lang="ko-KR" altLang="ko-KR" sz="1400" dirty="0">
+                <a:latin typeface="Arial Unicode MS"/>
+              </a:rPr>
+              <a:t>&lt;</a:t>
+            </a:r>
+            <a:r>
+              <a:rPr lang="ko-KR" altLang="ko-KR" sz="1400" dirty="0" err="1">
+                <a:latin typeface="Arial Unicode MS"/>
+              </a:rPr>
+              <a:t>T</a:t>
+            </a:r>
+            <a:r>
+              <a:rPr lang="ko-KR" altLang="ko-KR" sz="1400" dirty="0">
+                <a:latin typeface="Arial Unicode MS"/>
+              </a:rPr>
+              <a:t>&gt;(</a:t>
+            </a:r>
+            <a:r>
+              <a:rPr lang="ko-KR" altLang="ko-KR" sz="1400" dirty="0" err="1">
+                <a:latin typeface="Arial Unicode MS"/>
+              </a:rPr>
+              <a:t>new</a:t>
+            </a:r>
+            <a:r>
+              <a:rPr lang="ko-KR" altLang="ko-KR" sz="1400" dirty="0">
+                <a:latin typeface="Arial Unicode MS"/>
+              </a:rPr>
+              <a:t> </a:t>
+            </a:r>
+            <a:r>
+              <a:rPr lang="ko-KR" altLang="ko-KR" sz="1400" dirty="0" err="1">
+                <a:latin typeface="Arial Unicode MS"/>
+              </a:rPr>
+              <a:t>T</a:t>
+            </a:r>
+            <a:r>
+              <a:rPr lang="ko-KR" altLang="ko-KR" sz="1400" dirty="0">
+                <a:latin typeface="Arial Unicode MS"/>
+              </a:rPr>
+              <a:t>)</a:t>
+            </a:r>
+            <a:r>
+              <a:rPr lang="ko-KR" altLang="ko-KR" sz="1400" dirty="0"/>
+              <a:t> 사용 시엔 </a:t>
+            </a:r>
+            <a:r>
+              <a:rPr lang="ko-KR" altLang="ko-KR" sz="1400"/>
+              <a:t>ControlBlock</a:t>
+            </a:r>
+            <a:r>
+              <a:rPr lang="ko-KR" altLang="en-US" sz="1400"/>
+              <a:t>만</a:t>
+            </a:r>
+            <a:r>
+              <a:rPr lang="ko-KR" altLang="ko-KR" sz="1400"/>
+              <a:t> </a:t>
+            </a:r>
+            <a:r>
+              <a:rPr lang="ko-KR" altLang="ko-KR" sz="1400" dirty="0"/>
+              <a:t>별도 할당 </a:t>
+            </a:r>
+            <a:endParaRPr lang="en-US" altLang="ko-KR" sz="1400" dirty="0"/>
+          </a:p>
+          <a:p>
+            <a:r>
               <a:rPr lang="en-US" altLang="ko-KR" sz="1400" dirty="0" err="1"/>
               <a:t>shared_ptr</a:t>
             </a:r>
@@ -4726,16 +5032,180 @@
           </a:p>
           <a:p>
             <a:r>
+              <a:rPr lang="en-US" altLang="ko-KR" dirty="0"/>
+              <a:t> </a:t>
+            </a:r>
+          </a:p>
+          <a:p>
+            <a:r>
+              <a:rPr lang="en-US" altLang="ko-KR" dirty="0" err="1"/>
+              <a:t>weak_ptr</a:t>
+            </a:r>
+            <a:r>
+              <a:rPr lang="en-US" altLang="ko-KR" dirty="0"/>
+              <a:t>&lt;T&gt;            </a:t>
+            </a:r>
+          </a:p>
+          <a:p>
+            <a:pPr lvl="0" eaLnBrk="0" fontAlgn="base" latinLnBrk="0" hangingPunct="0">
+              <a:spcBef>
+                <a:spcPct val="0"/>
+              </a:spcBef>
+              <a:spcAft>
+                <a:spcPct val="0"/>
+              </a:spcAft>
+            </a:pPr>
+            <a:r>
+              <a:rPr lang="ko-KR" altLang="ko-KR" sz="1400" dirty="0">
+                <a:latin typeface="Arial" panose="020B0604020202020204" pitchFamily="34" charset="0"/>
+              </a:rPr>
+              <a:t>멤버</a:t>
+            </a:r>
+            <a:r>
+              <a:rPr lang="en-US" altLang="ko-KR" sz="1400" dirty="0">
+                <a:latin typeface="Arial" panose="020B0604020202020204" pitchFamily="34" charset="0"/>
+              </a:rPr>
+              <a:t> </a:t>
+            </a:r>
+            <a:r>
+              <a:rPr lang="ko-KR" altLang="ko-KR" sz="1400" dirty="0">
+                <a:latin typeface="Arial" panose="020B0604020202020204" pitchFamily="34" charset="0"/>
+              </a:rPr>
+              <a:t> </a:t>
+            </a:r>
+            <a:r>
+              <a:rPr lang="ko-KR" altLang="ko-KR" sz="1400" dirty="0" err="1">
+                <a:latin typeface="Arial Unicode MS"/>
+              </a:rPr>
+              <a:t>ControlBlock</a:t>
+            </a:r>
+            <a:r>
+              <a:rPr lang="ko-KR" altLang="ko-KR" sz="1400" dirty="0">
+                <a:latin typeface="Arial Unicode MS"/>
+              </a:rPr>
+              <a:t>* </a:t>
+            </a:r>
+            <a:r>
+              <a:rPr lang="ko-KR" altLang="ko-KR" sz="1400" dirty="0" err="1">
+                <a:latin typeface="Arial Unicode MS"/>
+              </a:rPr>
+              <a:t>cb</a:t>
+            </a:r>
+            <a:r>
+              <a:rPr lang="ko-KR" altLang="ko-KR" sz="1400" dirty="0">
+                <a:latin typeface="Arial Unicode MS"/>
+              </a:rPr>
+              <a:t>;</a:t>
+            </a:r>
+            <a:r>
+              <a:rPr lang="en-US" altLang="ko-KR" sz="1400" dirty="0"/>
+              <a:t>   </a:t>
+            </a:r>
+            <a:r>
               <a:rPr lang="ko-KR" altLang="en-US" sz="1400" dirty="0"/>
-              <a:t>클래스 인스턴스를 소멸하더라도 </a:t>
-            </a:r>
+              <a:t>직</a:t>
+            </a:r>
+            <a:r>
+              <a:rPr lang="ko-KR" altLang="ko-KR" sz="1400" dirty="0">
+                <a:latin typeface="Arial" panose="020B0604020202020204" pitchFamily="34" charset="0"/>
+              </a:rPr>
+              <a:t>접 </a:t>
+            </a:r>
+            <a:r>
+              <a:rPr lang="ko-KR" altLang="ko-KR" sz="1400" dirty="0" err="1">
+                <a:latin typeface="Arial Unicode MS"/>
+              </a:rPr>
+              <a:t>T</a:t>
+            </a:r>
+            <a:r>
+              <a:rPr lang="ko-KR" altLang="ko-KR" sz="1400" dirty="0">
+                <a:latin typeface="Arial Unicode MS"/>
+              </a:rPr>
+              <a:t>*</a:t>
+            </a:r>
+            <a:r>
+              <a:rPr lang="ko-KR" altLang="ko-KR" sz="1400" dirty="0"/>
+              <a:t>를 들고 있진 않지만, </a:t>
+            </a:r>
+            <a:r>
+              <a:rPr lang="ko-KR" altLang="ko-KR" sz="1400" dirty="0" err="1">
+                <a:latin typeface="Arial Unicode MS"/>
+              </a:rPr>
+              <a:t>lock</a:t>
+            </a:r>
+            <a:r>
+              <a:rPr lang="ko-KR" altLang="ko-KR" sz="1400" dirty="0">
+                <a:latin typeface="Arial Unicode MS"/>
+              </a:rPr>
+              <a:t>()</a:t>
+            </a:r>
+            <a:r>
+              <a:rPr lang="ko-KR" altLang="ko-KR" sz="1400" dirty="0"/>
+              <a:t> 시 </a:t>
+            </a:r>
+            <a:r>
+              <a:rPr lang="ko-KR" altLang="ko-KR" sz="1400" dirty="0" err="1">
+                <a:latin typeface="Arial Unicode MS"/>
+              </a:rPr>
+              <a:t>cb</a:t>
+            </a:r>
+            <a:r>
+              <a:rPr lang="ko-KR" altLang="ko-KR" sz="1400" dirty="0">
+                <a:latin typeface="Arial Unicode MS"/>
+              </a:rPr>
+              <a:t>-&gt;</a:t>
+            </a:r>
+            <a:r>
+              <a:rPr lang="ko-KR" altLang="ko-KR" sz="1400" dirty="0" err="1">
+                <a:latin typeface="Arial Unicode MS"/>
+              </a:rPr>
+              <a:t>ptr</a:t>
+            </a:r>
+            <a:r>
+              <a:rPr lang="ko-KR" altLang="ko-KR" sz="1400" dirty="0"/>
+              <a:t> 을 꺼내서 </a:t>
+            </a:r>
+            <a:r>
+              <a:rPr lang="ko-KR" altLang="ko-KR" sz="1400" dirty="0" err="1">
+                <a:latin typeface="Arial Unicode MS"/>
+              </a:rPr>
+              <a:t>shared_ptr</a:t>
+            </a:r>
+            <a:r>
+              <a:rPr lang="ko-KR" altLang="ko-KR" sz="1400" dirty="0"/>
+              <a:t> 생성</a:t>
+            </a:r>
+            <a:endParaRPr lang="ko-KR" altLang="ko-KR" sz="1400" dirty="0">
+              <a:latin typeface="Arial" panose="020B0604020202020204" pitchFamily="34" charset="0"/>
+            </a:endParaRPr>
+          </a:p>
+          <a:p>
+            <a:endParaRPr lang="en-US" altLang="ko-KR" dirty="0"/>
+          </a:p>
+          <a:p>
             <a:r>
               <a:rPr lang="en-US" altLang="ko-KR" sz="1400" dirty="0"/>
-              <a:t>_Weaks </a:t>
+              <a:t> </a:t>
+            </a:r>
+            <a:r>
+              <a:rPr lang="en-US" altLang="ko-KR" sz="1400" dirty="0" err="1"/>
+              <a:t>Shared_ptr</a:t>
+            </a:r>
+            <a:r>
+              <a:rPr lang="en-US" altLang="ko-KR" sz="1400" dirty="0"/>
+              <a:t> </a:t>
             </a:r>
             <a:r>
               <a:rPr lang="ko-KR" altLang="en-US" sz="1400" dirty="0"/>
-              <a:t>가 남아 있다면 </a:t>
+              <a:t>인스턴스로 초기화하며</a:t>
+            </a:r>
+            <a:r>
+              <a:rPr lang="en-US" altLang="ko-KR" sz="1400" dirty="0"/>
+              <a:t> </a:t>
+            </a:r>
+            <a:r>
+              <a:rPr lang="ko-KR" altLang="en-US" sz="1400" dirty="0"/>
+              <a:t> </a:t>
             </a:r>
             <a:r>
               <a:rPr lang="en-US" altLang="ko-KR" sz="1400" dirty="0" err="1"/>
@@ -4743,48 +5213,28 @@
             </a:r>
             <a:r>
               <a:rPr lang="ko-KR" altLang="en-US" sz="1400" dirty="0"/>
-              <a:t>은 유지한다</a:t>
+              <a:t>을 참조하여 </a:t>
             </a:r>
             <a:r>
               <a:rPr lang="en-US" altLang="ko-KR" sz="1400" dirty="0"/>
-              <a:t>.  0</a:t>
+              <a:t>_Used </a:t>
             </a:r>
             <a:r>
               <a:rPr lang="ko-KR" altLang="en-US" sz="1400" dirty="0"/>
-              <a:t>이면 제거</a:t>
-            </a:r>
-            <a:endParaRPr lang="en-US" altLang="ko-KR" sz="1400" dirty="0"/>
-          </a:p>
-          <a:p>
-            <a:r>
-              <a:rPr lang="en-US" altLang="ko-KR" dirty="0"/>
-              <a:t> </a:t>
-            </a:r>
-          </a:p>
-          <a:p>
-            <a:pPr marL="342900" indent="-342900">
-              <a:buAutoNum type="arabicPeriod"/>
-            </a:pPr>
-            <a:endParaRPr lang="en-US" altLang="ko-KR" dirty="0"/>
-          </a:p>
-          <a:p>
-            <a:pPr marL="342900" indent="-342900">
-              <a:buAutoNum type="arabicPeriod"/>
-            </a:pPr>
-            <a:endParaRPr lang="en-US" altLang="ko-KR" dirty="0"/>
-          </a:p>
-          <a:p>
-            <a:r>
-              <a:rPr lang="en-US" altLang="ko-KR" dirty="0" err="1"/>
-              <a:t>weak_ptr</a:t>
-            </a:r>
-            <a:r>
-              <a:rPr lang="en-US" altLang="ko-KR" dirty="0"/>
-              <a:t>&lt;T&gt;            </a:t>
-            </a:r>
-          </a:p>
-          <a:p>
-            <a:endParaRPr lang="en-US" altLang="ko-KR" dirty="0"/>
+              <a:t>로 인스턴스가 해제 되었는지 확인한다 </a:t>
+            </a:r>
+            <a:r>
+              <a:rPr lang="en-US" altLang="ko-KR" sz="1400" dirty="0"/>
+              <a:t>( </a:t>
+            </a:r>
+            <a:r>
+              <a:rPr lang="en-US" altLang="ko-KR" sz="1400" dirty="0" err="1"/>
+              <a:t>isExpired</a:t>
+            </a:r>
+            <a:r>
+              <a:rPr lang="en-US" altLang="ko-KR" sz="1400" dirty="0"/>
+              <a:t>() )</a:t>
+            </a:r>
           </a:p>
           <a:p>
             <a:r>
@@ -4801,122 +5251,68 @@
             </a:r>
             <a:r>
               <a:rPr lang="ko-KR" altLang="en-US" sz="1400" dirty="0"/>
-              <a:t>인스턴스로 초기화하며</a:t>
-            </a:r>
+              <a:t>로 승격하여 인스턴스에 </a:t>
+            </a:r>
+            <a:r>
+              <a:rPr lang="ko-KR" altLang="en-US" sz="1400" dirty="0" err="1"/>
+              <a:t>접근할수있다</a:t>
+            </a:r>
+            <a:r>
+              <a:rPr lang="en-US" altLang="ko-KR" sz="1400" dirty="0"/>
+              <a:t>. ( Lock() ) _Used </a:t>
+            </a:r>
+            <a:r>
+              <a:rPr lang="ko-KR" altLang="en-US" sz="1400" dirty="0"/>
+              <a:t>가</a:t>
+            </a:r>
+            <a:r>
+              <a:rPr lang="en-US" altLang="ko-KR" sz="1400" dirty="0"/>
+              <a:t> 0</a:t>
+            </a:r>
+            <a:r>
+              <a:rPr lang="ko-KR" altLang="en-US" sz="1400" dirty="0"/>
+              <a:t>이면 승격하더라도 </a:t>
+            </a:r>
+            <a:r>
+              <a:rPr lang="en-US" altLang="ko-KR" sz="1400" dirty="0" err="1"/>
+              <a:t>nullptr</a:t>
+            </a:r>
+            <a:endParaRPr lang="en-US" altLang="ko-KR" sz="1400" dirty="0"/>
+          </a:p>
+          <a:p>
             <a:r>
               <a:rPr lang="en-US" altLang="ko-KR" sz="1400" dirty="0"/>
               <a:t> </a:t>
             </a:r>
             <a:r>
               <a:rPr lang="ko-KR" altLang="en-US" sz="1400" dirty="0"/>
+              <a:t>클래스 인스턴스가 소멸된 </a:t>
+            </a:r>
+            <a:r>
+              <a:rPr lang="ko-KR" altLang="en-US" sz="1400" dirty="0" err="1"/>
+              <a:t>상태고</a:t>
+            </a:r>
+            <a:r>
+              <a:rPr lang="ko-KR" altLang="en-US" sz="1400" dirty="0"/>
               <a:t> </a:t>
+            </a:r>
+            <a:r>
+              <a:rPr lang="en-US" altLang="ko-KR" sz="1400" dirty="0"/>
+              <a:t>_Weaks 0</a:t>
+            </a:r>
+            <a:r>
+              <a:rPr lang="ko-KR" altLang="en-US" sz="1400" dirty="0"/>
+              <a:t>이면 </a:t>
             </a:r>
             <a:r>
               <a:rPr lang="en-US" altLang="ko-KR" sz="1400" dirty="0" err="1"/>
               <a:t>ControlBlock</a:t>
             </a:r>
             <a:r>
-              <a:rPr lang="ko-KR" altLang="en-US" sz="1400" dirty="0"/>
-              <a:t>을 참조하여 </a:t>
-            </a:r>
-            <a:r>
-              <a:rPr lang="en-US" altLang="ko-KR" sz="1400" dirty="0"/>
-              <a:t>_Used </a:t>
-            </a:r>
-            <a:r>
-              <a:rPr lang="ko-KR" altLang="en-US" sz="1400" dirty="0"/>
-              <a:t>로 인스턴스가 해제 되었는지 확인한다 </a:t>
-            </a:r>
-            <a:r>
-              <a:rPr lang="en-US" altLang="ko-KR" sz="1400" dirty="0"/>
-              <a:t>( </a:t>
-            </a:r>
-            <a:r>
-              <a:rPr lang="en-US" altLang="ko-KR" sz="1400" dirty="0" err="1"/>
-              <a:t>isExpired</a:t>
-            </a:r>
-            <a:r>
-              <a:rPr lang="en-US" altLang="ko-KR" sz="1400" dirty="0"/>
-              <a:t>() )</a:t>
-            </a:r>
-          </a:p>
-          <a:p>
-            <a:r>
               <a:rPr lang="en-US" altLang="ko-KR" sz="1400" dirty="0"/>
               <a:t> </a:t>
             </a:r>
             <a:r>
-              <a:rPr lang="en-US" altLang="ko-KR" sz="1400" dirty="0" err="1"/>
-              <a:t>Shared_ptr</a:t>
-            </a:r>
-            <a:r>
-              <a:rPr lang="en-US" altLang="ko-KR" sz="1400" dirty="0"/>
-              <a:t> </a:t>
-            </a:r>
-            <a:r>
-              <a:rPr lang="ko-KR" altLang="en-US" sz="1400" dirty="0"/>
-              <a:t>로 승격하여 인스턴스에 </a:t>
-            </a:r>
-            <a:r>
-              <a:rPr lang="ko-KR" altLang="en-US" sz="1400" dirty="0" err="1"/>
-              <a:t>접근할수있다</a:t>
-            </a:r>
-            <a:r>
-              <a:rPr lang="en-US" altLang="ko-KR" sz="1400" dirty="0"/>
-              <a:t>. ( Lock() ) _Used </a:t>
-            </a:r>
-            <a:r>
-              <a:rPr lang="ko-KR" altLang="en-US" sz="1400" dirty="0"/>
-              <a:t>가</a:t>
-            </a:r>
-            <a:r>
-              <a:rPr lang="en-US" altLang="ko-KR" sz="1400" dirty="0"/>
-              <a:t> 0</a:t>
-            </a:r>
-            <a:r>
-              <a:rPr lang="ko-KR" altLang="en-US" sz="1400" dirty="0"/>
-              <a:t>이면 승격하더라도 </a:t>
-            </a:r>
-            <a:r>
-              <a:rPr lang="en-US" altLang="ko-KR" sz="1400" dirty="0" err="1"/>
-              <a:t>nullptr</a:t>
-            </a:r>
-            <a:endParaRPr lang="en-US" altLang="ko-KR" sz="1400" dirty="0"/>
-          </a:p>
-          <a:p>
-            <a:r>
-              <a:rPr lang="en-US" altLang="ko-KR" sz="1400" dirty="0"/>
-              <a:t> </a:t>
-            </a:r>
-            <a:r>
-              <a:rPr lang="ko-KR" altLang="en-US" sz="1400" dirty="0"/>
-              <a:t>클래스 인스턴스가 소멸된 </a:t>
-            </a:r>
-            <a:r>
-              <a:rPr lang="ko-KR" altLang="en-US" sz="1400" dirty="0" err="1"/>
-              <a:t>상태고</a:t>
-            </a:r>
-            <a:r>
-              <a:rPr lang="ko-KR" altLang="en-US" sz="1400" dirty="0"/>
-              <a:t> </a:t>
-            </a:r>
-            <a:r>
-              <a:rPr lang="en-US" altLang="ko-KR" sz="1400" dirty="0"/>
-              <a:t>_Weaks 0</a:t>
-            </a:r>
-            <a:r>
-              <a:rPr lang="ko-KR" altLang="en-US" sz="1400" dirty="0"/>
-              <a:t>이면 </a:t>
-            </a:r>
-            <a:r>
-              <a:rPr lang="en-US" altLang="ko-KR" sz="1400" dirty="0" err="1"/>
-              <a:t>ControlBlock</a:t>
-            </a:r>
-            <a:r>
-              <a:rPr lang="en-US" altLang="ko-KR" sz="1400" dirty="0"/>
-              <a:t> </a:t>
-            </a:r>
-            <a:r>
               <a:rPr lang="ko-KR" altLang="en-US" sz="1400" dirty="0"/>
               <a:t>또한 소멸한다</a:t>
             </a:r>
@@ -4942,7 +5338,7 @@
         </p:nvSpPr>
         <p:spPr>
           <a:xfrm>
-            <a:off x="9560560" y="4551680"/>
+            <a:off x="9146089" y="2605098"/>
             <a:ext cx="2468880" cy="914400"/>
           </a:xfrm>
           <a:prstGeom prst="rect">
@@ -5038,7 +5434,7 @@
         </p:nvSpPr>
         <p:spPr>
           <a:xfrm>
-            <a:off x="9560560" y="3997055"/>
+            <a:off x="9146089" y="2050473"/>
             <a:ext cx="2468880" cy="483506"/>
           </a:xfrm>
           <a:prstGeom prst="rect">
@@ -5071,6 +5467,100 @@
               <a:t>Class Instance</a:t>
             </a:r>
             <a:endParaRPr lang="ko-KR" altLang="en-US" sz="1400" dirty="0"/>
+          </a:p>
+        </p:txBody>
+      </p:sp>
+      <p:sp>
+        <p:nvSpPr>
+          <p:cNvPr id="9" name="Rectangle 4">
+            <a:extLst>
+              <a:ext uri="{FF2B5EF4-FFF2-40B4-BE49-F238E27FC236}">
+                <a16:creationId xmlns:a16="http://schemas.microsoft.com/office/drawing/2014/main" id="{302AE10F-2736-0A50-5C95-7DBD7B4EC304}"/>
+              </a:ext>
+            </a:extLst>
+          </p:cNvPr>
+          <p:cNvSpPr>
+            <a:spLocks noChangeArrowheads="1"/>
+          </p:cNvSpPr>
+          <p:nvPr/>
+        </p:nvSpPr>
+        <p:spPr bwMode="auto">
+          <a:xfrm>
+            <a:off x="0" y="43934"/>
+            <a:ext cx="184731" cy="369332"/>
+          </a:xfrm>
+          <a:prstGeom prst="rect">
+            <a:avLst/>
+          </a:prstGeom>
+          <a:noFill/>
+          <a:ln>
+            <a:noFill/>
+          </a:ln>
+          <a:effectLst/>
+          <a:extLst>
+            <a:ext uri="{909E8E84-426E-40DD-AFC4-6F175D3DCCD1}">
+              <a14:hiddenFill xmlns:a14="http://schemas.microsoft.com/office/drawing/2010/main">
+                <a:solidFill>
+                  <a:schemeClr val="accent1"/>
+                </a:solidFill>
+              </a14:hiddenFill>
+            </a:ext>
+            <a:ext uri="{91240B29-F687-4F45-9708-019B960494DF}">
+              <a14:hiddenLine xmlns:a14="http://schemas.microsoft.com/office/drawing/2010/main" w="9525">
+                <a:solidFill>
+                  <a:schemeClr val="tx1"/>
+                </a:solidFill>
+                <a:miter lim="800000"/>
+                <a:headEnd/>
+                <a:tailEnd/>
+              </a14:hiddenLine>
+            </a:ext>
+            <a:ext uri="{AF507438-7753-43E0-B8FC-AC1667EBCBE1}">
+              <a14:hiddenEffects xmlns:a14="http://schemas.microsoft.com/office/drawing/2010/main">
+                <a:effectLst>
+                  <a:outerShdw dist="35921" dir="2700000" algn="ctr" rotWithShape="0">
+                    <a:schemeClr val="bg2"/>
+                  </a:outerShdw>
+                </a:effectLst>
+              </a14:hiddenEffects>
+            </a:ext>
+          </a:extLst>
+        </p:spPr>
+        <p:txBody>
+          <a:bodyPr vert="horz" wrap="none" lIns="91440" tIns="45720" rIns="91440" bIns="45720" numCol="1" anchor="ctr" anchorCtr="0" compatLnSpc="1">
+            <a:prstTxWarp prst="textNoShape">
+              <a:avLst/>
+            </a:prstTxWarp>
+            <a:spAutoFit/>
+          </a:bodyPr>
+          <a:lstStyle/>
+          <a:p>
+            <a:pPr marL="0" marR="0" lvl="0" indent="0" algn="l" defTabSz="914400" rtl="0" eaLnBrk="0" fontAlgn="base" latinLnBrk="0" hangingPunct="0">
+              <a:lnSpc>
+                <a:spcPct val="100000"/>
+              </a:lnSpc>
+              <a:spcBef>
+                <a:spcPct val="0"/>
+              </a:spcBef>
+              <a:spcAft>
+                <a:spcPct val="0"/>
+              </a:spcAft>
+              <a:buClrTx/>
+              <a:buSzTx/>
+              <a:buFontTx/>
+              <a:buNone/>
+              <a:tabLst/>
+            </a:pPr>
+            <a:endParaRPr kumimoji="0" lang="ko-KR" altLang="ko-KR" sz="1800" b="0" i="0" u="none" strike="noStrike" cap="none" normalizeH="0" baseline="0" dirty="0">
+              <a:ln>
+                <a:noFill/>
+              </a:ln>
+              <a:solidFill>
+                <a:schemeClr val="tx1"/>
+              </a:solidFill>
+              <a:effectLst/>
+              <a:latin typeface="Arial" panose="020B0604020202020204" pitchFamily="34" charset="0"/>
+            </a:endParaRPr>
           </a:p>
         </p:txBody>
       </p:sp>

--- a/ppt/자원공유.pptx
+++ b/ppt/자원공유.pptx
@@ -4955,20 +4955,16 @@
               <a:t> 사용 시엔 </a:t>
             </a:r>
             <a:r>
-              <a:rPr lang="ko-KR" altLang="ko-KR" sz="1400"/>
+              <a:rPr lang="ko-KR" altLang="ko-KR" sz="1400" dirty="0" err="1"/>
               <a:t>ControlBlock</a:t>
             </a:r>
             <a:r>
-              <a:rPr lang="ko-KR" altLang="en-US" sz="1400"/>
+              <a:rPr lang="ko-KR" altLang="en-US" sz="1400" dirty="0" err="1"/>
               <a:t>만</a:t>
             </a:r>
             <a:r>
-              <a:rPr lang="ko-KR" altLang="ko-KR" sz="1400"/>
-              <a:t> </a:t>
-            </a:r>
-            <a:r>
               <a:rPr lang="ko-KR" altLang="ko-KR" sz="1400" dirty="0"/>
-              <a:t>별도 할당 </a:t>
+              <a:t> 별도 할당 </a:t>
             </a:r>
             <a:endParaRPr lang="en-US" altLang="ko-KR" sz="1400" dirty="0"/>
           </a:p>
@@ -5338,8 +5334,8 @@
         </p:nvSpPr>
         <p:spPr>
           <a:xfrm>
-            <a:off x="9146089" y="2605098"/>
-            <a:ext cx="2468880" cy="914400"/>
+            <a:off x="9076511" y="2781003"/>
+            <a:ext cx="2538888" cy="1188596"/>
           </a:xfrm>
           <a:prstGeom prst="rect">
             <a:avLst/>
@@ -5380,10 +5376,19 @@
             </a:r>
           </a:p>
           <a:p>
-            <a:pPr algn="ctr"/>
+            <a:r>
+              <a:rPr lang="en-US" altLang="ko-KR" sz="1400" dirty="0"/>
+              <a:t>T* instance</a:t>
+            </a:r>
+          </a:p>
+          <a:p>
+            <a:r>
+              <a:rPr lang="en-US" altLang="ko-KR" sz="1200" dirty="0" err="1"/>
+              <a:t>uint</a:t>
+            </a:r>
             <a:r>
               <a:rPr lang="en-US" altLang="ko-KR" sz="1200" dirty="0"/>
-              <a:t>_Used (</a:t>
+              <a:t> _Used (</a:t>
             </a:r>
             <a:r>
               <a:rPr lang="en-US" altLang="ko-KR" sz="1200" dirty="0" err="1"/>
@@ -5399,10 +5404,13 @@
             </a:r>
           </a:p>
           <a:p>
-            <a:pPr algn="ctr"/>
+            <a:r>
+              <a:rPr lang="en-US" altLang="ko-KR" sz="1200" dirty="0" err="1"/>
+              <a:t>uint</a:t>
+            </a:r>
             <a:r>
               <a:rPr lang="en-US" altLang="ko-KR" sz="1200" dirty="0"/>
-              <a:t>_Weaks (</a:t>
+              <a:t> _Weaks (</a:t>
             </a:r>
             <a:r>
               <a:rPr lang="en-US" altLang="ko-KR" sz="1200" dirty="0" err="1"/>
@@ -5434,8 +5442,8 @@
         </p:nvSpPr>
         <p:spPr>
           <a:xfrm>
-            <a:off x="9146089" y="2050473"/>
-            <a:ext cx="2468880" cy="483506"/>
+            <a:off x="9076510" y="2226378"/>
+            <a:ext cx="2538887" cy="483506"/>
           </a:xfrm>
           <a:prstGeom prst="rect">
             <a:avLst/>

--- a/ppt/자원공유.pptx
+++ b/ppt/자원공유.pptx
@@ -12,7 +12,10 @@
     <p:sldId id="278" r:id="rId6"/>
     <p:sldId id="263" r:id="rId7"/>
     <p:sldId id="264" r:id="rId8"/>
-    <p:sldId id="275" r:id="rId9"/>
+    <p:sldId id="281" r:id="rId9"/>
+    <p:sldId id="284" r:id="rId10"/>
+    <p:sldId id="285" r:id="rId11"/>
+    <p:sldId id="275" r:id="rId12"/>
   </p:sldIdLst>
   <p:sldSz cx="12192000" cy="6858000"/>
   <p:notesSz cx="6858000" cy="9144000"/>
@@ -266,7 +269,7 @@
           <a:p>
             <a:fld id="{94256C24-BA81-44B6-8660-FA372B1023A4}" type="datetimeFigureOut">
               <a:rPr lang="ko-KR" altLang="en-US" smtClean="0"/>
-              <a:t>2025-06-26</a:t>
+              <a:t>2025-06-27</a:t>
             </a:fld>
             <a:endParaRPr lang="ko-KR" altLang="en-US"/>
           </a:p>
@@ -464,7 +467,7 @@
           <a:p>
             <a:fld id="{94256C24-BA81-44B6-8660-FA372B1023A4}" type="datetimeFigureOut">
               <a:rPr lang="ko-KR" altLang="en-US" smtClean="0"/>
-              <a:t>2025-06-26</a:t>
+              <a:t>2025-06-27</a:t>
             </a:fld>
             <a:endParaRPr lang="ko-KR" altLang="en-US"/>
           </a:p>
@@ -672,7 +675,7 @@
           <a:p>
             <a:fld id="{94256C24-BA81-44B6-8660-FA372B1023A4}" type="datetimeFigureOut">
               <a:rPr lang="ko-KR" altLang="en-US" smtClean="0"/>
-              <a:t>2025-06-26</a:t>
+              <a:t>2025-06-27</a:t>
             </a:fld>
             <a:endParaRPr lang="ko-KR" altLang="en-US"/>
           </a:p>
@@ -870,7 +873,7 @@
           <a:p>
             <a:fld id="{94256C24-BA81-44B6-8660-FA372B1023A4}" type="datetimeFigureOut">
               <a:rPr lang="ko-KR" altLang="en-US" smtClean="0"/>
-              <a:t>2025-06-26</a:t>
+              <a:t>2025-06-27</a:t>
             </a:fld>
             <a:endParaRPr lang="ko-KR" altLang="en-US"/>
           </a:p>
@@ -1145,7 +1148,7 @@
           <a:p>
             <a:fld id="{94256C24-BA81-44B6-8660-FA372B1023A4}" type="datetimeFigureOut">
               <a:rPr lang="ko-KR" altLang="en-US" smtClean="0"/>
-              <a:t>2025-06-26</a:t>
+              <a:t>2025-06-27</a:t>
             </a:fld>
             <a:endParaRPr lang="ko-KR" altLang="en-US"/>
           </a:p>
@@ -1410,7 +1413,7 @@
           <a:p>
             <a:fld id="{94256C24-BA81-44B6-8660-FA372B1023A4}" type="datetimeFigureOut">
               <a:rPr lang="ko-KR" altLang="en-US" smtClean="0"/>
-              <a:t>2025-06-26</a:t>
+              <a:t>2025-06-27</a:t>
             </a:fld>
             <a:endParaRPr lang="ko-KR" altLang="en-US"/>
           </a:p>
@@ -1822,7 +1825,7 @@
           <a:p>
             <a:fld id="{94256C24-BA81-44B6-8660-FA372B1023A4}" type="datetimeFigureOut">
               <a:rPr lang="ko-KR" altLang="en-US" smtClean="0"/>
-              <a:t>2025-06-26</a:t>
+              <a:t>2025-06-27</a:t>
             </a:fld>
             <a:endParaRPr lang="ko-KR" altLang="en-US"/>
           </a:p>
@@ -1963,7 +1966,7 @@
           <a:p>
             <a:fld id="{94256C24-BA81-44B6-8660-FA372B1023A4}" type="datetimeFigureOut">
               <a:rPr lang="ko-KR" altLang="en-US" smtClean="0"/>
-              <a:t>2025-06-26</a:t>
+              <a:t>2025-06-27</a:t>
             </a:fld>
             <a:endParaRPr lang="ko-KR" altLang="en-US"/>
           </a:p>
@@ -2076,7 +2079,7 @@
           <a:p>
             <a:fld id="{94256C24-BA81-44B6-8660-FA372B1023A4}" type="datetimeFigureOut">
               <a:rPr lang="ko-KR" altLang="en-US" smtClean="0"/>
-              <a:t>2025-06-26</a:t>
+              <a:t>2025-06-27</a:t>
             </a:fld>
             <a:endParaRPr lang="ko-KR" altLang="en-US"/>
           </a:p>
@@ -2387,7 +2390,7 @@
           <a:p>
             <a:fld id="{94256C24-BA81-44B6-8660-FA372B1023A4}" type="datetimeFigureOut">
               <a:rPr lang="ko-KR" altLang="en-US" smtClean="0"/>
-              <a:t>2025-06-26</a:t>
+              <a:t>2025-06-27</a:t>
             </a:fld>
             <a:endParaRPr lang="ko-KR" altLang="en-US"/>
           </a:p>
@@ -2675,7 +2678,7 @@
           <a:p>
             <a:fld id="{94256C24-BA81-44B6-8660-FA372B1023A4}" type="datetimeFigureOut">
               <a:rPr lang="ko-KR" altLang="en-US" smtClean="0"/>
-              <a:t>2025-06-26</a:t>
+              <a:t>2025-06-27</a:t>
             </a:fld>
             <a:endParaRPr lang="ko-KR" altLang="en-US"/>
           </a:p>
@@ -2916,7 +2919,7 @@
           <a:p>
             <a:fld id="{94256C24-BA81-44B6-8660-FA372B1023A4}" type="datetimeFigureOut">
               <a:rPr lang="ko-KR" altLang="en-US" smtClean="0"/>
-              <a:t>2025-06-26</a:t>
+              <a:t>2025-06-27</a:t>
             </a:fld>
             <a:endParaRPr lang="ko-KR" altLang="en-US"/>
           </a:p>
@@ -3419,6 +3422,601 @@
 </p:sld>
 </file>
 
+<file path=ppt/slides/slide10.xml><?xml version="1.0" encoding="utf-8"?>
+<p:sld xmlns:a="http://schemas.openxmlformats.org/drawingml/2006/main" xmlns:r="http://schemas.openxmlformats.org/officeDocument/2006/relationships" xmlns:p="http://schemas.openxmlformats.org/presentationml/2006/main">
+  <p:cSld>
+    <p:spTree>
+      <p:nvGrpSpPr>
+        <p:cNvPr id="1" name=""/>
+        <p:cNvGrpSpPr/>
+        <p:nvPr/>
+      </p:nvGrpSpPr>
+      <p:grpSpPr>
+        <a:xfrm>
+          <a:off x="0" y="0"/>
+          <a:ext cx="0" cy="0"/>
+          <a:chOff x="0" y="0"/>
+          <a:chExt cx="0" cy="0"/>
+        </a:xfrm>
+      </p:grpSpPr>
+      <p:sp>
+        <p:nvSpPr>
+          <p:cNvPr id="2" name="제목 1">
+            <a:extLst>
+              <a:ext uri="{FF2B5EF4-FFF2-40B4-BE49-F238E27FC236}">
+                <a16:creationId xmlns:a16="http://schemas.microsoft.com/office/drawing/2014/main" id="{DA9DB0A2-660E-38E3-6E15-3E0D4C2CC3B3}"/>
+              </a:ext>
+            </a:extLst>
+          </p:cNvPr>
+          <p:cNvSpPr>
+            <a:spLocks noGrp="1"/>
+          </p:cNvSpPr>
+          <p:nvPr>
+            <p:ph type="title"/>
+          </p:nvPr>
+        </p:nvSpPr>
+        <p:spPr/>
+        <p:txBody>
+          <a:bodyPr/>
+          <a:lstStyle/>
+          <a:p>
+            <a:r>
+              <a:rPr lang="en-US" altLang="ko-KR" b="1" dirty="0"/>
+              <a:t>IDXGIDevice3::Trim()</a:t>
+            </a:r>
+          </a:p>
+        </p:txBody>
+      </p:sp>
+      <p:sp>
+        <p:nvSpPr>
+          <p:cNvPr id="3" name="TextBox 2">
+            <a:extLst>
+              <a:ext uri="{FF2B5EF4-FFF2-40B4-BE49-F238E27FC236}">
+                <a16:creationId xmlns:a16="http://schemas.microsoft.com/office/drawing/2014/main" id="{7B6BED34-5B24-8DA1-EF71-15512AAB136B}"/>
+              </a:ext>
+            </a:extLst>
+          </p:cNvPr>
+          <p:cNvSpPr txBox="1"/>
+          <p:nvPr/>
+        </p:nvSpPr>
+        <p:spPr>
+          <a:xfrm>
+            <a:off x="103334" y="1690688"/>
+            <a:ext cx="12074139" cy="4893647"/>
+          </a:xfrm>
+          <a:prstGeom prst="rect">
+            <a:avLst/>
+          </a:prstGeom>
+          <a:noFill/>
+        </p:spPr>
+        <p:txBody>
+          <a:bodyPr wrap="none" rtlCol="0">
+            <a:spAutoFit/>
+          </a:bodyPr>
+          <a:lstStyle/>
+          <a:p>
+            <a:r>
+              <a:rPr lang="en-US" altLang="ko-KR" dirty="0"/>
+              <a:t>  Release()</a:t>
+            </a:r>
+            <a:r>
+              <a:rPr lang="ko-KR" altLang="en-US" dirty="0"/>
+              <a:t>가 의미하는 것은 단지 </a:t>
+            </a:r>
+            <a:r>
+              <a:rPr lang="en-US" altLang="ko-KR" dirty="0"/>
+              <a:t>COM</a:t>
+            </a:r>
+            <a:r>
+              <a:rPr lang="ko-KR" altLang="en-US" dirty="0"/>
+              <a:t>객체를 사용하는 </a:t>
+            </a:r>
+            <a:r>
+              <a:rPr lang="en-US" altLang="ko-KR" dirty="0"/>
+              <a:t>Client</a:t>
+            </a:r>
+            <a:r>
+              <a:rPr lang="ko-KR" altLang="en-US" dirty="0"/>
+              <a:t>입장에서 더 이상 사용하지 않는다고 </a:t>
+            </a:r>
+            <a:r>
+              <a:rPr lang="ko-KR" altLang="en-US" dirty="0" err="1"/>
+              <a:t>하는것</a:t>
+            </a:r>
+            <a:endParaRPr lang="en-US" altLang="ko-KR" dirty="0"/>
+          </a:p>
+          <a:p>
+            <a:r>
+              <a:rPr lang="ko-KR" altLang="en-US" dirty="0"/>
+              <a:t> 인스턴스는 소멸하지만 드라이버는 내부의 실제 리소스를 바로 해제 하지 않는다</a:t>
+            </a:r>
+            <a:r>
+              <a:rPr lang="en-US" altLang="ko-KR" dirty="0"/>
+              <a:t>.</a:t>
+            </a:r>
+            <a:r>
+              <a:rPr lang="ko-KR" altLang="en-US" dirty="0"/>
+              <a:t> </a:t>
+            </a:r>
+            <a:r>
+              <a:rPr lang="en-US" altLang="ko-KR" dirty="0"/>
+              <a:t>GPU</a:t>
+            </a:r>
+            <a:r>
+              <a:rPr lang="ko-KR" altLang="en-US" dirty="0"/>
+              <a:t>가 사용하는 중 일수</a:t>
+            </a:r>
+            <a:r>
+              <a:rPr lang="en-US" altLang="ko-KR" dirty="0"/>
+              <a:t> </a:t>
+            </a:r>
+            <a:r>
+              <a:rPr lang="ko-KR" altLang="en-US" dirty="0"/>
+              <a:t>있으며</a:t>
+            </a:r>
+            <a:endParaRPr lang="en-US" altLang="ko-KR" dirty="0"/>
+          </a:p>
+          <a:p>
+            <a:r>
+              <a:rPr lang="ko-KR" altLang="en-US" dirty="0"/>
+              <a:t>같은 타입 내부 리소스는 드라이버 수준에서 동일 포맷</a:t>
+            </a:r>
+            <a:r>
+              <a:rPr lang="en-US" altLang="ko-KR" dirty="0"/>
+              <a:t>/</a:t>
+            </a:r>
+            <a:r>
+              <a:rPr lang="ko-KR" altLang="en-US" dirty="0"/>
+              <a:t>사이즈의 리소스를 빠르게 재사용 가능하다</a:t>
+            </a:r>
+            <a:endParaRPr lang="en-US" altLang="ko-KR" dirty="0"/>
+          </a:p>
+          <a:p>
+            <a:r>
+              <a:rPr lang="en-US" altLang="ko-KR" dirty="0"/>
+              <a:t> </a:t>
+            </a:r>
+            <a:r>
+              <a:rPr lang="ko-KR" altLang="en-US" dirty="0"/>
+              <a:t>또한 메모리가 여유 있는 상황에서는 최대한 지연 전략으로 나중에 해제를 처리한다</a:t>
+            </a:r>
+            <a:r>
+              <a:rPr lang="en-US" altLang="ko-KR" dirty="0"/>
+              <a:t>.</a:t>
+            </a:r>
+            <a:r>
+              <a:rPr lang="ko-KR" altLang="en-US" dirty="0"/>
+              <a:t>  </a:t>
+            </a:r>
+            <a:endParaRPr lang="en-US" altLang="ko-KR" dirty="0"/>
+          </a:p>
+          <a:p>
+            <a:endParaRPr lang="en-US" altLang="ko-KR" dirty="0"/>
+          </a:p>
+          <a:p>
+            <a:r>
+              <a:rPr lang="en-US" altLang="ko-KR" b="1" dirty="0"/>
+              <a:t>IDXGIDevice3::Trim() </a:t>
+            </a:r>
+            <a:r>
+              <a:rPr lang="ko-KR" altLang="en-US" b="1" dirty="0"/>
+              <a:t>함수는 드라이버에게 </a:t>
+            </a:r>
+            <a:r>
+              <a:rPr lang="en-US" altLang="ko-KR" b="1" dirty="0"/>
+              <a:t>VRAM/DRAM/pagefile.sys </a:t>
+            </a:r>
+            <a:r>
+              <a:rPr lang="ko-KR" altLang="en-US" b="1" dirty="0"/>
+              <a:t>에서 리소스 제거를 요청한다</a:t>
+            </a:r>
+            <a:r>
+              <a:rPr lang="en-US" altLang="ko-KR" b="1" dirty="0"/>
+              <a:t>.</a:t>
+            </a:r>
+          </a:p>
+          <a:p>
+            <a:r>
+              <a:rPr lang="en-US" altLang="ko-KR" b="1" dirty="0"/>
+              <a:t> </a:t>
+            </a:r>
+            <a:r>
+              <a:rPr lang="ko-KR" altLang="en-US" dirty="0"/>
+              <a:t>이 요청이 없으면 사용하지 않는 리소스가 계속 남아 있으면서 </a:t>
+            </a:r>
+            <a:r>
+              <a:rPr lang="en-US" altLang="ko-KR" dirty="0"/>
+              <a:t>GPU </a:t>
+            </a:r>
+            <a:r>
+              <a:rPr lang="ko-KR" altLang="en-US" dirty="0"/>
+              <a:t>메모리 퇴출</a:t>
+            </a:r>
+            <a:r>
+              <a:rPr lang="en-US" altLang="ko-KR" dirty="0"/>
+              <a:t>(eviction)</a:t>
+            </a:r>
+            <a:r>
+              <a:rPr lang="ko-KR" altLang="en-US" dirty="0"/>
+              <a:t>과  </a:t>
+            </a:r>
+            <a:endParaRPr lang="en-US" altLang="ko-KR" dirty="0"/>
+          </a:p>
+          <a:p>
+            <a:r>
+              <a:rPr lang="en-US" altLang="ko-KR" dirty="0" err="1"/>
+              <a:t>DRAM↔Pagefile</a:t>
+            </a:r>
+            <a:r>
+              <a:rPr lang="en-US" altLang="ko-KR" dirty="0"/>
+              <a:t> </a:t>
+            </a:r>
+            <a:r>
+              <a:rPr lang="ko-KR" altLang="en-US" dirty="0"/>
+              <a:t>간 페이지 이동이 잦아질 수 있다</a:t>
+            </a:r>
+            <a:r>
+              <a:rPr lang="en-US" altLang="ko-KR" dirty="0"/>
+              <a:t>.  </a:t>
+            </a:r>
+            <a:r>
+              <a:rPr lang="ko-KR" altLang="en-US" dirty="0"/>
+              <a:t>따라서 대규모 리소스 해제 후</a:t>
+            </a:r>
+            <a:r>
+              <a:rPr lang="en-US" altLang="ko-KR" dirty="0"/>
+              <a:t>(Scene</a:t>
+            </a:r>
+            <a:r>
+              <a:rPr lang="ko-KR" altLang="en-US" dirty="0"/>
+              <a:t>전환</a:t>
+            </a:r>
+            <a:r>
+              <a:rPr lang="en-US" altLang="ko-KR" dirty="0"/>
+              <a:t>) </a:t>
+            </a:r>
+            <a:r>
+              <a:rPr lang="ko-KR" altLang="en-US" dirty="0"/>
+              <a:t>사용을 권장함</a:t>
+            </a:r>
+            <a:r>
+              <a:rPr lang="en-US" altLang="ko-KR" dirty="0"/>
+              <a:t>.</a:t>
+            </a:r>
+            <a:endParaRPr lang="en-US" altLang="ko-KR" b="1" dirty="0"/>
+          </a:p>
+          <a:p>
+            <a:endParaRPr lang="en-US" altLang="ko-KR" sz="1400" dirty="0"/>
+          </a:p>
+          <a:p>
+            <a:r>
+              <a:rPr lang="en-US" altLang="ko-KR" sz="1400" dirty="0"/>
+              <a:t>[</a:t>
+            </a:r>
+            <a:r>
+              <a:rPr lang="ko-KR" altLang="en-US" sz="1400" dirty="0"/>
+              <a:t>앱이 </a:t>
+            </a:r>
+            <a:r>
+              <a:rPr lang="en-US" altLang="ko-KR" sz="1400" dirty="0"/>
+              <a:t>Release </a:t>
+            </a:r>
+            <a:r>
+              <a:rPr lang="ko-KR" altLang="en-US" sz="1400" dirty="0"/>
+              <a:t>호출</a:t>
+            </a:r>
+            <a:r>
+              <a:rPr lang="en-US" altLang="ko-KR" sz="1400" dirty="0"/>
+              <a:t>]</a:t>
+            </a:r>
+          </a:p>
+          <a:p>
+            <a:r>
+              <a:rPr lang="en-US" altLang="ko-KR" sz="1400" dirty="0"/>
+              <a:t>        ↓</a:t>
+            </a:r>
+          </a:p>
+          <a:p>
+            <a:r>
+              <a:rPr lang="en-US" altLang="ko-KR" sz="1400" dirty="0"/>
+              <a:t>[COM </a:t>
+            </a:r>
+            <a:r>
+              <a:rPr lang="ko-KR" altLang="en-US" sz="1400" dirty="0"/>
+              <a:t>객체 소멸 </a:t>
+            </a:r>
+            <a:r>
+              <a:rPr lang="en-US" altLang="ko-KR" sz="1400" dirty="0"/>
+              <a:t>(C++ delete this)]</a:t>
+            </a:r>
+          </a:p>
+          <a:p>
+            <a:r>
+              <a:rPr lang="en-US" altLang="ko-KR" sz="1400" dirty="0"/>
+              <a:t>        ↓</a:t>
+            </a:r>
+          </a:p>
+          <a:p>
+            <a:r>
+              <a:rPr lang="en-US" altLang="ko-KR" sz="1400" dirty="0"/>
+              <a:t>[</a:t>
+            </a:r>
+            <a:r>
+              <a:rPr lang="ko-KR" altLang="en-US" sz="1400" dirty="0"/>
+              <a:t>드라이버</a:t>
+            </a:r>
+            <a:r>
+              <a:rPr lang="en-US" altLang="ko-KR" sz="1400" dirty="0"/>
+              <a:t>: "</a:t>
+            </a:r>
+            <a:r>
+              <a:rPr lang="ko-KR" altLang="en-US" sz="1400" dirty="0"/>
+              <a:t>이 리소스는 누가 쓰고 있진 않구나</a:t>
+            </a:r>
+            <a:r>
+              <a:rPr lang="en-US" altLang="ko-KR" sz="1400" dirty="0"/>
+              <a:t>"]</a:t>
+            </a:r>
+          </a:p>
+          <a:p>
+            <a:r>
+              <a:rPr lang="en-US" altLang="ko-KR" sz="1400" dirty="0"/>
+              <a:t>        ↓</a:t>
+            </a:r>
+          </a:p>
+          <a:p>
+            <a:r>
+              <a:rPr lang="en-US" altLang="ko-KR" sz="1400" dirty="0"/>
+              <a:t>[Trim </a:t>
+            </a:r>
+            <a:r>
+              <a:rPr lang="ko-KR" altLang="en-US" sz="1400" dirty="0"/>
+              <a:t>호출 전까지 캐시 상태로 보류</a:t>
+            </a:r>
+            <a:r>
+              <a:rPr lang="en-US" altLang="ko-KR" sz="1400" dirty="0"/>
+              <a:t>]</a:t>
+            </a:r>
+          </a:p>
+          <a:p>
+            <a:r>
+              <a:rPr lang="en-US" altLang="ko-KR" sz="1400" dirty="0"/>
+              <a:t>        ↓</a:t>
+            </a:r>
+          </a:p>
+          <a:p>
+            <a:r>
+              <a:rPr lang="en-US" altLang="ko-KR" sz="1400" dirty="0"/>
+              <a:t>[Trim </a:t>
+            </a:r>
+            <a:r>
+              <a:rPr lang="ko-KR" altLang="en-US" sz="1400" dirty="0"/>
+              <a:t>호출 </a:t>
+            </a:r>
+            <a:r>
+              <a:rPr lang="en-US" altLang="ko-KR" sz="1400" dirty="0"/>
+              <a:t>or </a:t>
+            </a:r>
+            <a:r>
+              <a:rPr lang="ko-KR" altLang="en-US" sz="1400" dirty="0"/>
+              <a:t>메모리 부족</a:t>
+            </a:r>
+            <a:r>
+              <a:rPr lang="en-US" altLang="ko-KR" sz="1400" dirty="0"/>
+              <a:t>]</a:t>
+            </a:r>
+          </a:p>
+          <a:p>
+            <a:r>
+              <a:rPr lang="en-US" altLang="ko-KR" sz="1400" dirty="0"/>
+              <a:t>        ↓</a:t>
+            </a:r>
+          </a:p>
+          <a:p>
+            <a:r>
+              <a:rPr lang="en-US" altLang="ko-KR" sz="1400" dirty="0"/>
+              <a:t>[</a:t>
+            </a:r>
+            <a:r>
+              <a:rPr lang="ko-KR" altLang="en-US" sz="1400" dirty="0"/>
+              <a:t>드라이버가 실제 </a:t>
+            </a:r>
+            <a:r>
+              <a:rPr lang="en-US" altLang="ko-KR" sz="1400" dirty="0"/>
+              <a:t>GPU/</a:t>
+            </a:r>
+            <a:r>
+              <a:rPr lang="ko-KR" altLang="en-US" sz="1400" dirty="0"/>
+              <a:t>시스템 메모리에서 리소스 제거</a:t>
+            </a:r>
+            <a:r>
+              <a:rPr lang="en-US" altLang="ko-KR" sz="1400" dirty="0"/>
+              <a:t>] </a:t>
+            </a:r>
+            <a:r>
+              <a:rPr lang="ko-KR" altLang="en-US" sz="1400" dirty="0"/>
+              <a:t> </a:t>
+            </a:r>
+          </a:p>
+        </p:txBody>
+      </p:sp>
+    </p:spTree>
+    <p:extLst>
+      <p:ext uri="{BB962C8B-B14F-4D97-AF65-F5344CB8AC3E}">
+        <p14:creationId xmlns:p14="http://schemas.microsoft.com/office/powerpoint/2010/main" val="3420208568"/>
+      </p:ext>
+    </p:extLst>
+  </p:cSld>
+  <p:clrMapOvr>
+    <a:masterClrMapping/>
+  </p:clrMapOvr>
+</p:sld>
+</file>
+
+<file path=ppt/slides/slide11.xml><?xml version="1.0" encoding="utf-8"?>
+<p:sld xmlns:a="http://schemas.openxmlformats.org/drawingml/2006/main" xmlns:r="http://schemas.openxmlformats.org/officeDocument/2006/relationships" xmlns:p="http://schemas.openxmlformats.org/presentationml/2006/main">
+  <p:cSld>
+    <p:spTree>
+      <p:nvGrpSpPr>
+        <p:cNvPr id="1" name=""/>
+        <p:cNvGrpSpPr/>
+        <p:nvPr/>
+      </p:nvGrpSpPr>
+      <p:grpSpPr>
+        <a:xfrm>
+          <a:off x="0" y="0"/>
+          <a:ext cx="0" cy="0"/>
+          <a:chOff x="0" y="0"/>
+          <a:chExt cx="0" cy="0"/>
+        </a:xfrm>
+      </p:grpSpPr>
+      <p:sp>
+        <p:nvSpPr>
+          <p:cNvPr id="2" name="제목 1">
+            <a:extLst>
+              <a:ext uri="{FF2B5EF4-FFF2-40B4-BE49-F238E27FC236}">
+                <a16:creationId xmlns:a16="http://schemas.microsoft.com/office/drawing/2014/main" id="{E488B053-09E5-1465-11C2-FE047BE5BF3D}"/>
+              </a:ext>
+            </a:extLst>
+          </p:cNvPr>
+          <p:cNvSpPr>
+            <a:spLocks noGrp="1"/>
+          </p:cNvSpPr>
+          <p:nvPr>
+            <p:ph type="title"/>
+          </p:nvPr>
+        </p:nvSpPr>
+        <p:spPr/>
+        <p:txBody>
+          <a:bodyPr/>
+          <a:lstStyle/>
+          <a:p>
+            <a:r>
+              <a:rPr lang="ko-KR" altLang="en-US" dirty="0"/>
+              <a:t>실습 </a:t>
+            </a:r>
+            <a:r>
+              <a:rPr lang="en-US" altLang="ko-KR" dirty="0" err="1"/>
+              <a:t>DemoResourceSharing</a:t>
+            </a:r>
+            <a:endParaRPr lang="ko-KR" altLang="en-US" dirty="0"/>
+          </a:p>
+        </p:txBody>
+      </p:sp>
+      <p:sp>
+        <p:nvSpPr>
+          <p:cNvPr id="3" name="TextBox 2">
+            <a:extLst>
+              <a:ext uri="{FF2B5EF4-FFF2-40B4-BE49-F238E27FC236}">
+                <a16:creationId xmlns:a16="http://schemas.microsoft.com/office/drawing/2014/main" id="{2E02DAC7-82A3-E866-4AB4-331C1FF41AD0}"/>
+              </a:ext>
+            </a:extLst>
+          </p:cNvPr>
+          <p:cNvSpPr txBox="1"/>
+          <p:nvPr/>
+        </p:nvSpPr>
+        <p:spPr>
+          <a:xfrm>
+            <a:off x="736503" y="1985100"/>
+            <a:ext cx="9393918" cy="923330"/>
+          </a:xfrm>
+          <a:prstGeom prst="rect">
+            <a:avLst/>
+          </a:prstGeom>
+          <a:noFill/>
+        </p:spPr>
+        <p:txBody>
+          <a:bodyPr wrap="none" rtlCol="0">
+            <a:spAutoFit/>
+          </a:bodyPr>
+          <a:lstStyle/>
+          <a:p>
+            <a:r>
+              <a:rPr lang="ko-KR" altLang="en-US" dirty="0"/>
+              <a:t> 하나의 클래스를 사용하여 비트맵을 출력하는 되는 장면을 구현한다</a:t>
+            </a:r>
+            <a:r>
+              <a:rPr lang="en-US" altLang="ko-KR" dirty="0"/>
+              <a:t>.</a:t>
+            </a:r>
+          </a:p>
+          <a:p>
+            <a:r>
+              <a:rPr lang="ko-KR" altLang="en-US" dirty="0"/>
+              <a:t>리소스를 공유하는 클래스 설계를 하고 키보드 특정 키로 오브젝트 수를 늘리고 줄이면서</a:t>
+            </a:r>
+            <a:endParaRPr lang="en-US" altLang="ko-KR" dirty="0"/>
+          </a:p>
+          <a:p>
+            <a:r>
+              <a:rPr lang="ko-KR" altLang="en-US" dirty="0"/>
+              <a:t>비디오 램의 사용량을 출력한다</a:t>
+            </a:r>
+            <a:r>
+              <a:rPr lang="en-US" altLang="ko-KR" dirty="0"/>
+              <a:t>.</a:t>
+            </a:r>
+            <a:r>
+              <a:rPr lang="ko-KR" altLang="en-US" dirty="0"/>
+              <a:t>  </a:t>
+            </a:r>
+            <a:r>
+              <a:rPr lang="en-US" altLang="ko-KR" dirty="0"/>
+              <a:t>D2DRender::</a:t>
+            </a:r>
+            <a:r>
+              <a:rPr lang="en-US" altLang="ko-KR" sz="1800" dirty="0" err="1">
+                <a:solidFill>
+                  <a:srgbClr val="880000"/>
+                </a:solidFill>
+                <a:latin typeface="Cascadia Mono" panose="020B0609020000020004" pitchFamily="49" charset="0"/>
+              </a:rPr>
+              <a:t>GetUsedVRAM</a:t>
+            </a:r>
+            <a:r>
+              <a:rPr lang="en-US" altLang="ko-KR" sz="1800" dirty="0">
+                <a:solidFill>
+                  <a:srgbClr val="000000"/>
+                </a:solidFill>
+                <a:latin typeface="Cascadia Mono" panose="020B0609020000020004" pitchFamily="49" charset="0"/>
+              </a:rPr>
+              <a:t>(); </a:t>
+            </a:r>
+            <a:r>
+              <a:rPr lang="ko-KR" altLang="en-US" sz="1800" dirty="0">
+                <a:solidFill>
+                  <a:srgbClr val="000000"/>
+                </a:solidFill>
+                <a:latin typeface="Cascadia Mono" panose="020B0609020000020004" pitchFamily="49" charset="0"/>
+              </a:rPr>
+              <a:t>참고한다</a:t>
+            </a:r>
+            <a:r>
+              <a:rPr lang="en-US" altLang="ko-KR" sz="1800" dirty="0">
+                <a:solidFill>
+                  <a:srgbClr val="000000"/>
+                </a:solidFill>
+                <a:latin typeface="Cascadia Mono" panose="020B0609020000020004" pitchFamily="49" charset="0"/>
+              </a:rPr>
+              <a:t>.</a:t>
+            </a:r>
+            <a:endParaRPr lang="en-US" altLang="ko-KR" dirty="0"/>
+          </a:p>
+        </p:txBody>
+      </p:sp>
+    </p:spTree>
+    <p:extLst>
+      <p:ext uri="{BB962C8B-B14F-4D97-AF65-F5344CB8AC3E}">
+        <p14:creationId xmlns:p14="http://schemas.microsoft.com/office/powerpoint/2010/main" val="555844918"/>
+      </p:ext>
+    </p:extLst>
+  </p:cSld>
+  <p:clrMapOvr>
+    <a:masterClrMapping/>
+  </p:clrMapOvr>
+</p:sld>
+</file>
+
 <file path=ppt/slides/slide2.xml><?xml version="1.0" encoding="utf-8"?>
 <p:sld xmlns:a="http://schemas.openxmlformats.org/drawingml/2006/main" xmlns:r="http://schemas.openxmlformats.org/officeDocument/2006/relationships" xmlns:p="http://schemas.openxmlformats.org/presentationml/2006/main">
   <p:cSld>
@@ -3543,12 +4141,8 @@
               <a:buAutoNum type="arabicPeriod"/>
             </a:pPr>
             <a:r>
-              <a:rPr lang="ko-KR" altLang="en-US"/>
-              <a:t>이미지를 </a:t>
-            </a:r>
-            <a:r>
               <a:rPr lang="ko-KR" altLang="en-US" dirty="0"/>
-              <a:t>생성하고 공유할 때 </a:t>
+              <a:t>이미지를 생성하고 공유할 때 </a:t>
             </a:r>
             <a:r>
               <a:rPr lang="ko-KR" altLang="en-US" b="1" dirty="0"/>
@@ -6957,7 +7551,7 @@
           <p:cNvPr id="2" name="제목 1">
             <a:extLst>
               <a:ext uri="{FF2B5EF4-FFF2-40B4-BE49-F238E27FC236}">
-                <a16:creationId xmlns:a16="http://schemas.microsoft.com/office/drawing/2014/main" id="{E488B053-09E5-1465-11C2-FE047BE5BF3D}"/>
+                <a16:creationId xmlns:a16="http://schemas.microsoft.com/office/drawing/2014/main" id="{50E5162F-5244-65E5-2766-EAE217EAC88F}"/>
               </a:ext>
             </a:extLst>
           </p:cNvPr>
@@ -6975,22 +7569,64 @@
           <a:p>
             <a:r>
               <a:rPr lang="ko-KR" altLang="en-US" dirty="0"/>
-              <a:t>실습 </a:t>
-            </a:r>
-            <a:r>
-              <a:rPr lang="en-US" altLang="ko-KR" dirty="0" err="1"/>
-              <a:t>DemoResourceSharing</a:t>
-            </a:r>
-            <a:endParaRPr lang="ko-KR" altLang="en-US" dirty="0"/>
+              <a:t>비디오 메모리</a:t>
+            </a:r>
           </a:p>
         </p:txBody>
       </p:sp>
+      <p:pic>
+        <p:nvPicPr>
+          <p:cNvPr id="1026" name="Picture 2" descr="Can You Add Vram To Graphics Card">
+            <a:extLst>
+              <a:ext uri="{FF2B5EF4-FFF2-40B4-BE49-F238E27FC236}">
+                <a16:creationId xmlns:a16="http://schemas.microsoft.com/office/drawing/2014/main" id="{A0335833-1B40-EE76-519B-093A50A2D047}"/>
+              </a:ext>
+            </a:extLst>
+          </p:cNvPr>
+          <p:cNvPicPr>
+            <a:picLocks noChangeAspect="1" noChangeArrowheads="1"/>
+          </p:cNvPicPr>
+          <p:nvPr/>
+        </p:nvPicPr>
+        <p:blipFill>
+          <a:blip r:embed="rId2">
+            <a:extLst>
+              <a:ext uri="{28A0092B-C50C-407E-A947-70E740481C1C}">
+                <a14:useLocalDpi xmlns:a14="http://schemas.microsoft.com/office/drawing/2010/main" val="0"/>
+              </a:ext>
+            </a:extLst>
+          </a:blip>
+          <a:srcRect/>
+          <a:stretch>
+            <a:fillRect/>
+          </a:stretch>
+        </p:blipFill>
+        <p:spPr bwMode="auto">
+          <a:xfrm>
+            <a:off x="189580" y="3445665"/>
+            <a:ext cx="3790845" cy="2550319"/>
+          </a:xfrm>
+          <a:prstGeom prst="rect">
+            <a:avLst/>
+          </a:prstGeom>
+          <a:noFill/>
+          <a:extLst>
+            <a:ext uri="{909E8E84-426E-40DD-AFC4-6F175D3DCCD1}">
+              <a14:hiddenFill xmlns:a14="http://schemas.microsoft.com/office/drawing/2010/main">
+                <a:solidFill>
+                  <a:srgbClr val="FFFFFF"/>
+                </a:solidFill>
+              </a14:hiddenFill>
+            </a:ext>
+          </a:extLst>
+        </p:spPr>
+      </p:pic>
       <p:sp>
         <p:nvSpPr>
-          <p:cNvPr id="3" name="TextBox 2">
-            <a:extLst>
-              <a:ext uri="{FF2B5EF4-FFF2-40B4-BE49-F238E27FC236}">
-                <a16:creationId xmlns:a16="http://schemas.microsoft.com/office/drawing/2014/main" id="{2E02DAC7-82A3-E866-4AB4-331C1FF41AD0}"/>
+          <p:cNvPr id="6" name="TextBox 5">
+            <a:extLst>
+              <a:ext uri="{FF2B5EF4-FFF2-40B4-BE49-F238E27FC236}">
+                <a16:creationId xmlns:a16="http://schemas.microsoft.com/office/drawing/2014/main" id="{D3C10459-7CB7-8722-592C-D159D7DFF07F}"/>
               </a:ext>
             </a:extLst>
           </p:cNvPr>
@@ -6999,8 +7635,8 @@
         </p:nvSpPr>
         <p:spPr>
           <a:xfrm>
-            <a:off x="736503" y="1985100"/>
-            <a:ext cx="9393918" cy="923330"/>
+            <a:off x="214631" y="2250327"/>
+            <a:ext cx="3717688" cy="1231106"/>
           </a:xfrm>
           <a:prstGeom prst="rect">
             <a:avLst/>
@@ -7008,88 +7644,3252 @@
           <a:noFill/>
         </p:spPr>
         <p:txBody>
-          <a:bodyPr wrap="none" rtlCol="0">
+          <a:bodyPr wrap="square">
             <a:spAutoFit/>
           </a:bodyPr>
           <a:lstStyle/>
           <a:p>
             <a:r>
+              <a:rPr lang="ko-KR" altLang="en-US" sz="1400" b="0" i="0" dirty="0">
+                <a:effectLst/>
+                <a:latin typeface="Arial" panose="020B0604020202020204" pitchFamily="34" charset="0"/>
+              </a:rPr>
+              <a:t>비디오 랜덤 액세스 메모리</a:t>
+            </a:r>
+            <a:endParaRPr lang="en-US" altLang="ko-KR" sz="1400" b="0" i="0" dirty="0">
+              <a:effectLst/>
+              <a:latin typeface="Arial" panose="020B0604020202020204" pitchFamily="34" charset="0"/>
+            </a:endParaRPr>
+          </a:p>
+          <a:p>
+            <a:r>
+              <a:rPr lang="en-US" altLang="ko-KR" sz="1400" b="0" i="0" dirty="0">
+                <a:effectLst/>
+                <a:latin typeface="Arial" panose="020B0604020202020204" pitchFamily="34" charset="0"/>
+              </a:rPr>
+              <a:t>(Video Random Access Memory)</a:t>
+            </a:r>
+          </a:p>
+          <a:p>
+            <a:r>
+              <a:rPr lang="en-US" altLang="ko-KR" sz="1400" dirty="0">
+                <a:latin typeface="Arial" panose="020B0604020202020204" pitchFamily="34" charset="0"/>
+              </a:rPr>
+              <a:t>VRAM</a:t>
+            </a:r>
+          </a:p>
+          <a:p>
+            <a:endParaRPr lang="en-US" altLang="ko-KR" sz="1400" dirty="0">
+              <a:latin typeface="Arial" panose="020B0604020202020204" pitchFamily="34" charset="0"/>
+            </a:endParaRPr>
+          </a:p>
+          <a:p>
+            <a:r>
+              <a:rPr lang="en-US" altLang="ko-KR" sz="1400" dirty="0"/>
+              <a:t>GPU </a:t>
+            </a:r>
+            <a:r>
+              <a:rPr lang="ko-KR" altLang="en-US" sz="1400" dirty="0"/>
+              <a:t>전용 메모리 </a:t>
+            </a:r>
+            <a:r>
+              <a:rPr lang="en-US" altLang="ko-KR" sz="1400" dirty="0"/>
+              <a:t>(</a:t>
+            </a:r>
+            <a:r>
+              <a:rPr lang="ko-KR" altLang="en-US" sz="1400" dirty="0"/>
+              <a:t>텍스처</a:t>
+            </a:r>
+            <a:r>
+              <a:rPr lang="en-US" altLang="ko-KR" sz="1400" dirty="0"/>
+              <a:t>, </a:t>
+            </a:r>
+            <a:r>
+              <a:rPr lang="ko-KR" altLang="en-US" sz="1400" dirty="0"/>
+              <a:t>버퍼 등</a:t>
+            </a:r>
+            <a:r>
+              <a:rPr lang="en-US" altLang="ko-KR" dirty="0"/>
+              <a:t>)</a:t>
+            </a:r>
+            <a:endParaRPr lang="en-US" altLang="ko-KR" dirty="0">
+              <a:latin typeface="Arial" panose="020B0604020202020204" pitchFamily="34" charset="0"/>
+            </a:endParaRPr>
+          </a:p>
+        </p:txBody>
+      </p:sp>
+      <p:sp>
+        <p:nvSpPr>
+          <p:cNvPr id="5" name="TextBox 4">
+            <a:extLst>
+              <a:ext uri="{FF2B5EF4-FFF2-40B4-BE49-F238E27FC236}">
+                <a16:creationId xmlns:a16="http://schemas.microsoft.com/office/drawing/2014/main" id="{719A6552-A39A-FE90-AF2A-8F4D10208A34}"/>
+              </a:ext>
+            </a:extLst>
+          </p:cNvPr>
+          <p:cNvSpPr txBox="1"/>
+          <p:nvPr/>
+        </p:nvSpPr>
+        <p:spPr>
+          <a:xfrm>
+            <a:off x="4708049" y="4095746"/>
+            <a:ext cx="6900545" cy="1600438"/>
+          </a:xfrm>
+          <a:prstGeom prst="rect">
+            <a:avLst/>
+          </a:prstGeom>
+          <a:noFill/>
+        </p:spPr>
+        <p:txBody>
+          <a:bodyPr wrap="square">
+            <a:spAutoFit/>
+          </a:bodyPr>
+          <a:lstStyle/>
+          <a:p>
+            <a:r>
+              <a:rPr lang="en-US" altLang="ko-KR" sz="1400" dirty="0">
+                <a:solidFill>
+                  <a:srgbClr val="0000FF"/>
+                </a:solidFill>
+                <a:highlight>
+                  <a:srgbClr val="FFFFFF"/>
+                </a:highlight>
+                <a:latin typeface="돋움체" panose="020B0609000101010101" pitchFamily="49" charset="-127"/>
+                <a:ea typeface="돋움체" panose="020B0609000101010101" pitchFamily="49" charset="-127"/>
+              </a:rPr>
+              <a:t>typedef</a:t>
+            </a:r>
+            <a:r>
+              <a:rPr lang="en-US" altLang="ko-KR" sz="1400" dirty="0">
+                <a:solidFill>
+                  <a:srgbClr val="000000"/>
+                </a:solidFill>
+                <a:highlight>
+                  <a:srgbClr val="FFFFFF"/>
+                </a:highlight>
+                <a:latin typeface="돋움체" panose="020B0609000101010101" pitchFamily="49" charset="-127"/>
+                <a:ea typeface="돋움체" panose="020B0609000101010101" pitchFamily="49" charset="-127"/>
+              </a:rPr>
+              <a:t> </a:t>
+            </a:r>
+            <a:r>
+              <a:rPr lang="en-US" altLang="ko-KR" sz="1400" dirty="0">
+                <a:solidFill>
+                  <a:srgbClr val="0000FF"/>
+                </a:solidFill>
+                <a:highlight>
+                  <a:srgbClr val="FFFFFF"/>
+                </a:highlight>
+                <a:latin typeface="돋움체" panose="020B0609000101010101" pitchFamily="49" charset="-127"/>
+                <a:ea typeface="돋움체" panose="020B0609000101010101" pitchFamily="49" charset="-127"/>
+              </a:rPr>
+              <a:t>struct</a:t>
+            </a:r>
+            <a:r>
+              <a:rPr lang="en-US" altLang="ko-KR" sz="1400" dirty="0">
+                <a:solidFill>
+                  <a:srgbClr val="000000"/>
+                </a:solidFill>
+                <a:highlight>
+                  <a:srgbClr val="FFFFFF"/>
+                </a:highlight>
+                <a:latin typeface="돋움체" panose="020B0609000101010101" pitchFamily="49" charset="-127"/>
+                <a:ea typeface="돋움체" panose="020B0609000101010101" pitchFamily="49" charset="-127"/>
+              </a:rPr>
+              <a:t> </a:t>
+            </a:r>
+            <a:r>
+              <a:rPr lang="en-US" altLang="ko-KR" sz="1400" i="1" dirty="0">
+                <a:solidFill>
+                  <a:srgbClr val="0000FF"/>
+                </a:solidFill>
+                <a:highlight>
+                  <a:srgbClr val="FFFFFF"/>
+                </a:highlight>
+                <a:latin typeface="돋움체" panose="020B0609000101010101" pitchFamily="49" charset="-127"/>
+                <a:ea typeface="돋움체" panose="020B0609000101010101" pitchFamily="49" charset="-127"/>
+              </a:rPr>
+              <a:t>DXGI_QUERY_VIDEO_MEMORY_INFO</a:t>
+            </a:r>
+            <a:endParaRPr lang="en-US" altLang="ko-KR" sz="1400" i="0" dirty="0">
+              <a:solidFill>
+                <a:srgbClr val="000000"/>
+              </a:solidFill>
+              <a:highlight>
+                <a:srgbClr val="FFFFFF"/>
+              </a:highlight>
+              <a:latin typeface="돋움체" panose="020B0609000101010101" pitchFamily="49" charset="-127"/>
+              <a:ea typeface="돋움체" panose="020B0609000101010101" pitchFamily="49" charset="-127"/>
+            </a:endParaRPr>
+          </a:p>
+          <a:p>
+            <a:r>
+              <a:rPr lang="en-US" altLang="ko-KR" sz="1400" i="0" dirty="0">
+                <a:solidFill>
+                  <a:srgbClr val="000000"/>
+                </a:solidFill>
+                <a:highlight>
+                  <a:srgbClr val="FFFFFF"/>
+                </a:highlight>
+                <a:latin typeface="돋움체" panose="020B0609000101010101" pitchFamily="49" charset="-127"/>
+                <a:ea typeface="돋움체" panose="020B0609000101010101" pitchFamily="49" charset="-127"/>
+              </a:rPr>
+              <a:t>{</a:t>
+            </a:r>
+          </a:p>
+          <a:p>
+            <a:r>
+              <a:rPr lang="en-US" altLang="ko-KR" sz="1400" i="1" dirty="0">
+                <a:solidFill>
+                  <a:srgbClr val="0000FF"/>
+                </a:solidFill>
+                <a:highlight>
+                  <a:srgbClr val="FFFFFF"/>
+                </a:highlight>
+                <a:latin typeface="돋움체" panose="020B0609000101010101" pitchFamily="49" charset="-127"/>
+                <a:ea typeface="돋움체" panose="020B0609000101010101" pitchFamily="49" charset="-127"/>
+              </a:rPr>
+              <a:t>   UINT64</a:t>
+            </a:r>
+            <a:r>
+              <a:rPr lang="en-US" altLang="ko-KR" sz="1400" i="0" dirty="0">
+                <a:solidFill>
+                  <a:srgbClr val="000000"/>
+                </a:solidFill>
+                <a:highlight>
+                  <a:srgbClr val="FFFFFF"/>
+                </a:highlight>
+                <a:latin typeface="돋움체" panose="020B0609000101010101" pitchFamily="49" charset="-127"/>
+                <a:ea typeface="돋움체" panose="020B0609000101010101" pitchFamily="49" charset="-127"/>
+              </a:rPr>
+              <a:t> </a:t>
+            </a:r>
+            <a:r>
+              <a:rPr lang="en-US" altLang="ko-KR" sz="1400" i="1" dirty="0">
+                <a:solidFill>
+                  <a:srgbClr val="000080"/>
+                </a:solidFill>
+                <a:highlight>
+                  <a:srgbClr val="FFFFFF"/>
+                </a:highlight>
+                <a:latin typeface="돋움체" panose="020B0609000101010101" pitchFamily="49" charset="-127"/>
+                <a:ea typeface="돋움체" panose="020B0609000101010101" pitchFamily="49" charset="-127"/>
+              </a:rPr>
+              <a:t>Budget</a:t>
+            </a:r>
+            <a:r>
+              <a:rPr lang="en-US" altLang="ko-KR" sz="1400" i="0" dirty="0">
+                <a:solidFill>
+                  <a:srgbClr val="000000"/>
+                </a:solidFill>
+                <a:highlight>
+                  <a:srgbClr val="FFFFFF"/>
+                </a:highlight>
+                <a:latin typeface="돋움체" panose="020B0609000101010101" pitchFamily="49" charset="-127"/>
+                <a:ea typeface="돋움체" panose="020B0609000101010101" pitchFamily="49" charset="-127"/>
+              </a:rPr>
+              <a:t>;        </a:t>
+            </a:r>
+            <a:r>
+              <a:rPr lang="en-US" altLang="ko-KR" sz="1400" dirty="0">
+                <a:solidFill>
+                  <a:srgbClr val="000000"/>
+                </a:solidFill>
+                <a:latin typeface="돋움체" panose="020B0609000101010101" pitchFamily="49" charset="-127"/>
+                <a:ea typeface="돋움체" panose="020B0609000101010101" pitchFamily="49" charset="-127"/>
+              </a:rPr>
+              <a:t>// OS</a:t>
+            </a:r>
+            <a:r>
+              <a:rPr lang="ko-KR" altLang="en-US" sz="1400" dirty="0">
+                <a:solidFill>
+                  <a:srgbClr val="000000"/>
+                </a:solidFill>
+                <a:latin typeface="돋움체" panose="020B0609000101010101" pitchFamily="49" charset="-127"/>
+                <a:ea typeface="돋움체" panose="020B0609000101010101" pitchFamily="49" charset="-127"/>
+              </a:rPr>
+              <a:t>가 앱에게 허용한 </a:t>
+            </a:r>
+            <a:r>
+              <a:rPr lang="en-US" altLang="ko-KR" sz="1400" dirty="0">
+                <a:solidFill>
+                  <a:srgbClr val="000000"/>
+                </a:solidFill>
+                <a:latin typeface="돋움체" panose="020B0609000101010101" pitchFamily="49" charset="-127"/>
+                <a:ea typeface="돋움체" panose="020B0609000101010101" pitchFamily="49" charset="-127"/>
+              </a:rPr>
+              <a:t>VRAM </a:t>
+            </a:r>
+            <a:r>
+              <a:rPr lang="ko-KR" altLang="en-US" sz="1400" dirty="0">
+                <a:solidFill>
+                  <a:srgbClr val="000000"/>
+                </a:solidFill>
+                <a:latin typeface="돋움체" panose="020B0609000101010101" pitchFamily="49" charset="-127"/>
+                <a:ea typeface="돋움체" panose="020B0609000101010101" pitchFamily="49" charset="-127"/>
+              </a:rPr>
+              <a:t>총량</a:t>
+            </a:r>
+            <a:endParaRPr lang="en-US" altLang="ko-KR" sz="1400" i="0" dirty="0">
+              <a:solidFill>
+                <a:srgbClr val="000000"/>
+              </a:solidFill>
+              <a:highlight>
+                <a:srgbClr val="FFFFFF"/>
+              </a:highlight>
+              <a:latin typeface="돋움체" panose="020B0609000101010101" pitchFamily="49" charset="-127"/>
+              <a:ea typeface="돋움체" panose="020B0609000101010101" pitchFamily="49" charset="-127"/>
+            </a:endParaRPr>
+          </a:p>
+          <a:p>
+            <a:r>
+              <a:rPr lang="en-US" altLang="ko-KR" sz="1400" i="1" dirty="0">
+                <a:solidFill>
+                  <a:srgbClr val="0000FF"/>
+                </a:solidFill>
+                <a:highlight>
+                  <a:srgbClr val="FFFFFF"/>
+                </a:highlight>
+                <a:latin typeface="돋움체" panose="020B0609000101010101" pitchFamily="49" charset="-127"/>
+                <a:ea typeface="돋움체" panose="020B0609000101010101" pitchFamily="49" charset="-127"/>
+              </a:rPr>
+              <a:t>   UINT64</a:t>
+            </a:r>
+            <a:r>
+              <a:rPr lang="en-US" altLang="ko-KR" sz="1400" i="0" dirty="0">
+                <a:solidFill>
+                  <a:srgbClr val="000000"/>
+                </a:solidFill>
+                <a:highlight>
+                  <a:srgbClr val="FFFFFF"/>
+                </a:highlight>
+                <a:latin typeface="돋움체" panose="020B0609000101010101" pitchFamily="49" charset="-127"/>
+                <a:ea typeface="돋움체" panose="020B0609000101010101" pitchFamily="49" charset="-127"/>
+              </a:rPr>
+              <a:t> </a:t>
+            </a:r>
+            <a:r>
+              <a:rPr lang="en-US" altLang="ko-KR" sz="1400" b="1" i="1" u="sng" dirty="0">
+                <a:solidFill>
+                  <a:srgbClr val="FF0000"/>
+                </a:solidFill>
+                <a:highlight>
+                  <a:srgbClr val="FFFFFF"/>
+                </a:highlight>
+                <a:latin typeface="돋움체" panose="020B0609000101010101" pitchFamily="49" charset="-127"/>
+                <a:ea typeface="돋움체" panose="020B0609000101010101" pitchFamily="49" charset="-127"/>
+              </a:rPr>
+              <a:t>CurrentUsage</a:t>
+            </a:r>
+            <a:r>
+              <a:rPr lang="en-US" altLang="ko-KR" sz="1400" b="1" i="0" dirty="0">
+                <a:solidFill>
+                  <a:srgbClr val="FF0000"/>
+                </a:solidFill>
+                <a:highlight>
+                  <a:srgbClr val="FFFFFF"/>
+                </a:highlight>
+                <a:latin typeface="돋움체" panose="020B0609000101010101" pitchFamily="49" charset="-127"/>
+                <a:ea typeface="돋움체" panose="020B0609000101010101" pitchFamily="49" charset="-127"/>
+              </a:rPr>
+              <a:t>;</a:t>
+            </a:r>
+            <a:r>
+              <a:rPr lang="en-US" altLang="ko-KR" sz="1400" i="0" dirty="0">
+                <a:solidFill>
+                  <a:srgbClr val="FF0000"/>
+                </a:solidFill>
+                <a:highlight>
+                  <a:srgbClr val="FFFFFF"/>
+                </a:highlight>
+                <a:latin typeface="돋움체" panose="020B0609000101010101" pitchFamily="49" charset="-127"/>
+                <a:ea typeface="돋움체" panose="020B0609000101010101" pitchFamily="49" charset="-127"/>
+              </a:rPr>
+              <a:t>  </a:t>
+            </a:r>
+            <a:r>
+              <a:rPr lang="en-US" altLang="ko-KR" sz="1400" dirty="0">
+                <a:solidFill>
+                  <a:srgbClr val="FF0000"/>
+                </a:solidFill>
+                <a:latin typeface="돋움체" panose="020B0609000101010101" pitchFamily="49" charset="-127"/>
+                <a:ea typeface="돋움체" panose="020B0609000101010101" pitchFamily="49" charset="-127"/>
+              </a:rPr>
+              <a:t>// </a:t>
+            </a:r>
+            <a:r>
+              <a:rPr lang="ko-KR" altLang="en-US" sz="1400" b="1" dirty="0">
+                <a:solidFill>
+                  <a:srgbClr val="FF0000"/>
+                </a:solidFill>
+                <a:latin typeface="돋움체" panose="020B0609000101010101" pitchFamily="49" charset="-127"/>
+                <a:ea typeface="돋움체" panose="020B0609000101010101" pitchFamily="49" charset="-127"/>
+              </a:rPr>
+              <a:t>현재 실제 커밋된</a:t>
+            </a:r>
+            <a:r>
+              <a:rPr lang="en-US" altLang="ko-KR" sz="1400" b="1" dirty="0">
+                <a:solidFill>
+                  <a:srgbClr val="FF0000"/>
+                </a:solidFill>
+                <a:latin typeface="돋움체" panose="020B0609000101010101" pitchFamily="49" charset="-127"/>
+                <a:ea typeface="돋움체" panose="020B0609000101010101" pitchFamily="49" charset="-127"/>
+              </a:rPr>
+              <a:t>(</a:t>
+            </a:r>
+            <a:r>
+              <a:rPr lang="ko-KR" altLang="en-US" sz="1400" b="1" dirty="0">
+                <a:solidFill>
+                  <a:srgbClr val="FF0000"/>
+                </a:solidFill>
+                <a:latin typeface="돋움체" panose="020B0609000101010101" pitchFamily="49" charset="-127"/>
+                <a:ea typeface="돋움체" panose="020B0609000101010101" pitchFamily="49" charset="-127"/>
+              </a:rPr>
+              <a:t>사용 중인</a:t>
+            </a:r>
+            <a:r>
+              <a:rPr lang="en-US" altLang="ko-KR" sz="1400" b="1" dirty="0">
+                <a:solidFill>
+                  <a:srgbClr val="FF0000"/>
+                </a:solidFill>
+                <a:latin typeface="돋움체" panose="020B0609000101010101" pitchFamily="49" charset="-127"/>
+                <a:ea typeface="돋움체" panose="020B0609000101010101" pitchFamily="49" charset="-127"/>
+              </a:rPr>
+              <a:t>) VRAM </a:t>
+            </a:r>
+            <a:r>
+              <a:rPr lang="ko-KR" altLang="en-US" sz="1400" b="1" dirty="0">
+                <a:solidFill>
+                  <a:srgbClr val="FF0000"/>
+                </a:solidFill>
+                <a:latin typeface="돋움체" panose="020B0609000101010101" pitchFamily="49" charset="-127"/>
+                <a:ea typeface="돋움체" panose="020B0609000101010101" pitchFamily="49" charset="-127"/>
+              </a:rPr>
+              <a:t>양</a:t>
+            </a:r>
+            <a:r>
+              <a:rPr lang="en-US" altLang="ko-KR" sz="1400" i="1" dirty="0">
+                <a:solidFill>
+                  <a:srgbClr val="0000FF"/>
+                </a:solidFill>
+                <a:highlight>
+                  <a:srgbClr val="FFFFFF"/>
+                </a:highlight>
+                <a:latin typeface="돋움체" panose="020B0609000101010101" pitchFamily="49" charset="-127"/>
+                <a:ea typeface="돋움체" panose="020B0609000101010101" pitchFamily="49" charset="-127"/>
+              </a:rPr>
+              <a:t>            </a:t>
+            </a:r>
+          </a:p>
+          <a:p>
+            <a:r>
+              <a:rPr lang="en-US" altLang="ko-KR" sz="1400" i="1" dirty="0">
+                <a:solidFill>
+                  <a:srgbClr val="0000FF"/>
+                </a:solidFill>
+                <a:highlight>
+                  <a:srgbClr val="FFFFFF"/>
+                </a:highlight>
+                <a:latin typeface="돋움체" panose="020B0609000101010101" pitchFamily="49" charset="-127"/>
+                <a:ea typeface="돋움체" panose="020B0609000101010101" pitchFamily="49" charset="-127"/>
+              </a:rPr>
+              <a:t>   UINT64</a:t>
+            </a:r>
+            <a:r>
+              <a:rPr lang="en-US" altLang="ko-KR" sz="1400" i="0" dirty="0">
+                <a:solidFill>
+                  <a:srgbClr val="000000"/>
+                </a:solidFill>
+                <a:highlight>
+                  <a:srgbClr val="FFFFFF"/>
+                </a:highlight>
+                <a:latin typeface="돋움체" panose="020B0609000101010101" pitchFamily="49" charset="-127"/>
+                <a:ea typeface="돋움체" panose="020B0609000101010101" pitchFamily="49" charset="-127"/>
+              </a:rPr>
+              <a:t> </a:t>
+            </a:r>
+            <a:r>
+              <a:rPr lang="en-US" altLang="ko-KR" sz="1400" i="1" dirty="0">
+                <a:solidFill>
+                  <a:srgbClr val="000080"/>
+                </a:solidFill>
+                <a:highlight>
+                  <a:srgbClr val="FFFFFF"/>
+                </a:highlight>
+                <a:latin typeface="돋움체" panose="020B0609000101010101" pitchFamily="49" charset="-127"/>
+                <a:ea typeface="돋움체" panose="020B0609000101010101" pitchFamily="49" charset="-127"/>
+              </a:rPr>
+              <a:t>AvailableForReservation</a:t>
+            </a:r>
+            <a:r>
+              <a:rPr lang="en-US" altLang="ko-KR" sz="1400" i="0" dirty="0">
+                <a:solidFill>
+                  <a:srgbClr val="000000"/>
+                </a:solidFill>
+                <a:highlight>
+                  <a:srgbClr val="FFFFFF"/>
+                </a:highlight>
+                <a:latin typeface="돋움체" panose="020B0609000101010101" pitchFamily="49" charset="-127"/>
+                <a:ea typeface="돋움체" panose="020B0609000101010101" pitchFamily="49" charset="-127"/>
+              </a:rPr>
+              <a:t>; </a:t>
+            </a:r>
+            <a:r>
+              <a:rPr lang="en-US" altLang="ko-KR" sz="1400" dirty="0">
+                <a:solidFill>
+                  <a:srgbClr val="000000"/>
+                </a:solidFill>
+                <a:latin typeface="돋움체" panose="020B0609000101010101" pitchFamily="49" charset="-127"/>
+                <a:ea typeface="돋움체" panose="020B0609000101010101" pitchFamily="49" charset="-127"/>
+              </a:rPr>
+              <a:t>// </a:t>
+            </a:r>
+            <a:r>
+              <a:rPr lang="ko-KR" altLang="en-US" sz="1400" dirty="0">
+                <a:solidFill>
+                  <a:srgbClr val="000000"/>
+                </a:solidFill>
+                <a:latin typeface="돋움체" panose="020B0609000101010101" pitchFamily="49" charset="-127"/>
+                <a:ea typeface="돋움체" panose="020B0609000101010101" pitchFamily="49" charset="-127"/>
+              </a:rPr>
+              <a:t>예약</a:t>
+            </a:r>
+            <a:r>
+              <a:rPr lang="en-US" altLang="ko-KR" sz="1400" dirty="0">
+                <a:solidFill>
+                  <a:srgbClr val="000000"/>
+                </a:solidFill>
+                <a:latin typeface="돋움체" panose="020B0609000101010101" pitchFamily="49" charset="-127"/>
+                <a:ea typeface="돋움체" panose="020B0609000101010101" pitchFamily="49" charset="-127"/>
+              </a:rPr>
+              <a:t>(</a:t>
+            </a:r>
+            <a:r>
+              <a:rPr lang="ko-KR" altLang="en-US" sz="1400" dirty="0">
+                <a:solidFill>
+                  <a:srgbClr val="000000"/>
+                </a:solidFill>
+                <a:highlight>
+                  <a:srgbClr val="FFFFFF"/>
+                </a:highlight>
+                <a:latin typeface="돋움체" panose="020B0609000101010101" pitchFamily="49" charset="-127"/>
+                <a:ea typeface="돋움체" panose="020B0609000101010101" pitchFamily="49" charset="-127"/>
+              </a:rPr>
+              <a:t>공간만 확보</a:t>
+            </a:r>
+            <a:r>
+              <a:rPr lang="en-US" altLang="ko-KR" sz="1400" dirty="0">
+                <a:solidFill>
+                  <a:srgbClr val="000000"/>
+                </a:solidFill>
+                <a:highlight>
+                  <a:srgbClr val="FFFFFF"/>
+                </a:highlight>
+                <a:latin typeface="돋움체" panose="020B0609000101010101" pitchFamily="49" charset="-127"/>
+                <a:ea typeface="돋움체" panose="020B0609000101010101" pitchFamily="49" charset="-127"/>
+              </a:rPr>
+              <a:t>)</a:t>
+            </a:r>
+            <a:r>
+              <a:rPr lang="ko-KR" altLang="en-US" sz="1400" dirty="0">
+                <a:solidFill>
+                  <a:srgbClr val="000000"/>
+                </a:solidFill>
+                <a:latin typeface="돋움체" panose="020B0609000101010101" pitchFamily="49" charset="-127"/>
+                <a:ea typeface="돋움체" panose="020B0609000101010101" pitchFamily="49" charset="-127"/>
+              </a:rPr>
+              <a:t>할 수 있는 여유 공간</a:t>
+            </a:r>
+            <a:endParaRPr lang="en-US" altLang="ko-KR" sz="1400" i="0" dirty="0">
+              <a:solidFill>
+                <a:srgbClr val="000000"/>
+              </a:solidFill>
+              <a:highlight>
+                <a:srgbClr val="FFFFFF"/>
+              </a:highlight>
+              <a:latin typeface="돋움체" panose="020B0609000101010101" pitchFamily="49" charset="-127"/>
+              <a:ea typeface="돋움체" panose="020B0609000101010101" pitchFamily="49" charset="-127"/>
+            </a:endParaRPr>
+          </a:p>
+          <a:p>
+            <a:r>
+              <a:rPr lang="en-US" altLang="ko-KR" sz="1400" i="1" dirty="0">
+                <a:solidFill>
+                  <a:srgbClr val="0000FF"/>
+                </a:solidFill>
+                <a:highlight>
+                  <a:srgbClr val="FFFFFF"/>
+                </a:highlight>
+                <a:latin typeface="돋움체" panose="020B0609000101010101" pitchFamily="49" charset="-127"/>
+                <a:ea typeface="돋움체" panose="020B0609000101010101" pitchFamily="49" charset="-127"/>
+              </a:rPr>
+              <a:t>   UINT64</a:t>
+            </a:r>
+            <a:r>
+              <a:rPr lang="en-US" altLang="ko-KR" sz="1400" i="0" dirty="0">
+                <a:solidFill>
+                  <a:srgbClr val="000000"/>
+                </a:solidFill>
+                <a:highlight>
+                  <a:srgbClr val="FFFFFF"/>
+                </a:highlight>
+                <a:latin typeface="돋움체" panose="020B0609000101010101" pitchFamily="49" charset="-127"/>
+                <a:ea typeface="돋움체" panose="020B0609000101010101" pitchFamily="49" charset="-127"/>
+              </a:rPr>
+              <a:t> </a:t>
+            </a:r>
+            <a:r>
+              <a:rPr lang="en-US" altLang="ko-KR" sz="1400" i="1" dirty="0">
+                <a:solidFill>
+                  <a:srgbClr val="000080"/>
+                </a:solidFill>
+                <a:highlight>
+                  <a:srgbClr val="FFFFFF"/>
+                </a:highlight>
+                <a:latin typeface="돋움체" panose="020B0609000101010101" pitchFamily="49" charset="-127"/>
+                <a:ea typeface="돋움체" panose="020B0609000101010101" pitchFamily="49" charset="-127"/>
+              </a:rPr>
+              <a:t>CurrentReservation</a:t>
+            </a:r>
+            <a:r>
+              <a:rPr lang="en-US" altLang="ko-KR" sz="1400" i="0" dirty="0">
+                <a:solidFill>
+                  <a:srgbClr val="000000"/>
+                </a:solidFill>
+                <a:highlight>
+                  <a:srgbClr val="FFFFFF"/>
+                </a:highlight>
+                <a:latin typeface="돋움체" panose="020B0609000101010101" pitchFamily="49" charset="-127"/>
+                <a:ea typeface="돋움체" panose="020B0609000101010101" pitchFamily="49" charset="-127"/>
+              </a:rPr>
+              <a:t>;      </a:t>
+            </a:r>
+            <a:r>
+              <a:rPr lang="en-US" altLang="ko-KR" sz="1400" dirty="0">
+                <a:solidFill>
+                  <a:srgbClr val="000000"/>
+                </a:solidFill>
+                <a:latin typeface="돋움체" panose="020B0609000101010101" pitchFamily="49" charset="-127"/>
+                <a:ea typeface="돋움체" panose="020B0609000101010101" pitchFamily="49" charset="-127"/>
+              </a:rPr>
+              <a:t>// </a:t>
+            </a:r>
+            <a:r>
+              <a:rPr lang="ko-KR" altLang="en-US" sz="1400" dirty="0">
+                <a:solidFill>
+                  <a:srgbClr val="000000"/>
+                </a:solidFill>
+                <a:latin typeface="돋움체" panose="020B0609000101010101" pitchFamily="49" charset="-127"/>
+                <a:ea typeface="돋움체" panose="020B0609000101010101" pitchFamily="49" charset="-127"/>
+              </a:rPr>
+              <a:t>현재 예약 중인 메모리 양</a:t>
+            </a:r>
+            <a:endParaRPr lang="en-US" altLang="ko-KR" sz="1400" i="0" dirty="0">
+              <a:solidFill>
+                <a:srgbClr val="000000"/>
+              </a:solidFill>
+              <a:highlight>
+                <a:srgbClr val="FFFFFF"/>
+              </a:highlight>
+              <a:latin typeface="돋움체" panose="020B0609000101010101" pitchFamily="49" charset="-127"/>
+              <a:ea typeface="돋움체" panose="020B0609000101010101" pitchFamily="49" charset="-127"/>
+            </a:endParaRPr>
+          </a:p>
+          <a:p>
+            <a:r>
+              <a:rPr lang="en-US" altLang="ko-KR" sz="1400" i="0" dirty="0">
+                <a:solidFill>
+                  <a:srgbClr val="000000"/>
+                </a:solidFill>
+                <a:highlight>
+                  <a:srgbClr val="FFFFFF"/>
+                </a:highlight>
+                <a:latin typeface="돋움체" panose="020B0609000101010101" pitchFamily="49" charset="-127"/>
+                <a:ea typeface="돋움체" panose="020B0609000101010101" pitchFamily="49" charset="-127"/>
+              </a:rPr>
+              <a:t>} </a:t>
+            </a:r>
+            <a:r>
+              <a:rPr lang="en-US" altLang="ko-KR" sz="1400" i="1" dirty="0">
+                <a:solidFill>
+                  <a:srgbClr val="0000FF"/>
+                </a:solidFill>
+                <a:highlight>
+                  <a:srgbClr val="FFFFFF"/>
+                </a:highlight>
+                <a:latin typeface="돋움체" panose="020B0609000101010101" pitchFamily="49" charset="-127"/>
+                <a:ea typeface="돋움체" panose="020B0609000101010101" pitchFamily="49" charset="-127"/>
+              </a:rPr>
+              <a:t>DXGI_QUERY_VIDEO_MEMORY_INFO</a:t>
+            </a:r>
+            <a:r>
+              <a:rPr lang="en-US" altLang="ko-KR" sz="1400" i="0" dirty="0">
+                <a:solidFill>
+                  <a:srgbClr val="000000"/>
+                </a:solidFill>
+                <a:highlight>
+                  <a:srgbClr val="FFFFFF"/>
+                </a:highlight>
+                <a:latin typeface="돋움체" panose="020B0609000101010101" pitchFamily="49" charset="-127"/>
+                <a:ea typeface="돋움체" panose="020B0609000101010101" pitchFamily="49" charset="-127"/>
+              </a:rPr>
+              <a:t>;    </a:t>
+            </a:r>
+            <a:endParaRPr lang="ko-KR" altLang="en-US" sz="1400" dirty="0"/>
+          </a:p>
+        </p:txBody>
+      </p:sp>
+      <p:graphicFrame>
+        <p:nvGraphicFramePr>
+          <p:cNvPr id="7" name="표 6">
+            <a:extLst>
+              <a:ext uri="{FF2B5EF4-FFF2-40B4-BE49-F238E27FC236}">
+                <a16:creationId xmlns:a16="http://schemas.microsoft.com/office/drawing/2014/main" id="{7B075AB9-496F-C6EA-8678-CA413D83CFA8}"/>
+              </a:ext>
+            </a:extLst>
+          </p:cNvPr>
+          <p:cNvGraphicFramePr>
+            <a:graphicFrameLocks noGrp="1"/>
+          </p:cNvGraphicFramePr>
+          <p:nvPr>
+            <p:extLst>
+              <p:ext uri="{D42A27DB-BD31-4B8C-83A1-F6EECF244321}">
+                <p14:modId xmlns:p14="http://schemas.microsoft.com/office/powerpoint/2010/main" val="3745800248"/>
+              </p:ext>
+            </p:extLst>
+          </p:nvPr>
+        </p:nvGraphicFramePr>
+        <p:xfrm>
+          <a:off x="4064527" y="2243229"/>
+          <a:ext cx="8029842" cy="1127760"/>
+        </p:xfrm>
+        <a:graphic>
+          <a:graphicData uri="http://schemas.openxmlformats.org/drawingml/2006/table">
+            <a:tbl>
+              <a:tblPr/>
+              <a:tblGrid>
+                <a:gridCol w="1635794">
+                  <a:extLst>
+                    <a:ext uri="{9D8B030D-6E8A-4147-A177-3AD203B41FA5}">
+                      <a16:colId xmlns:a16="http://schemas.microsoft.com/office/drawing/2014/main" val="961318250"/>
+                    </a:ext>
+                  </a:extLst>
+                </a:gridCol>
+                <a:gridCol w="6394048">
+                  <a:extLst>
+                    <a:ext uri="{9D8B030D-6E8A-4147-A177-3AD203B41FA5}">
+                      <a16:colId xmlns:a16="http://schemas.microsoft.com/office/drawing/2014/main" val="2317434376"/>
+                    </a:ext>
+                  </a:extLst>
+                </a:gridCol>
+              </a:tblGrid>
+              <a:tr h="0">
+                <a:tc>
+                  <a:txBody>
+                    <a:bodyPr/>
+                    <a:lstStyle/>
+                    <a:p>
+                      <a:r>
+                        <a:rPr lang="ko-KR" altLang="en-US" sz="1400"/>
+                        <a:t>구분</a:t>
+                      </a:r>
+                    </a:p>
+                  </a:txBody>
+                  <a:tcPr anchor="ctr">
+                    <a:lnL>
+                      <a:noFill/>
+                    </a:lnL>
+                    <a:lnR>
+                      <a:noFill/>
+                    </a:lnR>
+                    <a:lnT>
+                      <a:noFill/>
+                    </a:lnT>
+                    <a:lnB>
+                      <a:noFill/>
+                    </a:lnB>
+                    <a:noFill/>
+                  </a:tcPr>
+                </a:tc>
+                <a:tc>
+                  <a:txBody>
+                    <a:bodyPr/>
+                    <a:lstStyle/>
+                    <a:p>
+                      <a:r>
+                        <a:rPr lang="ko-KR" altLang="en-US" sz="1400" dirty="0"/>
+                        <a:t>의미</a:t>
+                      </a:r>
+                    </a:p>
+                  </a:txBody>
+                  <a:tcPr anchor="ctr">
+                    <a:lnL>
+                      <a:noFill/>
+                    </a:lnL>
+                    <a:lnR>
+                      <a:noFill/>
+                    </a:lnR>
+                    <a:lnT>
+                      <a:noFill/>
+                    </a:lnT>
+                    <a:lnB>
+                      <a:noFill/>
+                    </a:lnB>
+                    <a:noFill/>
+                  </a:tcPr>
+                </a:tc>
+                <a:extLst>
+                  <a:ext uri="{0D108BD9-81ED-4DB2-BD59-A6C34878D82A}">
+                    <a16:rowId xmlns:a16="http://schemas.microsoft.com/office/drawing/2014/main" val="3709592693"/>
+                  </a:ext>
+                </a:extLst>
+              </a:tr>
+              <a:tr h="0">
+                <a:tc>
+                  <a:txBody>
+                    <a:bodyPr/>
+                    <a:lstStyle/>
+                    <a:p>
+                      <a:r>
+                        <a:rPr lang="ko-KR" altLang="en-US" sz="1400"/>
+                        <a:t>예약</a:t>
+                      </a:r>
+                      <a:r>
+                        <a:rPr lang="en-US" altLang="ko-KR" sz="1400"/>
+                        <a:t>(</a:t>
+                      </a:r>
+                      <a:r>
+                        <a:rPr lang="en-US" sz="1400"/>
+                        <a:t>Reservation)</a:t>
+                      </a:r>
+                    </a:p>
+                  </a:txBody>
+                  <a:tcPr anchor="ctr">
+                    <a:lnL>
+                      <a:noFill/>
+                    </a:lnL>
+                    <a:lnR>
+                      <a:noFill/>
+                    </a:lnR>
+                    <a:lnT>
+                      <a:noFill/>
+                    </a:lnT>
+                    <a:lnB>
+                      <a:noFill/>
+                    </a:lnB>
+                    <a:noFill/>
+                  </a:tcPr>
+                </a:tc>
+                <a:tc>
+                  <a:txBody>
+                    <a:bodyPr/>
+                    <a:lstStyle/>
+                    <a:p>
+                      <a:r>
+                        <a:rPr lang="ko-KR" altLang="en-US" sz="1400" b="1" dirty="0"/>
+                        <a:t>드라이버</a:t>
+                      </a:r>
+                      <a:r>
+                        <a:rPr lang="en-US" altLang="ko-KR" sz="1400" b="1" dirty="0"/>
+                        <a:t>/</a:t>
+                      </a:r>
+                      <a:r>
+                        <a:rPr lang="ko-KR" altLang="en-US" sz="1400" b="1" dirty="0"/>
+                        <a:t>앱이 </a:t>
+                      </a:r>
+                      <a:r>
+                        <a:rPr lang="en-US" altLang="ko-KR" sz="1400" b="1" dirty="0"/>
+                        <a:t>VRAM Budget </a:t>
+                      </a:r>
+                      <a:r>
+                        <a:rPr lang="ko-KR" altLang="en-US" sz="1400" b="1" dirty="0"/>
+                        <a:t>내에서 특정 크기의 </a:t>
+                      </a:r>
+                      <a:r>
+                        <a:rPr lang="en-US" altLang="ko-KR" sz="1400" b="1" dirty="0"/>
+                        <a:t>VRAM</a:t>
+                      </a:r>
+                      <a:r>
+                        <a:rPr lang="ko-KR" altLang="en-US" sz="1400" b="1" dirty="0"/>
+                        <a:t>을 미리 확보해두는</a:t>
+                      </a:r>
+                      <a:endParaRPr lang="en-US" altLang="ko-KR" sz="1400" b="1" dirty="0"/>
+                    </a:p>
+                    <a:p>
+                      <a:r>
+                        <a:rPr lang="ko-KR" altLang="en-US" sz="1400" b="1" dirty="0"/>
+                        <a:t> 요청 다른 앱이 사용하는 것을 방지</a:t>
+                      </a:r>
+                      <a:r>
+                        <a:rPr lang="ko-KR" altLang="en-US" sz="1400" dirty="0"/>
+                        <a:t>하려는 목적 </a:t>
+                      </a:r>
+                      <a:r>
+                        <a:rPr lang="en-US" altLang="ko-KR" sz="1400" dirty="0"/>
+                        <a:t>( DRAM </a:t>
+                      </a:r>
+                      <a:r>
+                        <a:rPr lang="ko-KR" altLang="en-US" sz="1400" dirty="0"/>
+                        <a:t>퇴출방지</a:t>
+                      </a:r>
+                      <a:r>
+                        <a:rPr lang="en-US" altLang="ko-KR" sz="1400" dirty="0"/>
+                        <a:t>)</a:t>
+                      </a:r>
+                      <a:endParaRPr lang="ko-KR" altLang="en-US" sz="1400" dirty="0"/>
+                    </a:p>
+                  </a:txBody>
+                  <a:tcPr anchor="ctr">
+                    <a:lnL>
+                      <a:noFill/>
+                    </a:lnL>
+                    <a:lnR>
+                      <a:noFill/>
+                    </a:lnR>
+                    <a:lnT>
+                      <a:noFill/>
+                    </a:lnT>
+                    <a:lnB>
+                      <a:noFill/>
+                    </a:lnB>
+                    <a:noFill/>
+                  </a:tcPr>
+                </a:tc>
+                <a:extLst>
+                  <a:ext uri="{0D108BD9-81ED-4DB2-BD59-A6C34878D82A}">
+                    <a16:rowId xmlns:a16="http://schemas.microsoft.com/office/drawing/2014/main" val="3987846068"/>
+                  </a:ext>
+                </a:extLst>
+              </a:tr>
+              <a:tr h="0">
+                <a:tc>
+                  <a:txBody>
+                    <a:bodyPr/>
+                    <a:lstStyle/>
+                    <a:p>
+                      <a:r>
+                        <a:rPr lang="ko-KR" altLang="en-US" sz="1400"/>
+                        <a:t>커밋</a:t>
+                      </a:r>
+                      <a:r>
+                        <a:rPr lang="en-US" altLang="ko-KR" sz="1400"/>
+                        <a:t>(</a:t>
+                      </a:r>
+                      <a:r>
+                        <a:rPr lang="en-US" sz="1400"/>
+                        <a:t>Committed)</a:t>
+                      </a:r>
+                    </a:p>
+                  </a:txBody>
+                  <a:tcPr anchor="ctr">
+                    <a:lnL>
+                      <a:noFill/>
+                    </a:lnL>
+                    <a:lnR>
+                      <a:noFill/>
+                    </a:lnR>
+                    <a:lnT>
+                      <a:noFill/>
+                    </a:lnT>
+                    <a:lnB>
+                      <a:noFill/>
+                    </a:lnB>
+                    <a:noFill/>
+                  </a:tcPr>
+                </a:tc>
+                <a:tc>
+                  <a:txBody>
+                    <a:bodyPr/>
+                    <a:lstStyle/>
+                    <a:p>
+                      <a:r>
+                        <a:rPr lang="ko-KR" altLang="en-US" sz="1400" dirty="0"/>
+                        <a:t>실제로 </a:t>
+                      </a:r>
+                      <a:r>
+                        <a:rPr lang="en-US" altLang="ko-KR" sz="1400" dirty="0"/>
+                        <a:t>GPU</a:t>
+                      </a:r>
+                      <a:r>
+                        <a:rPr lang="ko-KR" altLang="en-US" sz="1400" dirty="0"/>
+                        <a:t>에 </a:t>
+                      </a:r>
+                      <a:r>
+                        <a:rPr lang="ko-KR" altLang="en-US" sz="1400" b="1" dirty="0"/>
+                        <a:t>리소스를 생성하고</a:t>
+                      </a:r>
+                      <a:r>
+                        <a:rPr lang="en-US" altLang="ko-KR" sz="1400" b="1" dirty="0"/>
+                        <a:t>, VRAM</a:t>
+                      </a:r>
+                      <a:r>
+                        <a:rPr lang="ko-KR" altLang="en-US" sz="1400" b="1" dirty="0"/>
+                        <a:t>에 올려진 상태</a:t>
+                      </a:r>
+                      <a:endParaRPr lang="ko-KR" altLang="en-US" sz="1400" dirty="0"/>
+                    </a:p>
+                  </a:txBody>
+                  <a:tcPr anchor="ctr">
+                    <a:lnL>
+                      <a:noFill/>
+                    </a:lnL>
+                    <a:lnR>
+                      <a:noFill/>
+                    </a:lnR>
+                    <a:lnT>
+                      <a:noFill/>
+                    </a:lnT>
+                    <a:lnB>
+                      <a:noFill/>
+                    </a:lnB>
+                    <a:noFill/>
+                  </a:tcPr>
+                </a:tc>
+                <a:extLst>
+                  <a:ext uri="{0D108BD9-81ED-4DB2-BD59-A6C34878D82A}">
+                    <a16:rowId xmlns:a16="http://schemas.microsoft.com/office/drawing/2014/main" val="3121148790"/>
+                  </a:ext>
+                </a:extLst>
+              </a:tr>
+            </a:tbl>
+          </a:graphicData>
+        </a:graphic>
+      </p:graphicFrame>
+      <p:sp>
+        <p:nvSpPr>
+          <p:cNvPr id="11" name="TextBox 10">
+            <a:extLst>
+              <a:ext uri="{FF2B5EF4-FFF2-40B4-BE49-F238E27FC236}">
+                <a16:creationId xmlns:a16="http://schemas.microsoft.com/office/drawing/2014/main" id="{49DA2368-79EC-E2E9-85AE-A5A06E1CD5BA}"/>
+              </a:ext>
+            </a:extLst>
+          </p:cNvPr>
+          <p:cNvSpPr txBox="1"/>
+          <p:nvPr/>
+        </p:nvSpPr>
+        <p:spPr>
+          <a:xfrm>
+            <a:off x="385763" y="1506022"/>
+            <a:ext cx="11580018" cy="369332"/>
+          </a:xfrm>
+          <a:prstGeom prst="rect">
+            <a:avLst/>
+          </a:prstGeom>
+          <a:noFill/>
+        </p:spPr>
+        <p:txBody>
+          <a:bodyPr wrap="square">
+            <a:spAutoFit/>
+          </a:bodyPr>
+          <a:lstStyle/>
+          <a:p>
+            <a:r>
               <a:rPr lang="ko-KR" altLang="en-US" dirty="0"/>
-              <a:t> 하나의 클래스를 사용하여 비트맵을 출력하는 되는 장면을 구현한다</a:t>
+              <a:t>비트맵 생성이나 </a:t>
+            </a:r>
+            <a:r>
+              <a:rPr lang="ko-KR" altLang="en-US" dirty="0" err="1"/>
+              <a:t>렌더</a:t>
+            </a:r>
+            <a:r>
+              <a:rPr lang="ko-KR" altLang="en-US" dirty="0"/>
+              <a:t> 타겟 바인딩 시 </a:t>
+            </a:r>
+            <a:r>
+              <a:rPr lang="en-US" altLang="ko-KR" b="1" dirty="0"/>
+              <a:t>VRAM</a:t>
+            </a:r>
+            <a:r>
+              <a:rPr lang="en-US" altLang="ko-KR" dirty="0"/>
+              <a:t> </a:t>
+            </a:r>
+            <a:r>
+              <a:rPr lang="ko-KR" altLang="en-US" dirty="0"/>
+              <a:t>사용</a:t>
             </a:r>
             <a:r>
               <a:rPr lang="en-US" altLang="ko-KR" dirty="0"/>
               <a:t>.</a:t>
             </a:r>
-          </a:p>
-          <a:p>
             <a:r>
               <a:rPr lang="ko-KR" altLang="en-US" dirty="0"/>
-              <a:t>리소스를 공유하는 클래스 설계를 하고 키보드 특정 키로 오브젝트 수를 늘리고 줄이면서</a:t>
-            </a:r>
-            <a:endParaRPr lang="en-US" altLang="ko-KR" dirty="0"/>
-          </a:p>
-          <a:p>
+              <a:t> 사용량이 많아지면 </a:t>
+            </a:r>
+            <a:r>
+              <a:rPr lang="en-US" altLang="ko-KR" dirty="0"/>
+              <a:t>OS</a:t>
+            </a:r>
             <a:r>
               <a:rPr lang="ko-KR" altLang="en-US" dirty="0"/>
-              <a:t>비디오 램의 사용량을 출력한다</a:t>
+              <a:t>가 </a:t>
+            </a:r>
+            <a:r>
+              <a:rPr lang="en-US" altLang="ko-KR" b="1" dirty="0"/>
+              <a:t>Shared DRAM</a:t>
+            </a:r>
+            <a:r>
+              <a:rPr lang="ko-KR" altLang="en-US" dirty="0"/>
+              <a:t>으로 이동시킨다</a:t>
             </a:r>
             <a:r>
               <a:rPr lang="en-US" altLang="ko-KR" dirty="0"/>
               <a:t>.</a:t>
             </a:r>
-            <a:r>
-              <a:rPr lang="ko-KR" altLang="en-US" dirty="0"/>
-              <a:t>  </a:t>
+          </a:p>
+        </p:txBody>
+      </p:sp>
+      <p:sp>
+        <p:nvSpPr>
+          <p:cNvPr id="18" name="화살표: 위로 구부러짐 17">
+            <a:extLst>
+              <a:ext uri="{FF2B5EF4-FFF2-40B4-BE49-F238E27FC236}">
+                <a16:creationId xmlns:a16="http://schemas.microsoft.com/office/drawing/2014/main" id="{166B27DD-AD13-5F0F-9986-FEAA9C5ECCF7}"/>
+              </a:ext>
+            </a:extLst>
+          </p:cNvPr>
+          <p:cNvSpPr/>
+          <p:nvPr/>
+        </p:nvSpPr>
+        <p:spPr>
+          <a:xfrm flipV="1">
+            <a:off x="4807744" y="1161815"/>
+            <a:ext cx="4007644" cy="320056"/>
+          </a:xfrm>
+          <a:prstGeom prst="curvedUpArrow">
+            <a:avLst/>
+          </a:prstGeom>
+        </p:spPr>
+        <p:style>
+          <a:lnRef idx="2">
+            <a:schemeClr val="accent1">
+              <a:shade val="15000"/>
+            </a:schemeClr>
+          </a:lnRef>
+          <a:fillRef idx="1">
+            <a:schemeClr val="accent1"/>
+          </a:fillRef>
+          <a:effectRef idx="0">
+            <a:schemeClr val="accent1"/>
+          </a:effectRef>
+          <a:fontRef idx="minor">
+            <a:schemeClr val="lt1"/>
+          </a:fontRef>
+        </p:style>
+        <p:txBody>
+          <a:bodyPr rtlCol="0" anchor="ctr"/>
+          <a:lstStyle/>
+          <a:p>
+            <a:pPr algn="ctr"/>
+            <a:endParaRPr lang="ko-KR" altLang="en-US">
+              <a:solidFill>
+                <a:schemeClr val="tx1"/>
+              </a:solidFill>
+            </a:endParaRPr>
+          </a:p>
+        </p:txBody>
+      </p:sp>
+      <p:sp>
+        <p:nvSpPr>
+          <p:cNvPr id="20" name="화살표: 아래로 구부러짐 19">
+            <a:extLst>
+              <a:ext uri="{FF2B5EF4-FFF2-40B4-BE49-F238E27FC236}">
+                <a16:creationId xmlns:a16="http://schemas.microsoft.com/office/drawing/2014/main" id="{F2CD35AB-B871-187D-0E89-3847BF8E6CBB}"/>
+              </a:ext>
+            </a:extLst>
+          </p:cNvPr>
+          <p:cNvSpPr/>
+          <p:nvPr/>
+        </p:nvSpPr>
+        <p:spPr>
+          <a:xfrm flipH="1" flipV="1">
+            <a:off x="4708049" y="1866582"/>
+            <a:ext cx="4057333" cy="394133"/>
+          </a:xfrm>
+          <a:prstGeom prst="curvedDownArrow">
+            <a:avLst/>
+          </a:prstGeom>
+        </p:spPr>
+        <p:style>
+          <a:lnRef idx="2">
+            <a:schemeClr val="accent1">
+              <a:shade val="15000"/>
+            </a:schemeClr>
+          </a:lnRef>
+          <a:fillRef idx="1">
+            <a:schemeClr val="accent1"/>
+          </a:fillRef>
+          <a:effectRef idx="0">
+            <a:schemeClr val="accent1"/>
+          </a:effectRef>
+          <a:fontRef idx="minor">
+            <a:schemeClr val="lt1"/>
+          </a:fontRef>
+        </p:style>
+        <p:txBody>
+          <a:bodyPr rtlCol="0" anchor="ctr"/>
+          <a:lstStyle/>
+          <a:p>
+            <a:pPr algn="ctr"/>
+            <a:endParaRPr lang="ko-KR" altLang="en-US">
+              <a:solidFill>
+                <a:schemeClr val="tx1"/>
+              </a:solidFill>
+            </a:endParaRPr>
+          </a:p>
+        </p:txBody>
+      </p:sp>
+      <p:sp>
+        <p:nvSpPr>
+          <p:cNvPr id="22" name="TextBox 21">
+            <a:extLst>
+              <a:ext uri="{FF2B5EF4-FFF2-40B4-BE49-F238E27FC236}">
+                <a16:creationId xmlns:a16="http://schemas.microsoft.com/office/drawing/2014/main" id="{42EED956-42B1-ABB1-C460-B1752E55C9D8}"/>
+              </a:ext>
+            </a:extLst>
+          </p:cNvPr>
+          <p:cNvSpPr txBox="1"/>
+          <p:nvPr/>
+        </p:nvSpPr>
+        <p:spPr>
+          <a:xfrm>
+            <a:off x="5932884" y="1882674"/>
+            <a:ext cx="1853803" cy="369332"/>
+          </a:xfrm>
+          <a:prstGeom prst="rect">
+            <a:avLst/>
+          </a:prstGeom>
+          <a:noFill/>
+        </p:spPr>
+        <p:txBody>
+          <a:bodyPr wrap="square">
+            <a:spAutoFit/>
+          </a:bodyPr>
+          <a:lstStyle/>
+          <a:p>
+            <a:r>
+              <a:rPr lang="ko-KR" altLang="en-US" sz="1400" dirty="0"/>
+              <a:t>승급</a:t>
+            </a:r>
+            <a:r>
+              <a:rPr lang="en-US" altLang="ko-KR" sz="1400" dirty="0"/>
+              <a:t>(</a:t>
+            </a:r>
+            <a:r>
+              <a:rPr lang="ko-KR" altLang="en-US" sz="1400" dirty="0" err="1"/>
+              <a:t>Promotion</a:t>
             </a:r>
             <a:r>
               <a:rPr lang="en-US" altLang="ko-KR" dirty="0"/>
-              <a:t>D2DRender::</a:t>
-            </a:r>
-            <a:r>
-              <a:rPr lang="en-US" altLang="ko-KR" sz="1800" dirty="0" err="1">
-                <a:solidFill>
-                  <a:srgbClr val="880000"/>
-                </a:solidFill>
-                <a:latin typeface="Cascadia Mono" panose="020B0609020000020004" pitchFamily="49" charset="0"/>
-              </a:rPr>
-              <a:t>GetUsedVRAM</a:t>
-            </a:r>
-            <a:r>
-              <a:rPr lang="en-US" altLang="ko-KR" sz="1800" dirty="0">
-                <a:solidFill>
-                  <a:srgbClr val="000000"/>
-                </a:solidFill>
-                <a:latin typeface="Cascadia Mono" panose="020B0609020000020004" pitchFamily="49" charset="0"/>
-              </a:rPr>
-              <a:t>(); </a:t>
-            </a:r>
-            <a:r>
-              <a:rPr lang="ko-KR" altLang="en-US" sz="1800" dirty="0">
-                <a:solidFill>
-                  <a:srgbClr val="000000"/>
-                </a:solidFill>
-                <a:latin typeface="Cascadia Mono" panose="020B0609020000020004" pitchFamily="49" charset="0"/>
-              </a:rPr>
-              <a:t>참고한다</a:t>
-            </a:r>
-            <a:r>
-              <a:rPr lang="en-US" altLang="ko-KR" sz="1800" dirty="0">
-                <a:solidFill>
-                  <a:srgbClr val="000000"/>
-                </a:solidFill>
-                <a:latin typeface="Cascadia Mono" panose="020B0609020000020004" pitchFamily="49" charset="0"/>
-              </a:rPr>
-              <a:t>.</a:t>
-            </a:r>
-            <a:endParaRPr lang="en-US" altLang="ko-KR" dirty="0"/>
+              <a:t>)</a:t>
+            </a:r>
+            <a:endParaRPr lang="ko-KR" altLang="en-US" dirty="0"/>
+          </a:p>
+        </p:txBody>
+      </p:sp>
+      <p:sp>
+        <p:nvSpPr>
+          <p:cNvPr id="24" name="TextBox 23">
+            <a:extLst>
+              <a:ext uri="{FF2B5EF4-FFF2-40B4-BE49-F238E27FC236}">
+                <a16:creationId xmlns:a16="http://schemas.microsoft.com/office/drawing/2014/main" id="{03BF0712-A045-92AD-2887-561D149C81C4}"/>
+              </a:ext>
+            </a:extLst>
+          </p:cNvPr>
+          <p:cNvSpPr txBox="1"/>
+          <p:nvPr/>
+        </p:nvSpPr>
+        <p:spPr>
+          <a:xfrm>
+            <a:off x="6217741" y="860419"/>
+            <a:ext cx="1651993" cy="307777"/>
+          </a:xfrm>
+          <a:prstGeom prst="rect">
+            <a:avLst/>
+          </a:prstGeom>
+          <a:noFill/>
+        </p:spPr>
+        <p:txBody>
+          <a:bodyPr wrap="square">
+            <a:spAutoFit/>
+          </a:bodyPr>
+          <a:lstStyle/>
+          <a:p>
+            <a:r>
+              <a:rPr lang="ko-KR" altLang="en-US" sz="1400" dirty="0"/>
+              <a:t>퇴출</a:t>
+            </a:r>
+            <a:r>
+              <a:rPr lang="en-US" altLang="ko-KR" sz="1400" dirty="0"/>
+              <a:t>(</a:t>
+            </a:r>
+            <a:r>
+              <a:rPr lang="ko-KR" altLang="en-US" sz="1400" dirty="0" err="1"/>
+              <a:t>Eviction</a:t>
+            </a:r>
+            <a:r>
+              <a:rPr lang="en-US" altLang="ko-KR" sz="1400" dirty="0"/>
+              <a:t>)</a:t>
+            </a:r>
+            <a:endParaRPr lang="ko-KR" altLang="en-US" sz="1400" dirty="0"/>
           </a:p>
         </p:txBody>
       </p:sp>
     </p:spTree>
     <p:extLst>
       <p:ext uri="{BB962C8B-B14F-4D97-AF65-F5344CB8AC3E}">
-        <p14:creationId xmlns:p14="http://schemas.microsoft.com/office/powerpoint/2010/main" val="555844918"/>
+        <p14:creationId xmlns:p14="http://schemas.microsoft.com/office/powerpoint/2010/main" val="1155498480"/>
+      </p:ext>
+    </p:extLst>
+  </p:cSld>
+  <p:clrMapOvr>
+    <a:masterClrMapping/>
+  </p:clrMapOvr>
+</p:sld>
+</file>
+
+<file path=ppt/slides/slide9.xml><?xml version="1.0" encoding="utf-8"?>
+<p:sld xmlns:a="http://schemas.openxmlformats.org/drawingml/2006/main" xmlns:r="http://schemas.openxmlformats.org/officeDocument/2006/relationships" xmlns:p="http://schemas.openxmlformats.org/presentationml/2006/main">
+  <p:cSld>
+    <p:spTree>
+      <p:nvGrpSpPr>
+        <p:cNvPr id="1" name=""/>
+        <p:cNvGrpSpPr/>
+        <p:nvPr/>
+      </p:nvGrpSpPr>
+      <p:grpSpPr>
+        <a:xfrm>
+          <a:off x="0" y="0"/>
+          <a:ext cx="0" cy="0"/>
+          <a:chOff x="0" y="0"/>
+          <a:chExt cx="0" cy="0"/>
+        </a:xfrm>
+      </p:grpSpPr>
+      <p:sp>
+        <p:nvSpPr>
+          <p:cNvPr id="11" name="TextBox 10">
+            <a:extLst>
+              <a:ext uri="{FF2B5EF4-FFF2-40B4-BE49-F238E27FC236}">
+                <a16:creationId xmlns:a16="http://schemas.microsoft.com/office/drawing/2014/main" id="{6D5AE904-FD7A-2CD7-171D-10AB692C52F0}"/>
+              </a:ext>
+            </a:extLst>
+          </p:cNvPr>
+          <p:cNvSpPr txBox="1"/>
+          <p:nvPr/>
+        </p:nvSpPr>
+        <p:spPr>
+          <a:xfrm>
+            <a:off x="6556524" y="2690207"/>
+            <a:ext cx="6097190" cy="2492990"/>
+          </a:xfrm>
+          <a:prstGeom prst="rect">
+            <a:avLst/>
+          </a:prstGeom>
+          <a:noFill/>
+        </p:spPr>
+        <p:txBody>
+          <a:bodyPr wrap="square">
+            <a:spAutoFit/>
+          </a:bodyPr>
+          <a:lstStyle/>
+          <a:p>
+            <a:r>
+              <a:rPr lang="en-US" altLang="ko-KR" sz="1200" dirty="0">
+                <a:solidFill>
+                  <a:srgbClr val="0000FF"/>
+                </a:solidFill>
+                <a:highlight>
+                  <a:srgbClr val="FFFFFF"/>
+                </a:highlight>
+                <a:latin typeface="돋움체" panose="020B0609000101010101" pitchFamily="49" charset="-127"/>
+                <a:ea typeface="돋움체" panose="020B0609000101010101" pitchFamily="49" charset="-127"/>
+              </a:rPr>
+              <a:t>typedef</a:t>
+            </a:r>
+            <a:r>
+              <a:rPr lang="en-US" altLang="ko-KR" sz="1200" dirty="0">
+                <a:solidFill>
+                  <a:srgbClr val="000000"/>
+                </a:solidFill>
+                <a:highlight>
+                  <a:srgbClr val="FFFFFF"/>
+                </a:highlight>
+                <a:latin typeface="돋움체" panose="020B0609000101010101" pitchFamily="49" charset="-127"/>
+                <a:ea typeface="돋움체" panose="020B0609000101010101" pitchFamily="49" charset="-127"/>
+              </a:rPr>
+              <a:t> </a:t>
+            </a:r>
+            <a:r>
+              <a:rPr lang="en-US" altLang="ko-KR" sz="1200" dirty="0">
+                <a:solidFill>
+                  <a:srgbClr val="0000FF"/>
+                </a:solidFill>
+                <a:highlight>
+                  <a:srgbClr val="FFFFFF"/>
+                </a:highlight>
+                <a:latin typeface="돋움체" panose="020B0609000101010101" pitchFamily="49" charset="-127"/>
+                <a:ea typeface="돋움체" panose="020B0609000101010101" pitchFamily="49" charset="-127"/>
+              </a:rPr>
+              <a:t>struct</a:t>
+            </a:r>
+            <a:r>
+              <a:rPr lang="en-US" altLang="ko-KR" sz="1200" dirty="0">
+                <a:solidFill>
+                  <a:srgbClr val="000000"/>
+                </a:solidFill>
+                <a:highlight>
+                  <a:srgbClr val="FFFFFF"/>
+                </a:highlight>
+                <a:latin typeface="돋움체" panose="020B0609000101010101" pitchFamily="49" charset="-127"/>
+                <a:ea typeface="돋움체" panose="020B0609000101010101" pitchFamily="49" charset="-127"/>
+              </a:rPr>
+              <a:t> </a:t>
+            </a:r>
+            <a:r>
+              <a:rPr lang="en-US" altLang="ko-KR" sz="1200" i="1" dirty="0">
+                <a:solidFill>
+                  <a:srgbClr val="0000FF"/>
+                </a:solidFill>
+                <a:highlight>
+                  <a:srgbClr val="FFFFFF"/>
+                </a:highlight>
+                <a:latin typeface="돋움체" panose="020B0609000101010101" pitchFamily="49" charset="-127"/>
+                <a:ea typeface="돋움체" panose="020B0609000101010101" pitchFamily="49" charset="-127"/>
+              </a:rPr>
+              <a:t>_PROCESS_MEMORY_COUNTERS_EX</a:t>
+            </a:r>
+            <a:r>
+              <a:rPr lang="en-US" altLang="ko-KR" sz="1200" i="0" dirty="0">
+                <a:solidFill>
+                  <a:srgbClr val="000000"/>
+                </a:solidFill>
+                <a:highlight>
+                  <a:srgbClr val="FFFFFF"/>
+                </a:highlight>
+                <a:latin typeface="돋움체" panose="020B0609000101010101" pitchFamily="49" charset="-127"/>
+                <a:ea typeface="돋움체" panose="020B0609000101010101" pitchFamily="49" charset="-127"/>
+              </a:rPr>
+              <a:t> {</a:t>
+            </a:r>
+          </a:p>
+          <a:p>
+            <a:r>
+              <a:rPr lang="en-US" altLang="ko-KR" sz="1200" i="0" dirty="0">
+                <a:solidFill>
+                  <a:srgbClr val="000000"/>
+                </a:solidFill>
+                <a:highlight>
+                  <a:srgbClr val="FFFFFF"/>
+                </a:highlight>
+                <a:latin typeface="돋움체" panose="020B0609000101010101" pitchFamily="49" charset="-127"/>
+                <a:ea typeface="돋움체" panose="020B0609000101010101" pitchFamily="49" charset="-127"/>
+              </a:rPr>
+              <a:t>    </a:t>
+            </a:r>
+            <a:r>
+              <a:rPr lang="en-US" altLang="ko-KR" sz="1200" i="1" dirty="0">
+                <a:solidFill>
+                  <a:srgbClr val="0000FF"/>
+                </a:solidFill>
+                <a:highlight>
+                  <a:srgbClr val="FFFFFF"/>
+                </a:highlight>
+                <a:latin typeface="돋움체" panose="020B0609000101010101" pitchFamily="49" charset="-127"/>
+                <a:ea typeface="돋움체" panose="020B0609000101010101" pitchFamily="49" charset="-127"/>
+              </a:rPr>
+              <a:t>DWORD</a:t>
+            </a:r>
+            <a:r>
+              <a:rPr lang="en-US" altLang="ko-KR" sz="1200" i="0" dirty="0">
+                <a:solidFill>
+                  <a:srgbClr val="000000"/>
+                </a:solidFill>
+                <a:highlight>
+                  <a:srgbClr val="FFFFFF"/>
+                </a:highlight>
+                <a:latin typeface="돋움체" panose="020B0609000101010101" pitchFamily="49" charset="-127"/>
+                <a:ea typeface="돋움체" panose="020B0609000101010101" pitchFamily="49" charset="-127"/>
+              </a:rPr>
+              <a:t> </a:t>
+            </a:r>
+            <a:r>
+              <a:rPr lang="en-US" altLang="ko-KR" sz="1200" b="1" i="0" dirty="0" err="1">
+                <a:solidFill>
+                  <a:srgbClr val="000080"/>
+                </a:solidFill>
+                <a:highlight>
+                  <a:srgbClr val="FFFFFF"/>
+                </a:highlight>
+                <a:latin typeface="돋움체" panose="020B0609000101010101" pitchFamily="49" charset="-127"/>
+                <a:ea typeface="돋움체" panose="020B0609000101010101" pitchFamily="49" charset="-127"/>
+              </a:rPr>
+              <a:t>cb</a:t>
+            </a:r>
+            <a:r>
+              <a:rPr lang="en-US" altLang="ko-KR" sz="1200" b="0" i="0" dirty="0">
+                <a:solidFill>
+                  <a:srgbClr val="000000"/>
+                </a:solidFill>
+                <a:highlight>
+                  <a:srgbClr val="FFFFFF"/>
+                </a:highlight>
+                <a:latin typeface="돋움체" panose="020B0609000101010101" pitchFamily="49" charset="-127"/>
+                <a:ea typeface="돋움체" panose="020B0609000101010101" pitchFamily="49" charset="-127"/>
+              </a:rPr>
+              <a:t>;</a:t>
+            </a:r>
+          </a:p>
+          <a:p>
+            <a:r>
+              <a:rPr lang="en-US" altLang="ko-KR" sz="1200" b="0" i="0" dirty="0">
+                <a:solidFill>
+                  <a:srgbClr val="000000"/>
+                </a:solidFill>
+                <a:highlight>
+                  <a:srgbClr val="FFFFFF"/>
+                </a:highlight>
+                <a:latin typeface="돋움체" panose="020B0609000101010101" pitchFamily="49" charset="-127"/>
+                <a:ea typeface="돋움체" panose="020B0609000101010101" pitchFamily="49" charset="-127"/>
+              </a:rPr>
+              <a:t>    </a:t>
+            </a:r>
+            <a:r>
+              <a:rPr lang="en-US" altLang="ko-KR" sz="1200" b="0" i="1" dirty="0">
+                <a:solidFill>
+                  <a:srgbClr val="0000FF"/>
+                </a:solidFill>
+                <a:highlight>
+                  <a:srgbClr val="FFFFFF"/>
+                </a:highlight>
+                <a:latin typeface="돋움체" panose="020B0609000101010101" pitchFamily="49" charset="-127"/>
+                <a:ea typeface="돋움체" panose="020B0609000101010101" pitchFamily="49" charset="-127"/>
+              </a:rPr>
+              <a:t>DWORD</a:t>
+            </a:r>
+            <a:r>
+              <a:rPr lang="en-US" altLang="ko-KR" sz="1200" b="0" i="0" dirty="0">
+                <a:solidFill>
+                  <a:srgbClr val="000000"/>
+                </a:solidFill>
+                <a:highlight>
+                  <a:srgbClr val="FFFFFF"/>
+                </a:highlight>
+                <a:latin typeface="돋움체" panose="020B0609000101010101" pitchFamily="49" charset="-127"/>
+                <a:ea typeface="돋움체" panose="020B0609000101010101" pitchFamily="49" charset="-127"/>
+              </a:rPr>
+              <a:t> </a:t>
+            </a:r>
+            <a:r>
+              <a:rPr lang="en-US" altLang="ko-KR" sz="1200" b="0" i="0" dirty="0">
+                <a:solidFill>
+                  <a:srgbClr val="000080"/>
+                </a:solidFill>
+                <a:highlight>
+                  <a:srgbClr val="FFFFFF"/>
+                </a:highlight>
+                <a:latin typeface="돋움체" panose="020B0609000101010101" pitchFamily="49" charset="-127"/>
+                <a:ea typeface="돋움체" panose="020B0609000101010101" pitchFamily="49" charset="-127"/>
+              </a:rPr>
+              <a:t>PageFaultCount</a:t>
+            </a:r>
+            <a:r>
+              <a:rPr lang="en-US" altLang="ko-KR" sz="1200" b="0" i="0" dirty="0">
+                <a:solidFill>
+                  <a:srgbClr val="000000"/>
+                </a:solidFill>
+                <a:highlight>
+                  <a:srgbClr val="FFFFFF"/>
+                </a:highlight>
+                <a:latin typeface="돋움체" panose="020B0609000101010101" pitchFamily="49" charset="-127"/>
+                <a:ea typeface="돋움체" panose="020B0609000101010101" pitchFamily="49" charset="-127"/>
+              </a:rPr>
+              <a:t>;</a:t>
+            </a:r>
+          </a:p>
+          <a:p>
+            <a:r>
+              <a:rPr lang="en-US" altLang="ko-KR" sz="1200" b="0" i="0" dirty="0">
+                <a:solidFill>
+                  <a:srgbClr val="000000"/>
+                </a:solidFill>
+                <a:highlight>
+                  <a:srgbClr val="FFFFFF"/>
+                </a:highlight>
+                <a:latin typeface="돋움체" panose="020B0609000101010101" pitchFamily="49" charset="-127"/>
+                <a:ea typeface="돋움체" panose="020B0609000101010101" pitchFamily="49" charset="-127"/>
+              </a:rPr>
+              <a:t>    </a:t>
+            </a:r>
+            <a:r>
+              <a:rPr lang="en-US" altLang="ko-KR" sz="1200" b="0" i="1" dirty="0">
+                <a:solidFill>
+                  <a:srgbClr val="0000FF"/>
+                </a:solidFill>
+                <a:highlight>
+                  <a:srgbClr val="FFFFFF"/>
+                </a:highlight>
+                <a:latin typeface="돋움체" panose="020B0609000101010101" pitchFamily="49" charset="-127"/>
+                <a:ea typeface="돋움체" panose="020B0609000101010101" pitchFamily="49" charset="-127"/>
+              </a:rPr>
+              <a:t>SIZE_T</a:t>
+            </a:r>
+            <a:r>
+              <a:rPr lang="en-US" altLang="ko-KR" sz="1200" b="0" i="0" dirty="0">
+                <a:solidFill>
+                  <a:srgbClr val="000000"/>
+                </a:solidFill>
+                <a:highlight>
+                  <a:srgbClr val="FFFFFF"/>
+                </a:highlight>
+                <a:latin typeface="돋움체" panose="020B0609000101010101" pitchFamily="49" charset="-127"/>
+                <a:ea typeface="돋움체" panose="020B0609000101010101" pitchFamily="49" charset="-127"/>
+              </a:rPr>
+              <a:t> </a:t>
+            </a:r>
+            <a:r>
+              <a:rPr lang="en-US" altLang="ko-KR" sz="1200" b="0" i="0" dirty="0">
+                <a:solidFill>
+                  <a:srgbClr val="000080"/>
+                </a:solidFill>
+                <a:highlight>
+                  <a:srgbClr val="FFFFFF"/>
+                </a:highlight>
+                <a:latin typeface="돋움체" panose="020B0609000101010101" pitchFamily="49" charset="-127"/>
+                <a:ea typeface="돋움체" panose="020B0609000101010101" pitchFamily="49" charset="-127"/>
+              </a:rPr>
+              <a:t>PeakWorkingSetSize</a:t>
+            </a:r>
+            <a:r>
+              <a:rPr lang="en-US" altLang="ko-KR" sz="1200" b="0" i="0" dirty="0">
+                <a:solidFill>
+                  <a:srgbClr val="000000"/>
+                </a:solidFill>
+                <a:highlight>
+                  <a:srgbClr val="FFFFFF"/>
+                </a:highlight>
+                <a:latin typeface="돋움체" panose="020B0609000101010101" pitchFamily="49" charset="-127"/>
+                <a:ea typeface="돋움체" panose="020B0609000101010101" pitchFamily="49" charset="-127"/>
+              </a:rPr>
+              <a:t>;</a:t>
+            </a:r>
+          </a:p>
+          <a:p>
+            <a:r>
+              <a:rPr lang="en-US" altLang="ko-KR" sz="1200" b="0" i="0" dirty="0">
+                <a:solidFill>
+                  <a:srgbClr val="000000"/>
+                </a:solidFill>
+                <a:highlight>
+                  <a:srgbClr val="FFFFFF"/>
+                </a:highlight>
+                <a:latin typeface="돋움체" panose="020B0609000101010101" pitchFamily="49" charset="-127"/>
+                <a:ea typeface="돋움체" panose="020B0609000101010101" pitchFamily="49" charset="-127"/>
+              </a:rPr>
+              <a:t>    </a:t>
+            </a:r>
+            <a:r>
+              <a:rPr lang="en-US" altLang="ko-KR" sz="1200" b="0" i="1" dirty="0">
+                <a:solidFill>
+                  <a:srgbClr val="0000FF"/>
+                </a:solidFill>
+                <a:highlight>
+                  <a:srgbClr val="FFFFFF"/>
+                </a:highlight>
+                <a:latin typeface="돋움체" panose="020B0609000101010101" pitchFamily="49" charset="-127"/>
+                <a:ea typeface="돋움체" panose="020B0609000101010101" pitchFamily="49" charset="-127"/>
+              </a:rPr>
+              <a:t>SIZE_T</a:t>
+            </a:r>
+            <a:r>
+              <a:rPr lang="en-US" altLang="ko-KR" sz="1200" b="0" i="0" dirty="0">
+                <a:solidFill>
+                  <a:srgbClr val="000000"/>
+                </a:solidFill>
+                <a:highlight>
+                  <a:srgbClr val="FFFFFF"/>
+                </a:highlight>
+                <a:latin typeface="돋움체" panose="020B0609000101010101" pitchFamily="49" charset="-127"/>
+                <a:ea typeface="돋움체" panose="020B0609000101010101" pitchFamily="49" charset="-127"/>
+              </a:rPr>
+              <a:t> </a:t>
+            </a:r>
+            <a:r>
+              <a:rPr lang="en-US" altLang="ko-KR" sz="1200" b="1" i="0" dirty="0">
+                <a:solidFill>
+                  <a:srgbClr val="FF0000"/>
+                </a:solidFill>
+                <a:highlight>
+                  <a:srgbClr val="FFFFFF"/>
+                </a:highlight>
+                <a:latin typeface="돋움체" panose="020B0609000101010101" pitchFamily="49" charset="-127"/>
+                <a:ea typeface="돋움체" panose="020B0609000101010101" pitchFamily="49" charset="-127"/>
+              </a:rPr>
+              <a:t>WorkingSetSize; //</a:t>
+            </a:r>
+            <a:r>
+              <a:rPr lang="ko-KR" altLang="en-US" sz="1200" b="1" dirty="0">
+                <a:solidFill>
+                  <a:srgbClr val="FF0000"/>
+                </a:solidFill>
+                <a:latin typeface="돋움체" panose="020B0609000101010101" pitchFamily="49" charset="-127"/>
+                <a:ea typeface="돋움체" panose="020B0609000101010101" pitchFamily="49" charset="-127"/>
+              </a:rPr>
+              <a:t> </a:t>
+            </a:r>
+            <a:r>
+              <a:rPr lang="ko-KR" altLang="en-US" sz="1200" dirty="0">
+                <a:solidFill>
+                  <a:srgbClr val="FF0000"/>
+                </a:solidFill>
+              </a:rPr>
+              <a:t>현재 </a:t>
+            </a:r>
+            <a:r>
+              <a:rPr lang="en-US" altLang="ko-KR" sz="1200" dirty="0">
+                <a:solidFill>
+                  <a:srgbClr val="FF0000"/>
+                </a:solidFill>
+              </a:rPr>
+              <a:t>DRAM</a:t>
+            </a:r>
+            <a:r>
+              <a:rPr lang="ko-KR" altLang="en-US" sz="1200" dirty="0">
+                <a:solidFill>
+                  <a:srgbClr val="FF0000"/>
+                </a:solidFill>
+              </a:rPr>
+              <a:t>에서 사용 중인 메모리</a:t>
+            </a:r>
+            <a:endParaRPr lang="en-US" altLang="ko-KR" sz="1200" dirty="0">
+              <a:solidFill>
+                <a:srgbClr val="FF0000"/>
+              </a:solidFill>
+            </a:endParaRPr>
+          </a:p>
+          <a:p>
+            <a:r>
+              <a:rPr lang="en-US" altLang="ko-KR" sz="1200" b="0" i="0" dirty="0">
+                <a:solidFill>
+                  <a:srgbClr val="000000"/>
+                </a:solidFill>
+                <a:highlight>
+                  <a:srgbClr val="FFFFFF"/>
+                </a:highlight>
+                <a:latin typeface="돋움체" panose="020B0609000101010101" pitchFamily="49" charset="-127"/>
+                <a:ea typeface="돋움체" panose="020B0609000101010101" pitchFamily="49" charset="-127"/>
+              </a:rPr>
+              <a:t>    </a:t>
+            </a:r>
+            <a:r>
+              <a:rPr lang="en-US" altLang="ko-KR" sz="1200" b="0" i="1" dirty="0">
+                <a:solidFill>
+                  <a:srgbClr val="0000FF"/>
+                </a:solidFill>
+                <a:highlight>
+                  <a:srgbClr val="FFFFFF"/>
+                </a:highlight>
+                <a:latin typeface="돋움체" panose="020B0609000101010101" pitchFamily="49" charset="-127"/>
+                <a:ea typeface="돋움체" panose="020B0609000101010101" pitchFamily="49" charset="-127"/>
+              </a:rPr>
+              <a:t>SIZE_T</a:t>
+            </a:r>
+            <a:r>
+              <a:rPr lang="en-US" altLang="ko-KR" sz="1200" b="0" i="0" dirty="0">
+                <a:solidFill>
+                  <a:srgbClr val="000000"/>
+                </a:solidFill>
+                <a:highlight>
+                  <a:srgbClr val="FFFFFF"/>
+                </a:highlight>
+                <a:latin typeface="돋움체" panose="020B0609000101010101" pitchFamily="49" charset="-127"/>
+                <a:ea typeface="돋움체" panose="020B0609000101010101" pitchFamily="49" charset="-127"/>
+              </a:rPr>
+              <a:t> </a:t>
+            </a:r>
+            <a:r>
+              <a:rPr lang="en-US" altLang="ko-KR" sz="1200" b="0" i="0" dirty="0">
+                <a:solidFill>
+                  <a:srgbClr val="000080"/>
+                </a:solidFill>
+                <a:highlight>
+                  <a:srgbClr val="FFFFFF"/>
+                </a:highlight>
+                <a:latin typeface="돋움체" panose="020B0609000101010101" pitchFamily="49" charset="-127"/>
+                <a:ea typeface="돋움체" panose="020B0609000101010101" pitchFamily="49" charset="-127"/>
+              </a:rPr>
+              <a:t>QuotaPeakPagedPoolUsage</a:t>
+            </a:r>
+            <a:r>
+              <a:rPr lang="en-US" altLang="ko-KR" sz="1200" b="0" i="0" dirty="0">
+                <a:solidFill>
+                  <a:srgbClr val="000000"/>
+                </a:solidFill>
+                <a:highlight>
+                  <a:srgbClr val="FFFFFF"/>
+                </a:highlight>
+                <a:latin typeface="돋움체" panose="020B0609000101010101" pitchFamily="49" charset="-127"/>
+                <a:ea typeface="돋움체" panose="020B0609000101010101" pitchFamily="49" charset="-127"/>
+              </a:rPr>
+              <a:t>;</a:t>
+            </a:r>
+          </a:p>
+          <a:p>
+            <a:r>
+              <a:rPr lang="en-US" altLang="ko-KR" sz="1200" b="0" i="0" dirty="0">
+                <a:solidFill>
+                  <a:srgbClr val="000000"/>
+                </a:solidFill>
+                <a:highlight>
+                  <a:srgbClr val="FFFFFF"/>
+                </a:highlight>
+                <a:latin typeface="돋움체" panose="020B0609000101010101" pitchFamily="49" charset="-127"/>
+                <a:ea typeface="돋움체" panose="020B0609000101010101" pitchFamily="49" charset="-127"/>
+              </a:rPr>
+              <a:t>    </a:t>
+            </a:r>
+            <a:r>
+              <a:rPr lang="en-US" altLang="ko-KR" sz="1200" b="0" i="1" dirty="0">
+                <a:solidFill>
+                  <a:srgbClr val="0000FF"/>
+                </a:solidFill>
+                <a:highlight>
+                  <a:srgbClr val="FFFFFF"/>
+                </a:highlight>
+                <a:latin typeface="돋움체" panose="020B0609000101010101" pitchFamily="49" charset="-127"/>
+                <a:ea typeface="돋움체" panose="020B0609000101010101" pitchFamily="49" charset="-127"/>
+              </a:rPr>
+              <a:t>SIZE_T</a:t>
+            </a:r>
+            <a:r>
+              <a:rPr lang="en-US" altLang="ko-KR" sz="1200" b="0" i="0" dirty="0">
+                <a:solidFill>
+                  <a:srgbClr val="000000"/>
+                </a:solidFill>
+                <a:highlight>
+                  <a:srgbClr val="FFFFFF"/>
+                </a:highlight>
+                <a:latin typeface="돋움체" panose="020B0609000101010101" pitchFamily="49" charset="-127"/>
+                <a:ea typeface="돋움체" panose="020B0609000101010101" pitchFamily="49" charset="-127"/>
+              </a:rPr>
+              <a:t> </a:t>
+            </a:r>
+            <a:r>
+              <a:rPr lang="en-US" altLang="ko-KR" sz="1200" b="0" i="0" dirty="0">
+                <a:solidFill>
+                  <a:srgbClr val="000080"/>
+                </a:solidFill>
+                <a:highlight>
+                  <a:srgbClr val="FFFFFF"/>
+                </a:highlight>
+                <a:latin typeface="돋움체" panose="020B0609000101010101" pitchFamily="49" charset="-127"/>
+                <a:ea typeface="돋움체" panose="020B0609000101010101" pitchFamily="49" charset="-127"/>
+              </a:rPr>
+              <a:t>QuotaPagedPoolUsage</a:t>
+            </a:r>
+            <a:r>
+              <a:rPr lang="en-US" altLang="ko-KR" sz="1200" b="0" i="0" dirty="0">
+                <a:solidFill>
+                  <a:srgbClr val="000000"/>
+                </a:solidFill>
+                <a:highlight>
+                  <a:srgbClr val="FFFFFF"/>
+                </a:highlight>
+                <a:latin typeface="돋움체" panose="020B0609000101010101" pitchFamily="49" charset="-127"/>
+                <a:ea typeface="돋움체" panose="020B0609000101010101" pitchFamily="49" charset="-127"/>
+              </a:rPr>
+              <a:t>;</a:t>
+            </a:r>
+          </a:p>
+          <a:p>
+            <a:r>
+              <a:rPr lang="en-US" altLang="ko-KR" sz="1200" b="0" i="0" dirty="0">
+                <a:solidFill>
+                  <a:srgbClr val="000000"/>
+                </a:solidFill>
+                <a:highlight>
+                  <a:srgbClr val="FFFFFF"/>
+                </a:highlight>
+                <a:latin typeface="돋움체" panose="020B0609000101010101" pitchFamily="49" charset="-127"/>
+                <a:ea typeface="돋움체" panose="020B0609000101010101" pitchFamily="49" charset="-127"/>
+              </a:rPr>
+              <a:t>    </a:t>
+            </a:r>
+            <a:r>
+              <a:rPr lang="en-US" altLang="ko-KR" sz="1200" b="0" i="1" dirty="0">
+                <a:solidFill>
+                  <a:srgbClr val="0000FF"/>
+                </a:solidFill>
+                <a:highlight>
+                  <a:srgbClr val="FFFFFF"/>
+                </a:highlight>
+                <a:latin typeface="돋움체" panose="020B0609000101010101" pitchFamily="49" charset="-127"/>
+                <a:ea typeface="돋움체" panose="020B0609000101010101" pitchFamily="49" charset="-127"/>
+              </a:rPr>
+              <a:t>SIZE_T</a:t>
+            </a:r>
+            <a:r>
+              <a:rPr lang="en-US" altLang="ko-KR" sz="1200" b="0" i="0" dirty="0">
+                <a:solidFill>
+                  <a:srgbClr val="000000"/>
+                </a:solidFill>
+                <a:highlight>
+                  <a:srgbClr val="FFFFFF"/>
+                </a:highlight>
+                <a:latin typeface="돋움체" panose="020B0609000101010101" pitchFamily="49" charset="-127"/>
+                <a:ea typeface="돋움체" panose="020B0609000101010101" pitchFamily="49" charset="-127"/>
+              </a:rPr>
+              <a:t> </a:t>
+            </a:r>
+            <a:r>
+              <a:rPr lang="en-US" altLang="ko-KR" sz="1200" b="0" i="0" dirty="0">
+                <a:solidFill>
+                  <a:srgbClr val="000080"/>
+                </a:solidFill>
+                <a:highlight>
+                  <a:srgbClr val="FFFFFF"/>
+                </a:highlight>
+                <a:latin typeface="돋움체" panose="020B0609000101010101" pitchFamily="49" charset="-127"/>
+                <a:ea typeface="돋움체" panose="020B0609000101010101" pitchFamily="49" charset="-127"/>
+              </a:rPr>
+              <a:t>QuotaPeakNonPagedPoolUsage</a:t>
+            </a:r>
+            <a:r>
+              <a:rPr lang="en-US" altLang="ko-KR" sz="1200" b="0" i="0" dirty="0">
+                <a:solidFill>
+                  <a:srgbClr val="000000"/>
+                </a:solidFill>
+                <a:highlight>
+                  <a:srgbClr val="FFFFFF"/>
+                </a:highlight>
+                <a:latin typeface="돋움체" panose="020B0609000101010101" pitchFamily="49" charset="-127"/>
+                <a:ea typeface="돋움체" panose="020B0609000101010101" pitchFamily="49" charset="-127"/>
+              </a:rPr>
+              <a:t>;</a:t>
+            </a:r>
+          </a:p>
+          <a:p>
+            <a:r>
+              <a:rPr lang="en-US" altLang="ko-KR" sz="1200" b="0" i="0" dirty="0">
+                <a:solidFill>
+                  <a:srgbClr val="000000"/>
+                </a:solidFill>
+                <a:highlight>
+                  <a:srgbClr val="FFFFFF"/>
+                </a:highlight>
+                <a:latin typeface="돋움체" panose="020B0609000101010101" pitchFamily="49" charset="-127"/>
+                <a:ea typeface="돋움체" panose="020B0609000101010101" pitchFamily="49" charset="-127"/>
+              </a:rPr>
+              <a:t>    </a:t>
+            </a:r>
+            <a:r>
+              <a:rPr lang="en-US" altLang="ko-KR" sz="1200" b="0" i="1" dirty="0">
+                <a:solidFill>
+                  <a:srgbClr val="0000FF"/>
+                </a:solidFill>
+                <a:highlight>
+                  <a:srgbClr val="FFFFFF"/>
+                </a:highlight>
+                <a:latin typeface="돋움체" panose="020B0609000101010101" pitchFamily="49" charset="-127"/>
+                <a:ea typeface="돋움체" panose="020B0609000101010101" pitchFamily="49" charset="-127"/>
+              </a:rPr>
+              <a:t>SIZE_T</a:t>
+            </a:r>
+            <a:r>
+              <a:rPr lang="en-US" altLang="ko-KR" sz="1200" b="0" i="0" dirty="0">
+                <a:solidFill>
+                  <a:srgbClr val="000000"/>
+                </a:solidFill>
+                <a:highlight>
+                  <a:srgbClr val="FFFFFF"/>
+                </a:highlight>
+                <a:latin typeface="돋움체" panose="020B0609000101010101" pitchFamily="49" charset="-127"/>
+                <a:ea typeface="돋움체" panose="020B0609000101010101" pitchFamily="49" charset="-127"/>
+              </a:rPr>
+              <a:t> </a:t>
+            </a:r>
+            <a:r>
+              <a:rPr lang="en-US" altLang="ko-KR" sz="1200" b="0" i="0" dirty="0">
+                <a:solidFill>
+                  <a:srgbClr val="000080"/>
+                </a:solidFill>
+                <a:highlight>
+                  <a:srgbClr val="FFFFFF"/>
+                </a:highlight>
+                <a:latin typeface="돋움체" panose="020B0609000101010101" pitchFamily="49" charset="-127"/>
+                <a:ea typeface="돋움체" panose="020B0609000101010101" pitchFamily="49" charset="-127"/>
+              </a:rPr>
+              <a:t>QuotaNonPagedPoolUsage</a:t>
+            </a:r>
+            <a:r>
+              <a:rPr lang="en-US" altLang="ko-KR" sz="1200" b="0" i="0" dirty="0">
+                <a:solidFill>
+                  <a:srgbClr val="000000"/>
+                </a:solidFill>
+                <a:highlight>
+                  <a:srgbClr val="FFFFFF"/>
+                </a:highlight>
+                <a:latin typeface="돋움체" panose="020B0609000101010101" pitchFamily="49" charset="-127"/>
+                <a:ea typeface="돋움체" panose="020B0609000101010101" pitchFamily="49" charset="-127"/>
+              </a:rPr>
+              <a:t>;</a:t>
+            </a:r>
+          </a:p>
+          <a:p>
+            <a:r>
+              <a:rPr lang="en-US" altLang="ko-KR" sz="1200" b="0" i="0" dirty="0">
+                <a:solidFill>
+                  <a:srgbClr val="000000"/>
+                </a:solidFill>
+                <a:highlight>
+                  <a:srgbClr val="FFFFFF"/>
+                </a:highlight>
+                <a:latin typeface="돋움체" panose="020B0609000101010101" pitchFamily="49" charset="-127"/>
+                <a:ea typeface="돋움체" panose="020B0609000101010101" pitchFamily="49" charset="-127"/>
+              </a:rPr>
+              <a:t>    </a:t>
+            </a:r>
+            <a:r>
+              <a:rPr lang="en-US" altLang="ko-KR" sz="1200" b="0" i="1" dirty="0">
+                <a:solidFill>
+                  <a:srgbClr val="0000FF"/>
+                </a:solidFill>
+                <a:highlight>
+                  <a:srgbClr val="FFFFFF"/>
+                </a:highlight>
+                <a:latin typeface="돋움체" panose="020B0609000101010101" pitchFamily="49" charset="-127"/>
+                <a:ea typeface="돋움체" panose="020B0609000101010101" pitchFamily="49" charset="-127"/>
+              </a:rPr>
+              <a:t>SIZE_T</a:t>
+            </a:r>
+            <a:r>
+              <a:rPr lang="en-US" altLang="ko-KR" sz="1200" b="0" i="0" dirty="0">
+                <a:solidFill>
+                  <a:srgbClr val="000000"/>
+                </a:solidFill>
+                <a:highlight>
+                  <a:srgbClr val="FFFFFF"/>
+                </a:highlight>
+                <a:latin typeface="돋움체" panose="020B0609000101010101" pitchFamily="49" charset="-127"/>
+                <a:ea typeface="돋움체" panose="020B0609000101010101" pitchFamily="49" charset="-127"/>
+              </a:rPr>
+              <a:t> </a:t>
+            </a:r>
+            <a:r>
+              <a:rPr lang="en-US" altLang="ko-KR" sz="1200" b="1" i="0" dirty="0">
+                <a:solidFill>
+                  <a:srgbClr val="FF0000"/>
+                </a:solidFill>
+                <a:highlight>
+                  <a:srgbClr val="FFFFFF"/>
+                </a:highlight>
+                <a:latin typeface="돋움체" panose="020B0609000101010101" pitchFamily="49" charset="-127"/>
+                <a:ea typeface="돋움체" panose="020B0609000101010101" pitchFamily="49" charset="-127"/>
+              </a:rPr>
+              <a:t>PagefileUsage</a:t>
+            </a:r>
+            <a:r>
+              <a:rPr lang="en-US" altLang="ko-KR" sz="1200" b="1" dirty="0">
+                <a:solidFill>
+                  <a:srgbClr val="FF0000"/>
+                </a:solidFill>
+                <a:highlight>
+                  <a:srgbClr val="FFFFFF"/>
+                </a:highlight>
+                <a:latin typeface="돋움체" panose="020B0609000101010101" pitchFamily="49" charset="-127"/>
+                <a:ea typeface="돋움체" panose="020B0609000101010101" pitchFamily="49" charset="-127"/>
+              </a:rPr>
+              <a:t>;</a:t>
+            </a:r>
+            <a:r>
+              <a:rPr lang="en-US" altLang="ko-KR" sz="1200" i="0" dirty="0">
+                <a:solidFill>
+                  <a:srgbClr val="FF0000"/>
+                </a:solidFill>
+                <a:highlight>
+                  <a:srgbClr val="FFFFFF"/>
+                </a:highlight>
+                <a:latin typeface="돋움체" panose="020B0609000101010101" pitchFamily="49" charset="-127"/>
+                <a:ea typeface="돋움체" panose="020B0609000101010101" pitchFamily="49" charset="-127"/>
+              </a:rPr>
+              <a:t>//</a:t>
+            </a:r>
+            <a:r>
+              <a:rPr lang="en-US" altLang="ko-KR" sz="1200" dirty="0">
+                <a:solidFill>
+                  <a:srgbClr val="FF0000"/>
+                </a:solidFill>
+                <a:highlight>
+                  <a:srgbClr val="FFFFFF"/>
+                </a:highlight>
+              </a:rPr>
+              <a:t>DRAM + </a:t>
+            </a:r>
+            <a:r>
+              <a:rPr lang="en-US" altLang="ko-KR" sz="1200" dirty="0" err="1">
+                <a:solidFill>
+                  <a:srgbClr val="FF0000"/>
+                </a:solidFill>
+                <a:highlight>
+                  <a:srgbClr val="FFFFFF"/>
+                </a:highlight>
+              </a:rPr>
+              <a:t>Pagefile</a:t>
+            </a:r>
+            <a:r>
+              <a:rPr lang="en-US" altLang="ko-KR" sz="1200" dirty="0">
+                <a:solidFill>
+                  <a:srgbClr val="FF0000"/>
+                </a:solidFill>
+                <a:highlight>
+                  <a:srgbClr val="FFFFFF"/>
+                </a:highlight>
+              </a:rPr>
+              <a:t> </a:t>
+            </a:r>
+            <a:r>
+              <a:rPr lang="ko-KR" altLang="en-US" sz="1200" dirty="0">
+                <a:solidFill>
+                  <a:srgbClr val="FF0000"/>
+                </a:solidFill>
+                <a:highlight>
+                  <a:srgbClr val="FFFFFF"/>
+                </a:highlight>
+              </a:rPr>
+              <a:t>포함한 커밋된 전체 가상 메모리</a:t>
+            </a:r>
+            <a:endParaRPr lang="en-US" altLang="ko-KR" sz="1200" i="0" dirty="0">
+              <a:solidFill>
+                <a:srgbClr val="FF0000"/>
+              </a:solidFill>
+              <a:highlight>
+                <a:srgbClr val="FFFFFF"/>
+              </a:highlight>
+              <a:latin typeface="돋움체" panose="020B0609000101010101" pitchFamily="49" charset="-127"/>
+              <a:ea typeface="돋움체" panose="020B0609000101010101" pitchFamily="49" charset="-127"/>
+            </a:endParaRPr>
+          </a:p>
+          <a:p>
+            <a:r>
+              <a:rPr lang="en-US" altLang="ko-KR" sz="1200" b="0" i="0" dirty="0">
+                <a:solidFill>
+                  <a:srgbClr val="000000"/>
+                </a:solidFill>
+                <a:highlight>
+                  <a:srgbClr val="FFFFFF"/>
+                </a:highlight>
+                <a:latin typeface="돋움체" panose="020B0609000101010101" pitchFamily="49" charset="-127"/>
+                <a:ea typeface="돋움체" panose="020B0609000101010101" pitchFamily="49" charset="-127"/>
+              </a:rPr>
+              <a:t>    </a:t>
+            </a:r>
+            <a:r>
+              <a:rPr lang="en-US" altLang="ko-KR" sz="1200" b="0" i="1" dirty="0">
+                <a:solidFill>
+                  <a:srgbClr val="0000FF"/>
+                </a:solidFill>
+                <a:highlight>
+                  <a:srgbClr val="FFFFFF"/>
+                </a:highlight>
+                <a:latin typeface="돋움체" panose="020B0609000101010101" pitchFamily="49" charset="-127"/>
+                <a:ea typeface="돋움체" panose="020B0609000101010101" pitchFamily="49" charset="-127"/>
+              </a:rPr>
+              <a:t>SIZE_T</a:t>
+            </a:r>
+            <a:r>
+              <a:rPr lang="en-US" altLang="ko-KR" sz="1200" b="0" i="0" dirty="0">
+                <a:solidFill>
+                  <a:srgbClr val="000000"/>
+                </a:solidFill>
+                <a:highlight>
+                  <a:srgbClr val="FFFFFF"/>
+                </a:highlight>
+                <a:latin typeface="돋움체" panose="020B0609000101010101" pitchFamily="49" charset="-127"/>
+                <a:ea typeface="돋움체" panose="020B0609000101010101" pitchFamily="49" charset="-127"/>
+              </a:rPr>
+              <a:t> </a:t>
+            </a:r>
+            <a:r>
+              <a:rPr lang="en-US" altLang="ko-KR" sz="1200" b="0" i="0" dirty="0">
+                <a:solidFill>
+                  <a:srgbClr val="000080"/>
+                </a:solidFill>
+                <a:highlight>
+                  <a:srgbClr val="FFFFFF"/>
+                </a:highlight>
+                <a:latin typeface="돋움체" panose="020B0609000101010101" pitchFamily="49" charset="-127"/>
+                <a:ea typeface="돋움체" panose="020B0609000101010101" pitchFamily="49" charset="-127"/>
+              </a:rPr>
+              <a:t>PeakPagefileUsage</a:t>
+            </a:r>
+            <a:r>
+              <a:rPr lang="en-US" altLang="ko-KR" sz="1200" b="0" i="0" dirty="0">
+                <a:solidFill>
+                  <a:srgbClr val="000000"/>
+                </a:solidFill>
+                <a:highlight>
+                  <a:srgbClr val="FFFFFF"/>
+                </a:highlight>
+                <a:latin typeface="돋움체" panose="020B0609000101010101" pitchFamily="49" charset="-127"/>
+                <a:ea typeface="돋움체" panose="020B0609000101010101" pitchFamily="49" charset="-127"/>
+              </a:rPr>
+              <a:t>;</a:t>
+            </a:r>
+          </a:p>
+          <a:p>
+            <a:r>
+              <a:rPr lang="en-US" altLang="ko-KR" sz="1200" b="0" i="0" dirty="0">
+                <a:solidFill>
+                  <a:srgbClr val="000000"/>
+                </a:solidFill>
+                <a:highlight>
+                  <a:srgbClr val="FFFFFF"/>
+                </a:highlight>
+                <a:latin typeface="돋움체" panose="020B0609000101010101" pitchFamily="49" charset="-127"/>
+                <a:ea typeface="돋움체" panose="020B0609000101010101" pitchFamily="49" charset="-127"/>
+              </a:rPr>
+              <a:t>    </a:t>
+            </a:r>
+            <a:r>
+              <a:rPr lang="en-US" altLang="ko-KR" sz="1200" b="0" i="1" dirty="0">
+                <a:solidFill>
+                  <a:srgbClr val="0000FF"/>
+                </a:solidFill>
+                <a:highlight>
+                  <a:srgbClr val="FFFFFF"/>
+                </a:highlight>
+                <a:latin typeface="돋움체" panose="020B0609000101010101" pitchFamily="49" charset="-127"/>
+                <a:ea typeface="돋움체" panose="020B0609000101010101" pitchFamily="49" charset="-127"/>
+              </a:rPr>
+              <a:t>SIZE_T</a:t>
+            </a:r>
+            <a:r>
+              <a:rPr lang="en-US" altLang="ko-KR" sz="1200" b="0" i="0" dirty="0">
+                <a:solidFill>
+                  <a:srgbClr val="000000"/>
+                </a:solidFill>
+                <a:highlight>
+                  <a:srgbClr val="FFFFFF"/>
+                </a:highlight>
+                <a:latin typeface="돋움체" panose="020B0609000101010101" pitchFamily="49" charset="-127"/>
+                <a:ea typeface="돋움체" panose="020B0609000101010101" pitchFamily="49" charset="-127"/>
+              </a:rPr>
+              <a:t> </a:t>
+            </a:r>
+            <a:r>
+              <a:rPr lang="en-US" altLang="ko-KR" sz="1200" b="0" i="0" dirty="0">
+                <a:solidFill>
+                  <a:srgbClr val="000080"/>
+                </a:solidFill>
+                <a:highlight>
+                  <a:srgbClr val="FFFFFF"/>
+                </a:highlight>
+                <a:latin typeface="돋움체" panose="020B0609000101010101" pitchFamily="49" charset="-127"/>
+                <a:ea typeface="돋움체" panose="020B0609000101010101" pitchFamily="49" charset="-127"/>
+              </a:rPr>
+              <a:t>PrivateUsage</a:t>
+            </a:r>
+            <a:r>
+              <a:rPr lang="en-US" altLang="ko-KR" sz="1200" b="0" i="0" dirty="0">
+                <a:solidFill>
+                  <a:srgbClr val="000000"/>
+                </a:solidFill>
+                <a:highlight>
+                  <a:srgbClr val="FFFFFF"/>
+                </a:highlight>
+                <a:latin typeface="돋움체" panose="020B0609000101010101" pitchFamily="49" charset="-127"/>
+                <a:ea typeface="돋움체" panose="020B0609000101010101" pitchFamily="49" charset="-127"/>
+              </a:rPr>
+              <a:t>;</a:t>
+            </a:r>
+          </a:p>
+          <a:p>
+            <a:r>
+              <a:rPr lang="en-US" altLang="ko-KR" sz="1200" b="0" i="0" dirty="0">
+                <a:solidFill>
+                  <a:srgbClr val="000000"/>
+                </a:solidFill>
+                <a:highlight>
+                  <a:srgbClr val="FFFFFF"/>
+                </a:highlight>
+                <a:latin typeface="돋움체" panose="020B0609000101010101" pitchFamily="49" charset="-127"/>
+                <a:ea typeface="돋움체" panose="020B0609000101010101" pitchFamily="49" charset="-127"/>
+              </a:rPr>
+              <a:t>} </a:t>
+            </a:r>
+            <a:r>
+              <a:rPr lang="en-US" altLang="ko-KR" sz="1200" b="0" i="1" dirty="0">
+                <a:solidFill>
+                  <a:srgbClr val="0000FF"/>
+                </a:solidFill>
+                <a:highlight>
+                  <a:srgbClr val="FFFFFF"/>
+                </a:highlight>
+                <a:latin typeface="돋움체" panose="020B0609000101010101" pitchFamily="49" charset="-127"/>
+                <a:ea typeface="돋움체" panose="020B0609000101010101" pitchFamily="49" charset="-127"/>
+              </a:rPr>
+              <a:t>PROCESS_MEMORY_COUNTERS_EX</a:t>
+            </a:r>
+            <a:r>
+              <a:rPr lang="en-US" altLang="ko-KR" sz="1200" b="0" i="0" dirty="0">
+                <a:solidFill>
+                  <a:srgbClr val="000000"/>
+                </a:solidFill>
+                <a:highlight>
+                  <a:srgbClr val="FFFFFF"/>
+                </a:highlight>
+                <a:latin typeface="돋움체" panose="020B0609000101010101" pitchFamily="49" charset="-127"/>
+                <a:ea typeface="돋움체" panose="020B0609000101010101" pitchFamily="49" charset="-127"/>
+              </a:rPr>
+              <a:t>;</a:t>
+            </a:r>
+            <a:endParaRPr lang="ko-KR" altLang="en-US" sz="1200" dirty="0"/>
+          </a:p>
+        </p:txBody>
+      </p:sp>
+      <p:sp>
+        <p:nvSpPr>
+          <p:cNvPr id="2" name="제목 1">
+            <a:extLst>
+              <a:ext uri="{FF2B5EF4-FFF2-40B4-BE49-F238E27FC236}">
+                <a16:creationId xmlns:a16="http://schemas.microsoft.com/office/drawing/2014/main" id="{1975A2AF-7EF1-4F8A-F39A-0F8BDBEFC8FC}"/>
+              </a:ext>
+            </a:extLst>
+          </p:cNvPr>
+          <p:cNvSpPr>
+            <a:spLocks noGrp="1"/>
+          </p:cNvSpPr>
+          <p:nvPr>
+            <p:ph type="title"/>
+          </p:nvPr>
+        </p:nvSpPr>
+        <p:spPr/>
+        <p:txBody>
+          <a:bodyPr/>
+          <a:lstStyle/>
+          <a:p>
+            <a:r>
+              <a:rPr lang="ko-KR" altLang="en-US" dirty="0"/>
+              <a:t>시스템 메모리</a:t>
+            </a:r>
+          </a:p>
+        </p:txBody>
+      </p:sp>
+      <p:pic>
+        <p:nvPicPr>
+          <p:cNvPr id="1034" name="Picture 10" descr="Put Computer Memory In The Slot Of Motherboard Stock Photo - Download Image  Now - iStock">
+            <a:extLst>
+              <a:ext uri="{FF2B5EF4-FFF2-40B4-BE49-F238E27FC236}">
+                <a16:creationId xmlns:a16="http://schemas.microsoft.com/office/drawing/2014/main" id="{BA6D9364-C970-1DEC-EC12-033369DF3FA3}"/>
+              </a:ext>
+            </a:extLst>
+          </p:cNvPr>
+          <p:cNvPicPr>
+            <a:picLocks noChangeAspect="1" noChangeArrowheads="1"/>
+          </p:cNvPicPr>
+          <p:nvPr/>
+        </p:nvPicPr>
+        <p:blipFill>
+          <a:blip r:embed="rId2">
+            <a:extLst>
+              <a:ext uri="{28A0092B-C50C-407E-A947-70E740481C1C}">
+                <a14:useLocalDpi xmlns:a14="http://schemas.microsoft.com/office/drawing/2010/main" val="0"/>
+              </a:ext>
+            </a:extLst>
+          </a:blip>
+          <a:srcRect/>
+          <a:stretch>
+            <a:fillRect/>
+          </a:stretch>
+        </p:blipFill>
+        <p:spPr bwMode="auto">
+          <a:xfrm>
+            <a:off x="128589" y="3661254"/>
+            <a:ext cx="2737514" cy="1823227"/>
+          </a:xfrm>
+          <a:prstGeom prst="rect">
+            <a:avLst/>
+          </a:prstGeom>
+          <a:noFill/>
+          <a:extLst>
+            <a:ext uri="{909E8E84-426E-40DD-AFC4-6F175D3DCCD1}">
+              <a14:hiddenFill xmlns:a14="http://schemas.microsoft.com/office/drawing/2010/main">
+                <a:solidFill>
+                  <a:srgbClr val="FFFFFF"/>
+                </a:solidFill>
+              </a14:hiddenFill>
+            </a:ext>
+          </a:extLst>
+        </p:spPr>
+      </p:pic>
+      <p:pic>
+        <p:nvPicPr>
+          <p:cNvPr id="1036" name="Picture 12" descr="SSD와 HDD 비교: SSD와 HDD 간의 주요 차이점 | Dell 대한민국">
+            <a:extLst>
+              <a:ext uri="{FF2B5EF4-FFF2-40B4-BE49-F238E27FC236}">
+                <a16:creationId xmlns:a16="http://schemas.microsoft.com/office/drawing/2014/main" id="{0960EFC2-D6AD-E6CA-7689-66CA0506279D}"/>
+              </a:ext>
+            </a:extLst>
+          </p:cNvPr>
+          <p:cNvPicPr>
+            <a:picLocks noChangeAspect="1" noChangeArrowheads="1"/>
+          </p:cNvPicPr>
+          <p:nvPr/>
+        </p:nvPicPr>
+        <p:blipFill>
+          <a:blip r:embed="rId3">
+            <a:extLst>
+              <a:ext uri="{28A0092B-C50C-407E-A947-70E740481C1C}">
+                <a14:useLocalDpi xmlns:a14="http://schemas.microsoft.com/office/drawing/2010/main" val="0"/>
+              </a:ext>
+            </a:extLst>
+          </a:blip>
+          <a:srcRect/>
+          <a:stretch>
+            <a:fillRect/>
+          </a:stretch>
+        </p:blipFill>
+        <p:spPr bwMode="auto">
+          <a:xfrm>
+            <a:off x="3122331" y="3661254"/>
+            <a:ext cx="3709687" cy="1837400"/>
+          </a:xfrm>
+          <a:prstGeom prst="rect">
+            <a:avLst/>
+          </a:prstGeom>
+          <a:noFill/>
+          <a:extLst>
+            <a:ext uri="{909E8E84-426E-40DD-AFC4-6F175D3DCCD1}">
+              <a14:hiddenFill xmlns:a14="http://schemas.microsoft.com/office/drawing/2010/main">
+                <a:solidFill>
+                  <a:srgbClr val="FFFFFF"/>
+                </a:solidFill>
+              </a14:hiddenFill>
+            </a:ext>
+          </a:extLst>
+        </p:spPr>
+      </p:pic>
+      <p:sp>
+        <p:nvSpPr>
+          <p:cNvPr id="8" name="TextBox 7">
+            <a:extLst>
+              <a:ext uri="{FF2B5EF4-FFF2-40B4-BE49-F238E27FC236}">
+                <a16:creationId xmlns:a16="http://schemas.microsoft.com/office/drawing/2014/main" id="{853DAC1C-7BA9-C09A-F242-79DFC9D96AC6}"/>
+              </a:ext>
+            </a:extLst>
+          </p:cNvPr>
+          <p:cNvSpPr txBox="1"/>
+          <p:nvPr/>
+        </p:nvSpPr>
+        <p:spPr>
+          <a:xfrm>
+            <a:off x="25832" y="2343830"/>
+            <a:ext cx="3893663" cy="1200329"/>
+          </a:xfrm>
+          <a:prstGeom prst="rect">
+            <a:avLst/>
+          </a:prstGeom>
+          <a:noFill/>
+        </p:spPr>
+        <p:txBody>
+          <a:bodyPr wrap="square">
+            <a:spAutoFit/>
+          </a:bodyPr>
+          <a:lstStyle/>
+          <a:p>
+            <a:r>
+              <a:rPr lang="ko-KR" altLang="en-US" sz="1200" dirty="0">
+                <a:latin typeface="Arial" panose="020B0604020202020204" pitchFamily="34" charset="0"/>
+              </a:rPr>
+              <a:t>동적 랜덤 액세스 메모리</a:t>
+            </a:r>
+            <a:endParaRPr lang="en-US" altLang="ko-KR" sz="1200" dirty="0">
+              <a:latin typeface="Arial" panose="020B0604020202020204" pitchFamily="34" charset="0"/>
+            </a:endParaRPr>
+          </a:p>
+          <a:p>
+            <a:r>
+              <a:rPr lang="en-US" altLang="ko-KR" sz="1200" dirty="0">
+                <a:latin typeface="Arial" panose="020B0604020202020204" pitchFamily="34" charset="0"/>
+              </a:rPr>
+              <a:t>(</a:t>
+            </a:r>
+            <a:r>
+              <a:rPr lang="en-US" altLang="ko-KR" sz="1200" b="0" i="0" dirty="0">
+                <a:effectLst/>
+                <a:latin typeface="Arial" panose="020B0604020202020204" pitchFamily="34" charset="0"/>
+              </a:rPr>
+              <a:t>Dynamic Random Access Memory)</a:t>
+            </a:r>
+          </a:p>
+          <a:p>
+            <a:r>
+              <a:rPr lang="en-US" altLang="ko-KR" sz="1200" dirty="0">
+                <a:latin typeface="Arial" panose="020B0604020202020204" pitchFamily="34" charset="0"/>
+              </a:rPr>
+              <a:t>DRAM</a:t>
+            </a:r>
+          </a:p>
+          <a:p>
+            <a:endParaRPr lang="en-US" altLang="ko-KR" sz="1200" dirty="0">
+              <a:latin typeface="Arial" panose="020B0604020202020204" pitchFamily="34" charset="0"/>
+            </a:endParaRPr>
+          </a:p>
+          <a:p>
+            <a:r>
+              <a:rPr lang="ko-KR" altLang="en-US" sz="1200" dirty="0"/>
+              <a:t>시스템 </a:t>
+            </a:r>
+            <a:r>
+              <a:rPr lang="en-US" altLang="ko-KR" sz="1200" dirty="0"/>
+              <a:t>RAM (</a:t>
+            </a:r>
+            <a:r>
+              <a:rPr lang="ko-KR" altLang="en-US" sz="1200" dirty="0"/>
+              <a:t>주 기억장치</a:t>
+            </a:r>
+            <a:r>
+              <a:rPr lang="en-US" altLang="ko-KR" sz="1200" dirty="0"/>
+              <a:t>) </a:t>
+            </a:r>
+            <a:br>
+              <a:rPr lang="en-US" altLang="ko-KR" sz="1200" dirty="0"/>
+            </a:br>
+            <a:r>
+              <a:rPr lang="en-US" altLang="ko-KR" sz="1200" dirty="0"/>
+              <a:t>DRAM</a:t>
+            </a:r>
+            <a:r>
+              <a:rPr lang="ko-KR" altLang="en-US" sz="1200" dirty="0"/>
+              <a:t>의 일부는 </a:t>
+            </a:r>
+            <a:r>
+              <a:rPr lang="en-US" altLang="ko-KR" sz="1200" dirty="0"/>
+              <a:t>GPU/CPU </a:t>
+            </a:r>
+            <a:r>
+              <a:rPr lang="ko-KR" altLang="en-US" sz="1200" dirty="0"/>
+              <a:t>모두 접근 가능</a:t>
+            </a:r>
+          </a:p>
+        </p:txBody>
+      </p:sp>
+      <p:sp>
+        <p:nvSpPr>
+          <p:cNvPr id="10" name="TextBox 9">
+            <a:extLst>
+              <a:ext uri="{FF2B5EF4-FFF2-40B4-BE49-F238E27FC236}">
+                <a16:creationId xmlns:a16="http://schemas.microsoft.com/office/drawing/2014/main" id="{3DDEDC88-0D64-B6E7-572E-4855A361E710}"/>
+              </a:ext>
+            </a:extLst>
+          </p:cNvPr>
+          <p:cNvSpPr txBox="1"/>
+          <p:nvPr/>
+        </p:nvSpPr>
+        <p:spPr>
+          <a:xfrm>
+            <a:off x="3270883" y="2474236"/>
+            <a:ext cx="3987167" cy="1200329"/>
+          </a:xfrm>
+          <a:prstGeom prst="rect">
+            <a:avLst/>
+          </a:prstGeom>
+          <a:noFill/>
+        </p:spPr>
+        <p:txBody>
+          <a:bodyPr wrap="square">
+            <a:spAutoFit/>
+          </a:bodyPr>
+          <a:lstStyle/>
+          <a:p>
+            <a:r>
+              <a:rPr lang="ko-KR" altLang="en-US" sz="1200" b="0" i="0" dirty="0">
+                <a:effectLst/>
+                <a:latin typeface="Arial" panose="020B0604020202020204" pitchFamily="34" charset="0"/>
+              </a:rPr>
+              <a:t>하드 디스크 드라이브</a:t>
+            </a:r>
+            <a:r>
+              <a:rPr lang="en-US" altLang="ko-KR" sz="1200" b="0" i="0" dirty="0">
+                <a:effectLst/>
+                <a:latin typeface="Arial" panose="020B0604020202020204" pitchFamily="34" charset="0"/>
+              </a:rPr>
+              <a:t>(Hard Disk Drive)</a:t>
+            </a:r>
+          </a:p>
+          <a:p>
+            <a:r>
+              <a:rPr lang="en-US" altLang="ko-KR" sz="1200" dirty="0"/>
+              <a:t>SSD(Solid State Drive)</a:t>
+            </a:r>
+          </a:p>
+          <a:p>
+            <a:r>
+              <a:rPr lang="en-US" altLang="ko-KR" sz="1200" dirty="0"/>
+              <a:t>C:\pagefile.sys</a:t>
+            </a:r>
+          </a:p>
+          <a:p>
+            <a:endParaRPr lang="en-US" altLang="ko-KR" sz="1200" dirty="0"/>
+          </a:p>
+          <a:p>
+            <a:r>
+              <a:rPr lang="ko-KR" altLang="en-US" sz="1200" dirty="0"/>
+              <a:t>디스크 공간을 가상 메모리로 사용 </a:t>
+            </a:r>
+            <a:endParaRPr lang="en-US" altLang="ko-KR" sz="1200" dirty="0"/>
+          </a:p>
+          <a:p>
+            <a:r>
+              <a:rPr lang="en-US" altLang="ko-KR" sz="1200" dirty="0"/>
+              <a:t>(</a:t>
+            </a:r>
+            <a:r>
+              <a:rPr lang="ko-KR" altLang="en-US" sz="1200" dirty="0"/>
+              <a:t>상대적 가장 느림</a:t>
+            </a:r>
+            <a:r>
+              <a:rPr lang="en-US" altLang="ko-KR" sz="1200" dirty="0"/>
+              <a:t>)</a:t>
+            </a:r>
+          </a:p>
+        </p:txBody>
+      </p:sp>
+      <p:graphicFrame>
+        <p:nvGraphicFramePr>
+          <p:cNvPr id="3" name="표 2">
+            <a:extLst>
+              <a:ext uri="{FF2B5EF4-FFF2-40B4-BE49-F238E27FC236}">
+                <a16:creationId xmlns:a16="http://schemas.microsoft.com/office/drawing/2014/main" id="{9C9AD4A1-802B-FF8B-B2DA-FB6B8F176815}"/>
+              </a:ext>
+            </a:extLst>
+          </p:cNvPr>
+          <p:cNvGraphicFramePr>
+            <a:graphicFrameLocks noGrp="1"/>
+          </p:cNvGraphicFramePr>
+          <p:nvPr>
+            <p:extLst>
+              <p:ext uri="{D42A27DB-BD31-4B8C-83A1-F6EECF244321}">
+                <p14:modId xmlns:p14="http://schemas.microsoft.com/office/powerpoint/2010/main" val="222606568"/>
+              </p:ext>
+            </p:extLst>
+          </p:nvPr>
+        </p:nvGraphicFramePr>
+        <p:xfrm>
+          <a:off x="169959" y="5846246"/>
+          <a:ext cx="8454247" cy="914400"/>
+        </p:xfrm>
+        <a:graphic>
+          <a:graphicData uri="http://schemas.openxmlformats.org/drawingml/2006/table">
+            <a:tbl>
+              <a:tblPr/>
+              <a:tblGrid>
+                <a:gridCol w="1722250">
+                  <a:extLst>
+                    <a:ext uri="{9D8B030D-6E8A-4147-A177-3AD203B41FA5}">
+                      <a16:colId xmlns:a16="http://schemas.microsoft.com/office/drawing/2014/main" val="961318250"/>
+                    </a:ext>
+                  </a:extLst>
+                </a:gridCol>
+                <a:gridCol w="6731997">
+                  <a:extLst>
+                    <a:ext uri="{9D8B030D-6E8A-4147-A177-3AD203B41FA5}">
+                      <a16:colId xmlns:a16="http://schemas.microsoft.com/office/drawing/2014/main" val="2317434376"/>
+                    </a:ext>
+                  </a:extLst>
+                </a:gridCol>
+              </a:tblGrid>
+              <a:tr h="0">
+                <a:tc>
+                  <a:txBody>
+                    <a:bodyPr/>
+                    <a:lstStyle/>
+                    <a:p>
+                      <a:r>
+                        <a:rPr lang="ko-KR" altLang="en-US" sz="1400"/>
+                        <a:t>구분</a:t>
+                      </a:r>
+                    </a:p>
+                  </a:txBody>
+                  <a:tcPr anchor="ctr">
+                    <a:lnL>
+                      <a:noFill/>
+                    </a:lnL>
+                    <a:lnR>
+                      <a:noFill/>
+                    </a:lnR>
+                    <a:lnT>
+                      <a:noFill/>
+                    </a:lnT>
+                    <a:lnB>
+                      <a:noFill/>
+                    </a:lnB>
+                    <a:noFill/>
+                  </a:tcPr>
+                </a:tc>
+                <a:tc>
+                  <a:txBody>
+                    <a:bodyPr/>
+                    <a:lstStyle/>
+                    <a:p>
+                      <a:r>
+                        <a:rPr lang="ko-KR" altLang="en-US" sz="1400" dirty="0"/>
+                        <a:t>의미</a:t>
+                      </a:r>
+                    </a:p>
+                  </a:txBody>
+                  <a:tcPr anchor="ctr">
+                    <a:lnL>
+                      <a:noFill/>
+                    </a:lnL>
+                    <a:lnR>
+                      <a:noFill/>
+                    </a:lnR>
+                    <a:lnT>
+                      <a:noFill/>
+                    </a:lnT>
+                    <a:lnB>
+                      <a:noFill/>
+                    </a:lnB>
+                    <a:noFill/>
+                  </a:tcPr>
+                </a:tc>
+                <a:extLst>
+                  <a:ext uri="{0D108BD9-81ED-4DB2-BD59-A6C34878D82A}">
+                    <a16:rowId xmlns:a16="http://schemas.microsoft.com/office/drawing/2014/main" val="3709592693"/>
+                  </a:ext>
+                </a:extLst>
+              </a:tr>
+              <a:tr h="0">
+                <a:tc>
+                  <a:txBody>
+                    <a:bodyPr/>
+                    <a:lstStyle/>
+                    <a:p>
+                      <a:r>
+                        <a:rPr lang="ko-KR" altLang="en-US" sz="1400" dirty="0"/>
+                        <a:t>예약</a:t>
+                      </a:r>
+                      <a:r>
+                        <a:rPr lang="en-US" altLang="ko-KR" sz="1400" dirty="0"/>
+                        <a:t>(</a:t>
+                      </a:r>
+                      <a:r>
+                        <a:rPr lang="en-US" sz="1400" dirty="0"/>
+                        <a:t>Reservation)</a:t>
+                      </a:r>
+                    </a:p>
+                  </a:txBody>
+                  <a:tcPr anchor="ctr">
+                    <a:lnL>
+                      <a:noFill/>
+                    </a:lnL>
+                    <a:lnR>
+                      <a:noFill/>
+                    </a:lnR>
+                    <a:lnT>
+                      <a:noFill/>
+                    </a:lnT>
+                    <a:lnB>
+                      <a:noFill/>
+                    </a:lnB>
+                    <a:noFill/>
+                  </a:tcPr>
+                </a:tc>
+                <a:tc>
+                  <a:txBody>
+                    <a:bodyPr/>
+                    <a:lstStyle/>
+                    <a:p>
+                      <a:r>
+                        <a:rPr lang="ko-KR" altLang="en-US" sz="1400" dirty="0"/>
+                        <a:t>가상 주소만 확보</a:t>
+                      </a:r>
+                      <a:r>
+                        <a:rPr lang="en-US" altLang="ko-KR" sz="1400" dirty="0"/>
+                        <a:t>, </a:t>
+                      </a:r>
+                      <a:r>
+                        <a:rPr lang="ko-KR" altLang="en-US" sz="1400" dirty="0"/>
+                        <a:t>실제 메모리 없음</a:t>
+                      </a:r>
+                    </a:p>
+                  </a:txBody>
+                  <a:tcPr anchor="ctr">
+                    <a:lnL>
+                      <a:noFill/>
+                    </a:lnL>
+                    <a:lnR>
+                      <a:noFill/>
+                    </a:lnR>
+                    <a:lnT>
+                      <a:noFill/>
+                    </a:lnT>
+                    <a:lnB>
+                      <a:noFill/>
+                    </a:lnB>
+                    <a:noFill/>
+                  </a:tcPr>
+                </a:tc>
+                <a:extLst>
+                  <a:ext uri="{0D108BD9-81ED-4DB2-BD59-A6C34878D82A}">
+                    <a16:rowId xmlns:a16="http://schemas.microsoft.com/office/drawing/2014/main" val="3987846068"/>
+                  </a:ext>
+                </a:extLst>
+              </a:tr>
+              <a:tr h="0">
+                <a:tc>
+                  <a:txBody>
+                    <a:bodyPr/>
+                    <a:lstStyle/>
+                    <a:p>
+                      <a:r>
+                        <a:rPr lang="ko-KR" altLang="en-US" sz="1400"/>
+                        <a:t>커밋</a:t>
+                      </a:r>
+                      <a:r>
+                        <a:rPr lang="en-US" altLang="ko-KR" sz="1400"/>
+                        <a:t>(</a:t>
+                      </a:r>
+                      <a:r>
+                        <a:rPr lang="en-US" sz="1400"/>
+                        <a:t>Committed)</a:t>
+                      </a:r>
+                    </a:p>
+                  </a:txBody>
+                  <a:tcPr anchor="ctr">
+                    <a:lnL>
+                      <a:noFill/>
+                    </a:lnL>
+                    <a:lnR>
+                      <a:noFill/>
+                    </a:lnR>
+                    <a:lnT>
+                      <a:noFill/>
+                    </a:lnT>
+                    <a:lnB>
+                      <a:noFill/>
+                    </a:lnB>
+                    <a:noFill/>
+                  </a:tcPr>
+                </a:tc>
+                <a:tc>
+                  <a:txBody>
+                    <a:bodyPr/>
+                    <a:lstStyle/>
+                    <a:p>
+                      <a:r>
+                        <a:rPr lang="ko-KR" altLang="en-US" sz="1400" dirty="0"/>
+                        <a:t>실제 </a:t>
+                      </a:r>
+                      <a:r>
+                        <a:rPr lang="en-US" altLang="ko-KR" sz="1400" dirty="0"/>
+                        <a:t>DRAM </a:t>
+                      </a:r>
+                      <a:r>
+                        <a:rPr lang="ko-KR" altLang="en-US" sz="1400" dirty="0"/>
+                        <a:t>또는 </a:t>
+                      </a:r>
+                      <a:r>
+                        <a:rPr lang="en-US" altLang="ko-KR" sz="1400" dirty="0" err="1"/>
+                        <a:t>PageFile</a:t>
+                      </a:r>
+                      <a:r>
+                        <a:rPr lang="en-US" altLang="ko-KR" sz="1400" dirty="0"/>
+                        <a:t> </a:t>
+                      </a:r>
+                      <a:r>
+                        <a:rPr lang="ko-KR" altLang="en-US" sz="1400" dirty="0"/>
+                        <a:t>할당됨</a:t>
+                      </a:r>
+                    </a:p>
+                  </a:txBody>
+                  <a:tcPr anchor="ctr">
+                    <a:lnL>
+                      <a:noFill/>
+                    </a:lnL>
+                    <a:lnR>
+                      <a:noFill/>
+                    </a:lnR>
+                    <a:lnT>
+                      <a:noFill/>
+                    </a:lnT>
+                    <a:lnB>
+                      <a:noFill/>
+                    </a:lnB>
+                    <a:noFill/>
+                  </a:tcPr>
+                </a:tc>
+                <a:extLst>
+                  <a:ext uri="{0D108BD9-81ED-4DB2-BD59-A6C34878D82A}">
+                    <a16:rowId xmlns:a16="http://schemas.microsoft.com/office/drawing/2014/main" val="3121148790"/>
+                  </a:ext>
+                </a:extLst>
+              </a:tr>
+            </a:tbl>
+          </a:graphicData>
+        </a:graphic>
+      </p:graphicFrame>
+      <p:sp>
+        <p:nvSpPr>
+          <p:cNvPr id="4" name="TextBox 3">
+            <a:extLst>
+              <a:ext uri="{FF2B5EF4-FFF2-40B4-BE49-F238E27FC236}">
+                <a16:creationId xmlns:a16="http://schemas.microsoft.com/office/drawing/2014/main" id="{05B6251F-D877-6B44-48F7-924B9F4529C8}"/>
+              </a:ext>
+            </a:extLst>
+          </p:cNvPr>
+          <p:cNvSpPr txBox="1"/>
+          <p:nvPr/>
+        </p:nvSpPr>
+        <p:spPr>
+          <a:xfrm>
+            <a:off x="128589" y="1506022"/>
+            <a:ext cx="11765756" cy="646331"/>
+          </a:xfrm>
+          <a:prstGeom prst="rect">
+            <a:avLst/>
+          </a:prstGeom>
+          <a:noFill/>
+        </p:spPr>
+        <p:txBody>
+          <a:bodyPr wrap="square">
+            <a:spAutoFit/>
+          </a:bodyPr>
+          <a:lstStyle/>
+          <a:p>
+            <a:r>
+              <a:rPr lang="ko-KR" altLang="en-US" dirty="0"/>
+              <a:t> 프로세스를 위한 논리적인 주소공간 가상메모리 시스템을 사용한다</a:t>
+            </a:r>
+            <a:r>
+              <a:rPr lang="en-US" altLang="ko-KR" dirty="0"/>
+              <a:t>.  </a:t>
+            </a:r>
+            <a:r>
+              <a:rPr lang="ko-KR" altLang="en-US" dirty="0"/>
+              <a:t>각</a:t>
+            </a:r>
+            <a:r>
+              <a:rPr lang="en-US" altLang="ko-KR" dirty="0"/>
+              <a:t> </a:t>
+            </a:r>
+            <a:r>
+              <a:rPr lang="ko-KR" altLang="en-US" dirty="0"/>
+              <a:t>프로세스마다  논리주소공간은 다른</a:t>
+            </a:r>
+            <a:endParaRPr lang="en-US" altLang="ko-KR" dirty="0"/>
+          </a:p>
+          <a:p>
+            <a:r>
+              <a:rPr lang="en-US" altLang="ko-KR" dirty="0"/>
+              <a:t>DRAM </a:t>
+            </a:r>
+            <a:r>
+              <a:rPr lang="ko-KR" altLang="en-US" dirty="0"/>
+              <a:t>영역과 </a:t>
+            </a:r>
+            <a:r>
+              <a:rPr lang="en-US" altLang="ko-KR" dirty="0"/>
+              <a:t>Pagefile.sys</a:t>
+            </a:r>
+            <a:r>
+              <a:rPr lang="ko-KR" altLang="en-US" dirty="0"/>
+              <a:t>에 매핑</a:t>
+            </a:r>
+            <a:r>
+              <a:rPr lang="en-US" altLang="ko-KR" dirty="0"/>
+              <a:t>(Page 4KB</a:t>
+            </a:r>
+            <a:r>
+              <a:rPr lang="ko-KR" altLang="en-US" dirty="0"/>
+              <a:t>단위</a:t>
+            </a:r>
+            <a:r>
+              <a:rPr lang="en-US" altLang="ko-KR" dirty="0"/>
+              <a:t>)</a:t>
+            </a:r>
+            <a:r>
+              <a:rPr lang="ko-KR" altLang="en-US" dirty="0"/>
+              <a:t>한다</a:t>
+            </a:r>
+            <a:r>
+              <a:rPr lang="en-US" altLang="ko-KR" dirty="0"/>
+              <a:t>.</a:t>
+            </a:r>
+            <a:r>
+              <a:rPr lang="ko-KR" altLang="en-US" dirty="0"/>
+              <a:t> </a:t>
+            </a:r>
+            <a:r>
+              <a:rPr lang="en-US" altLang="ko-KR" b="1" dirty="0"/>
+              <a:t>DRAM</a:t>
+            </a:r>
+            <a:r>
+              <a:rPr lang="en-US" altLang="ko-KR" dirty="0"/>
+              <a:t> </a:t>
+            </a:r>
+            <a:r>
+              <a:rPr lang="ko-KR" altLang="en-US" dirty="0"/>
+              <a:t>사용량이 많아지면 </a:t>
+            </a:r>
+            <a:r>
+              <a:rPr lang="en-US" altLang="ko-KR" dirty="0"/>
+              <a:t>OS</a:t>
+            </a:r>
+            <a:r>
+              <a:rPr lang="ko-KR" altLang="en-US" dirty="0"/>
+              <a:t>가 </a:t>
+            </a:r>
+            <a:r>
+              <a:rPr lang="en-US" altLang="ko-KR" b="1" dirty="0"/>
+              <a:t>Pagefile.sys </a:t>
+            </a:r>
+            <a:r>
+              <a:rPr lang="ko-KR" altLang="en-US" dirty="0"/>
+              <a:t>로 이동한다</a:t>
+            </a:r>
+            <a:r>
+              <a:rPr lang="en-US" altLang="ko-KR" dirty="0"/>
+              <a:t>.</a:t>
+            </a:r>
+          </a:p>
+        </p:txBody>
+      </p:sp>
+      <p:sp>
+        <p:nvSpPr>
+          <p:cNvPr id="5" name="화살표: 위로 구부러짐 4">
+            <a:extLst>
+              <a:ext uri="{FF2B5EF4-FFF2-40B4-BE49-F238E27FC236}">
+                <a16:creationId xmlns:a16="http://schemas.microsoft.com/office/drawing/2014/main" id="{B1BF585B-8899-80B4-B712-321560A02886}"/>
+              </a:ext>
+            </a:extLst>
+          </p:cNvPr>
+          <p:cNvSpPr/>
+          <p:nvPr/>
+        </p:nvSpPr>
+        <p:spPr>
+          <a:xfrm flipV="1">
+            <a:off x="5878113" y="1360725"/>
+            <a:ext cx="3787381" cy="480446"/>
+          </a:xfrm>
+          <a:prstGeom prst="curvedUpArrow">
+            <a:avLst/>
+          </a:prstGeom>
+        </p:spPr>
+        <p:style>
+          <a:lnRef idx="2">
+            <a:schemeClr val="accent1">
+              <a:shade val="15000"/>
+            </a:schemeClr>
+          </a:lnRef>
+          <a:fillRef idx="1">
+            <a:schemeClr val="accent1"/>
+          </a:fillRef>
+          <a:effectRef idx="0">
+            <a:schemeClr val="accent1"/>
+          </a:effectRef>
+          <a:fontRef idx="minor">
+            <a:schemeClr val="lt1"/>
+          </a:fontRef>
+        </p:style>
+        <p:txBody>
+          <a:bodyPr rtlCol="0" anchor="ctr"/>
+          <a:lstStyle/>
+          <a:p>
+            <a:pPr algn="ctr"/>
+            <a:endParaRPr lang="ko-KR" altLang="en-US">
+              <a:solidFill>
+                <a:schemeClr val="tx1"/>
+              </a:solidFill>
+            </a:endParaRPr>
+          </a:p>
+        </p:txBody>
+      </p:sp>
+      <p:sp>
+        <p:nvSpPr>
+          <p:cNvPr id="6" name="화살표: 아래로 구부러짐 5">
+            <a:extLst>
+              <a:ext uri="{FF2B5EF4-FFF2-40B4-BE49-F238E27FC236}">
+                <a16:creationId xmlns:a16="http://schemas.microsoft.com/office/drawing/2014/main" id="{9FA8AB3D-8C4C-32A9-F2D0-2DF520C4C4CF}"/>
+              </a:ext>
+            </a:extLst>
+          </p:cNvPr>
+          <p:cNvSpPr/>
+          <p:nvPr/>
+        </p:nvSpPr>
+        <p:spPr>
+          <a:xfrm flipH="1" flipV="1">
+            <a:off x="5878113" y="2132982"/>
+            <a:ext cx="3658791" cy="265414"/>
+          </a:xfrm>
+          <a:prstGeom prst="curvedDownArrow">
+            <a:avLst/>
+          </a:prstGeom>
+        </p:spPr>
+        <p:style>
+          <a:lnRef idx="2">
+            <a:schemeClr val="accent1">
+              <a:shade val="15000"/>
+            </a:schemeClr>
+          </a:lnRef>
+          <a:fillRef idx="1">
+            <a:schemeClr val="accent1"/>
+          </a:fillRef>
+          <a:effectRef idx="0">
+            <a:schemeClr val="accent1"/>
+          </a:effectRef>
+          <a:fontRef idx="minor">
+            <a:schemeClr val="lt1"/>
+          </a:fontRef>
+        </p:style>
+        <p:txBody>
+          <a:bodyPr rtlCol="0" anchor="ctr"/>
+          <a:lstStyle/>
+          <a:p>
+            <a:pPr algn="ctr"/>
+            <a:endParaRPr lang="ko-KR" altLang="en-US" dirty="0">
+              <a:solidFill>
+                <a:schemeClr val="tx1"/>
+              </a:solidFill>
+            </a:endParaRPr>
+          </a:p>
+        </p:txBody>
+      </p:sp>
+      <p:sp>
+        <p:nvSpPr>
+          <p:cNvPr id="7" name="TextBox 6">
+            <a:extLst>
+              <a:ext uri="{FF2B5EF4-FFF2-40B4-BE49-F238E27FC236}">
+                <a16:creationId xmlns:a16="http://schemas.microsoft.com/office/drawing/2014/main" id="{AE084BEA-BA21-3F0E-2B93-67144BA9F0CB}"/>
+              </a:ext>
+            </a:extLst>
+          </p:cNvPr>
+          <p:cNvSpPr txBox="1"/>
+          <p:nvPr/>
+        </p:nvSpPr>
+        <p:spPr>
+          <a:xfrm>
+            <a:off x="7199781" y="1043029"/>
+            <a:ext cx="1853803" cy="307777"/>
+          </a:xfrm>
+          <a:prstGeom prst="rect">
+            <a:avLst/>
+          </a:prstGeom>
+          <a:noFill/>
+        </p:spPr>
+        <p:txBody>
+          <a:bodyPr wrap="square">
+            <a:spAutoFit/>
+          </a:bodyPr>
+          <a:lstStyle/>
+          <a:p>
+            <a:r>
+              <a:rPr lang="en-US" altLang="ko-KR" sz="1400" dirty="0"/>
+              <a:t>Page-out</a:t>
+            </a:r>
+            <a:endParaRPr lang="ko-KR" altLang="en-US" dirty="0"/>
+          </a:p>
+        </p:txBody>
+      </p:sp>
+      <p:sp>
+        <p:nvSpPr>
+          <p:cNvPr id="9" name="TextBox 8">
+            <a:extLst>
+              <a:ext uri="{FF2B5EF4-FFF2-40B4-BE49-F238E27FC236}">
+                <a16:creationId xmlns:a16="http://schemas.microsoft.com/office/drawing/2014/main" id="{45B1AC64-D302-94D9-CE73-0A7E98A8E31D}"/>
+              </a:ext>
+            </a:extLst>
+          </p:cNvPr>
+          <p:cNvSpPr txBox="1"/>
+          <p:nvPr/>
+        </p:nvSpPr>
+        <p:spPr>
+          <a:xfrm>
+            <a:off x="7199781" y="2130326"/>
+            <a:ext cx="1651993" cy="307777"/>
+          </a:xfrm>
+          <a:prstGeom prst="rect">
+            <a:avLst/>
+          </a:prstGeom>
+          <a:noFill/>
+        </p:spPr>
+        <p:txBody>
+          <a:bodyPr wrap="square">
+            <a:spAutoFit/>
+          </a:bodyPr>
+          <a:lstStyle/>
+          <a:p>
+            <a:r>
+              <a:rPr lang="en-US" altLang="ko-KR" sz="1400" dirty="0"/>
+              <a:t>Page-in</a:t>
+            </a:r>
+            <a:endParaRPr lang="ko-KR" altLang="en-US" sz="1400" dirty="0"/>
+          </a:p>
+        </p:txBody>
+      </p:sp>
+      <p:sp>
+        <p:nvSpPr>
+          <p:cNvPr id="12" name="TextBox 11">
+            <a:extLst>
+              <a:ext uri="{FF2B5EF4-FFF2-40B4-BE49-F238E27FC236}">
+                <a16:creationId xmlns:a16="http://schemas.microsoft.com/office/drawing/2014/main" id="{8296E631-16B2-2188-A94A-B99BD4559C5C}"/>
+              </a:ext>
+            </a:extLst>
+          </p:cNvPr>
+          <p:cNvSpPr txBox="1"/>
+          <p:nvPr/>
+        </p:nvSpPr>
+        <p:spPr>
+          <a:xfrm>
+            <a:off x="5518619" y="630535"/>
+            <a:ext cx="6722268" cy="307777"/>
+          </a:xfrm>
+          <a:prstGeom prst="rect">
+            <a:avLst/>
+          </a:prstGeom>
+          <a:noFill/>
+        </p:spPr>
+        <p:txBody>
+          <a:bodyPr wrap="square">
+            <a:spAutoFit/>
+          </a:bodyPr>
+          <a:lstStyle/>
+          <a:p>
+            <a:r>
+              <a:rPr lang="en-US" altLang="ko-KR" sz="1400" dirty="0" err="1"/>
+              <a:t>PageFault</a:t>
+            </a:r>
+            <a:r>
+              <a:rPr lang="en-US" altLang="ko-KR" sz="1400" dirty="0"/>
+              <a:t>: </a:t>
+            </a:r>
+            <a:r>
+              <a:rPr lang="ko-KR" altLang="en-US" sz="1400" dirty="0"/>
+              <a:t>필요한 페이지가 </a:t>
+            </a:r>
+            <a:r>
+              <a:rPr lang="en-US" altLang="ko-KR" sz="1400" dirty="0"/>
+              <a:t>DRAM</a:t>
+            </a:r>
+            <a:r>
+              <a:rPr lang="ko-KR" altLang="en-US" sz="1400" dirty="0"/>
+              <a:t>에 없어 디스크에서 다시 </a:t>
+            </a:r>
+            <a:r>
+              <a:rPr lang="en-US" altLang="ko-KR" sz="1400" dirty="0"/>
+              <a:t>Page-in </a:t>
+            </a:r>
+            <a:r>
+              <a:rPr lang="ko-KR" altLang="en-US" sz="1400" dirty="0"/>
+              <a:t>하는 것</a:t>
+            </a:r>
+            <a:endParaRPr lang="ko-KR" altLang="en-US" dirty="0"/>
+          </a:p>
+        </p:txBody>
+      </p:sp>
+    </p:spTree>
+    <p:extLst>
+      <p:ext uri="{BB962C8B-B14F-4D97-AF65-F5344CB8AC3E}">
+        <p14:creationId xmlns:p14="http://schemas.microsoft.com/office/powerpoint/2010/main" val="1730668083"/>
       </p:ext>
     </p:extLst>
   </p:cSld>
